--- a/docs/206/lab_reports/Lab_Reports_206.pptx
+++ b/docs/206/lab_reports/Lab_Reports_206.pptx
@@ -4,8 +4,14 @@
   <p:sldMasterIdLst>
     <p:sldMasterId id="2147483672" r:id="rId1"/>
   </p:sldMasterIdLst>
+  <p:notesMasterIdLst>
+    <p:notesMasterId r:id="rId6"/>
+  </p:notesMasterIdLst>
   <p:sldIdLst>
     <p:sldId id="256" r:id="rId2"/>
+    <p:sldId id="257" r:id="rId3"/>
+    <p:sldId id="258" r:id="rId4"/>
+    <p:sldId id="259" r:id="rId5"/>
   </p:sldIdLst>
   <p:sldSz cx="6858000" cy="9144000" type="screen4x3"/>
   <p:notesSz cx="6858000" cy="9144000"/>
@@ -104,7 +110,715 @@
       </a:defRPr>
     </a:lvl9pPr>
   </p:defaultTextStyle>
+  <p:extLst>
+    <p:ext uri="{EFAFB233-063F-42B5-8137-9DF3F51BA10A}">
+      <p15:sldGuideLst xmlns:p15="http://schemas.microsoft.com/office/powerpoint/2012/main"/>
+    </p:ext>
+  </p:extLst>
 </p:presentation>
+</file>
+
+<file path=ppt/ink/ink1.xml><?xml version="1.0" encoding="utf-8"?>
+<inkml:ink xmlns:inkml="http://www.w3.org/2003/InkML">
+  <inkml:definitions>
+    <inkml:context xml:id="ctx0">
+      <inkml:inkSource xml:id="inkSrc0">
+        <inkml:traceFormat>
+          <inkml:channel name="X" type="integer" min="-2.14748E9" max="2.14748E9" units="cm"/>
+          <inkml:channel name="Y" type="integer" min="-2.14748E9" max="2.14748E9" units="cm"/>
+          <inkml:channel name="F" type="integer" max="32767" units="dev"/>
+        </inkml:traceFormat>
+        <inkml:channelProperties>
+          <inkml:channelProperty channel="X" name="resolution" value="1000" units="1/cm"/>
+          <inkml:channelProperty channel="Y" name="resolution" value="1000" units="1/cm"/>
+          <inkml:channelProperty channel="F" name="resolution" value="0" units="1/dev"/>
+        </inkml:channelProperties>
+      </inkml:inkSource>
+      <inkml:timestamp xml:id="ts0" timeString="2024-09-10T16:58:16.639"/>
+    </inkml:context>
+    <inkml:brush xml:id="br0">
+      <inkml:brushProperty name="width" value="0.035" units="cm"/>
+      <inkml:brushProperty name="height" value="0.035" units="cm"/>
+    </inkml:brush>
+  </inkml:definitions>
+  <inkml:trace contextRef="#ctx0" brushRef="#br0">1 0 24575,'18'0'0,"1"0"0,2 0 0,1 3 0,-5 1 0,3 3 0,-2 0 0,3 0 0,-3 0 0,2 0 0,-2 3 0,3-2 0,5 6 0,0-2 0,1 3 0,3 0 0,-3 5 0,0-4 0,5 8 0,-9-9 0,0 4 0,-3-8 0,-6 1 0,3-4 0,-7 1 0,-1-3 0,-4 0 0,1-3 0,0 2 0,0-4 0,0 4 0,-1-4 0,-2 4 0,0-5 0,-3 3 0</inkml:trace>
+</inkml:ink>
+</file>
+
+<file path=ppt/ink/ink2.xml><?xml version="1.0" encoding="utf-8"?>
+<inkml:ink xmlns:inkml="http://www.w3.org/2003/InkML">
+  <inkml:definitions>
+    <inkml:context xml:id="ctx0">
+      <inkml:inkSource xml:id="inkSrc0">
+        <inkml:traceFormat>
+          <inkml:channel name="X" type="integer" min="-2.14748E9" max="2.14748E9" units="cm"/>
+          <inkml:channel name="Y" type="integer" min="-2.14748E9" max="2.14748E9" units="cm"/>
+          <inkml:channel name="F" type="integer" max="32767" units="dev"/>
+        </inkml:traceFormat>
+        <inkml:channelProperties>
+          <inkml:channelProperty channel="X" name="resolution" value="1000" units="1/cm"/>
+          <inkml:channelProperty channel="Y" name="resolution" value="1000" units="1/cm"/>
+          <inkml:channelProperty channel="F" name="resolution" value="0" units="1/dev"/>
+        </inkml:channelProperties>
+      </inkml:inkSource>
+      <inkml:timestamp xml:id="ts0" timeString="2024-09-10T17:00:55.833"/>
+    </inkml:context>
+    <inkml:brush xml:id="br0">
+      <inkml:brushProperty name="width" value="0.035" units="cm"/>
+      <inkml:brushProperty name="height" value="0.035" units="cm"/>
+    </inkml:brush>
+  </inkml:definitions>
+  <inkml:trace contextRef="#ctx0" brushRef="#br0">0 1 24575,'11'0'0,"-4"0"0,4 0 0,-5 0 0,-1 2 0,1-1 0,0 4 0,0-4 0,0 1 0,0 1 0,-1-2 0,1 4 0,3-4 0,-2 4 0,2-4 0,0 4 0,-2-4 0,2 4 0,0-4 0,-3 2 0,3-1 0,-3-1 0,0 4 0,0-4 0,0 2 0,-1-1 0,1-1 0,0 2 0,0-3 0,0 2 0,0-1 0,-1 1 0,1 1 0,0-2 0,0 1 0,0 1 0,0-2 0,-1 4 0,1-5 0,0 3 0,0-3 0,0 3 0,-1-3 0,1 6 0,0-6 0,0 5 0,3-4 0,1 5 0,0-3 0,2 1 0,-6 1 0,6-2 0,-2 1 0,0 1 0,2-1 0,-2 2 0,3-2 0,-3 1 0,2-1 0,-2 2 0,3-2 0,-4 1 0,0-1 0,0 2 0,-2-3 0,2 3 0,0-5 0,-2 4 0,2-5 0,-4 6 0,1-6 0,0 6 0,0-6 0,3 6 0,-2-5 0,2 4 0,-4-4 0,1 4 0,0-4 0,0 4 0,0-4 0,0 1 0,0 1 0,-1-2 0,1 1 0,3 1 0,-2-2 0,2 4 0,-3-4 0,0 2 0,3 0 0,-3-3 0,3 6 0,0-5 0,-2 4 0,2-4 0,-3 4 0,-1-5 0,1 6 0,0-6 0,0 3 0,0 0 0,0-3 0,0 3 0,-1 0 0,1-3 0,0 3 0,-3 0 0,2-3 0,-2 3 0,0 0 0,2-3 0,-1 3 0,1-3 0,1 2 0,0 2 0,0-1 0,-1-1 0,1-2 0,0 3 0,-1-2 0,1 4 0,-1-5 0,-2 5 0,2-4 0,-2 1 0,3-2 0,-3 3 0,2-3 0,-2 3 0,0-1 0,2-1 0,-2 2 0,2-1 0,1-1 0,-3 4 0,1-5 0,-1 5 0,3-4 0,-3 4 0,-1-5 0,-2 3 0</inkml:trace>
+</inkml:ink>
+</file>
+
+<file path=ppt/notesMasters/notesMaster1.xml><?xml version="1.0" encoding="utf-8"?>
+<p:notesMaster xmlns:a="http://schemas.openxmlformats.org/drawingml/2006/main" xmlns:r="http://schemas.openxmlformats.org/officeDocument/2006/relationships" xmlns:p="http://schemas.openxmlformats.org/presentationml/2006/main">
+  <p:cSld>
+    <p:bg>
+      <p:bgRef idx="1001">
+        <a:schemeClr val="bg1"/>
+      </p:bgRef>
+    </p:bg>
+    <p:spTree>
+      <p:nvGrpSpPr>
+        <p:cNvPr id="1" name=""/>
+        <p:cNvGrpSpPr/>
+        <p:nvPr/>
+      </p:nvGrpSpPr>
+      <p:grpSpPr>
+        <a:xfrm>
+          <a:off x="0" y="0"/>
+          <a:ext cx="0" cy="0"/>
+          <a:chOff x="0" y="0"/>
+          <a:chExt cx="0" cy="0"/>
+        </a:xfrm>
+      </p:grpSpPr>
+      <p:sp>
+        <p:nvSpPr>
+          <p:cNvPr id="2" name="Header Placeholder 1"/>
+          <p:cNvSpPr>
+            <a:spLocks noGrp="1"/>
+          </p:cNvSpPr>
+          <p:nvPr>
+            <p:ph type="hdr" sz="quarter"/>
+          </p:nvPr>
+        </p:nvSpPr>
+        <p:spPr>
+          <a:xfrm>
+            <a:off x="0" y="0"/>
+            <a:ext cx="2971800" cy="458788"/>
+          </a:xfrm>
+          <a:prstGeom prst="rect">
+            <a:avLst/>
+          </a:prstGeom>
+        </p:spPr>
+        <p:txBody>
+          <a:bodyPr vert="horz" lIns="91440" tIns="45720" rIns="91440" bIns="45720" rtlCol="0"/>
+          <a:lstStyle>
+            <a:lvl1pPr algn="l">
+              <a:defRPr sz="1200"/>
+            </a:lvl1pPr>
+          </a:lstStyle>
+          <a:p>
+            <a:endParaRPr lang="en-US"/>
+          </a:p>
+        </p:txBody>
+      </p:sp>
+      <p:sp>
+        <p:nvSpPr>
+          <p:cNvPr id="3" name="Date Placeholder 2"/>
+          <p:cNvSpPr>
+            <a:spLocks noGrp="1"/>
+          </p:cNvSpPr>
+          <p:nvPr>
+            <p:ph type="dt" idx="1"/>
+          </p:nvPr>
+        </p:nvSpPr>
+        <p:spPr>
+          <a:xfrm>
+            <a:off x="3884613" y="0"/>
+            <a:ext cx="2971800" cy="458788"/>
+          </a:xfrm>
+          <a:prstGeom prst="rect">
+            <a:avLst/>
+          </a:prstGeom>
+        </p:spPr>
+        <p:txBody>
+          <a:bodyPr vert="horz" lIns="91440" tIns="45720" rIns="91440" bIns="45720" rtlCol="0"/>
+          <a:lstStyle>
+            <a:lvl1pPr algn="r">
+              <a:defRPr sz="1200"/>
+            </a:lvl1pPr>
+          </a:lstStyle>
+          <a:p>
+            <a:fld id="{123B7CA5-EDE0-6742-ACC0-42D5806205D9}" type="datetimeFigureOut">
+              <a:rPr lang="en-US" smtClean="0"/>
+              <a:t>9/4/24</a:t>
+            </a:fld>
+            <a:endParaRPr lang="en-US"/>
+          </a:p>
+        </p:txBody>
+      </p:sp>
+      <p:sp>
+        <p:nvSpPr>
+          <p:cNvPr id="4" name="Slide Image Placeholder 3"/>
+          <p:cNvSpPr>
+            <a:spLocks noGrp="1" noRot="1" noChangeAspect="1"/>
+          </p:cNvSpPr>
+          <p:nvPr>
+            <p:ph type="sldImg" idx="2"/>
+          </p:nvPr>
+        </p:nvSpPr>
+        <p:spPr>
+          <a:xfrm>
+            <a:off x="2271713" y="1143000"/>
+            <a:ext cx="2314575" cy="3086100"/>
+          </a:xfrm>
+          <a:prstGeom prst="rect">
+            <a:avLst/>
+          </a:prstGeom>
+          <a:noFill/>
+          <a:ln w="12700">
+            <a:solidFill>
+              <a:prstClr val="black"/>
+            </a:solidFill>
+          </a:ln>
+        </p:spPr>
+        <p:txBody>
+          <a:bodyPr vert="horz" lIns="91440" tIns="45720" rIns="91440" bIns="45720" rtlCol="0" anchor="ctr"/>
+          <a:lstStyle/>
+          <a:p>
+            <a:endParaRPr lang="en-US"/>
+          </a:p>
+        </p:txBody>
+      </p:sp>
+      <p:sp>
+        <p:nvSpPr>
+          <p:cNvPr id="5" name="Notes Placeholder 4"/>
+          <p:cNvSpPr>
+            <a:spLocks noGrp="1"/>
+          </p:cNvSpPr>
+          <p:nvPr>
+            <p:ph type="body" sz="quarter" idx="3"/>
+          </p:nvPr>
+        </p:nvSpPr>
+        <p:spPr>
+          <a:xfrm>
+            <a:off x="685800" y="4400550"/>
+            <a:ext cx="5486400" cy="3600450"/>
+          </a:xfrm>
+          <a:prstGeom prst="rect">
+            <a:avLst/>
+          </a:prstGeom>
+        </p:spPr>
+        <p:txBody>
+          <a:bodyPr vert="horz" lIns="91440" tIns="45720" rIns="91440" bIns="45720" rtlCol="0"/>
+          <a:lstStyle/>
+          <a:p>
+            <a:pPr lvl="0"/>
+            <a:r>
+              <a:rPr lang="en-US"/>
+              <a:t>Click to edit Master text styles</a:t>
+            </a:r>
+          </a:p>
+          <a:p>
+            <a:pPr lvl="1"/>
+            <a:r>
+              <a:rPr lang="en-US"/>
+              <a:t>Second level</a:t>
+            </a:r>
+          </a:p>
+          <a:p>
+            <a:pPr lvl="2"/>
+            <a:r>
+              <a:rPr lang="en-US"/>
+              <a:t>Third level</a:t>
+            </a:r>
+          </a:p>
+          <a:p>
+            <a:pPr lvl="3"/>
+            <a:r>
+              <a:rPr lang="en-US"/>
+              <a:t>Fourth level</a:t>
+            </a:r>
+          </a:p>
+          <a:p>
+            <a:pPr lvl="4"/>
+            <a:r>
+              <a:rPr lang="en-US"/>
+              <a:t>Fifth level</a:t>
+            </a:r>
+          </a:p>
+        </p:txBody>
+      </p:sp>
+      <p:sp>
+        <p:nvSpPr>
+          <p:cNvPr id="6" name="Footer Placeholder 5"/>
+          <p:cNvSpPr>
+            <a:spLocks noGrp="1"/>
+          </p:cNvSpPr>
+          <p:nvPr>
+            <p:ph type="ftr" sz="quarter" idx="4"/>
+          </p:nvPr>
+        </p:nvSpPr>
+        <p:spPr>
+          <a:xfrm>
+            <a:off x="0" y="8685213"/>
+            <a:ext cx="2971800" cy="458787"/>
+          </a:xfrm>
+          <a:prstGeom prst="rect">
+            <a:avLst/>
+          </a:prstGeom>
+        </p:spPr>
+        <p:txBody>
+          <a:bodyPr vert="horz" lIns="91440" tIns="45720" rIns="91440" bIns="45720" rtlCol="0" anchor="b"/>
+          <a:lstStyle>
+            <a:lvl1pPr algn="l">
+              <a:defRPr sz="1200"/>
+            </a:lvl1pPr>
+          </a:lstStyle>
+          <a:p>
+            <a:endParaRPr lang="en-US"/>
+          </a:p>
+        </p:txBody>
+      </p:sp>
+      <p:sp>
+        <p:nvSpPr>
+          <p:cNvPr id="7" name="Slide Number Placeholder 6"/>
+          <p:cNvSpPr>
+            <a:spLocks noGrp="1"/>
+          </p:cNvSpPr>
+          <p:nvPr>
+            <p:ph type="sldNum" sz="quarter" idx="5"/>
+          </p:nvPr>
+        </p:nvSpPr>
+        <p:spPr>
+          <a:xfrm>
+            <a:off x="3884613" y="8685213"/>
+            <a:ext cx="2971800" cy="458787"/>
+          </a:xfrm>
+          <a:prstGeom prst="rect">
+            <a:avLst/>
+          </a:prstGeom>
+        </p:spPr>
+        <p:txBody>
+          <a:bodyPr vert="horz" lIns="91440" tIns="45720" rIns="91440" bIns="45720" rtlCol="0" anchor="b"/>
+          <a:lstStyle>
+            <a:lvl1pPr algn="r">
+              <a:defRPr sz="1200"/>
+            </a:lvl1pPr>
+          </a:lstStyle>
+          <a:p>
+            <a:fld id="{E8AD4673-C653-974B-95A7-C2B36228866D}" type="slidenum">
+              <a:rPr lang="en-US" smtClean="0"/>
+              <a:t>‹#›</a:t>
+            </a:fld>
+            <a:endParaRPr lang="en-US"/>
+          </a:p>
+        </p:txBody>
+      </p:sp>
+    </p:spTree>
+    <p:extLst>
+      <p:ext uri="{BB962C8B-B14F-4D97-AF65-F5344CB8AC3E}">
+        <p14:creationId xmlns:p14="http://schemas.microsoft.com/office/powerpoint/2010/main" val="897557890"/>
+      </p:ext>
+    </p:extLst>
+  </p:cSld>
+  <p:clrMap bg1="lt1" tx1="dk1" bg2="lt2" tx2="dk2" accent1="accent1" accent2="accent2" accent3="accent3" accent4="accent4" accent5="accent5" accent6="accent6" hlink="hlink" folHlink="folHlink"/>
+  <p:notesStyle>
+    <a:lvl1pPr marL="0" algn="l" defTabSz="914400" rtl="0" eaLnBrk="1" latinLnBrk="0" hangingPunct="1">
+      <a:defRPr sz="1200" kern="1200">
+        <a:solidFill>
+          <a:schemeClr val="tx1"/>
+        </a:solidFill>
+        <a:latin typeface="+mn-lt"/>
+        <a:ea typeface="+mn-ea"/>
+        <a:cs typeface="+mn-cs"/>
+      </a:defRPr>
+    </a:lvl1pPr>
+    <a:lvl2pPr marL="457200" algn="l" defTabSz="914400" rtl="0" eaLnBrk="1" latinLnBrk="0" hangingPunct="1">
+      <a:defRPr sz="1200" kern="1200">
+        <a:solidFill>
+          <a:schemeClr val="tx1"/>
+        </a:solidFill>
+        <a:latin typeface="+mn-lt"/>
+        <a:ea typeface="+mn-ea"/>
+        <a:cs typeface="+mn-cs"/>
+      </a:defRPr>
+    </a:lvl2pPr>
+    <a:lvl3pPr marL="914400" algn="l" defTabSz="914400" rtl="0" eaLnBrk="1" latinLnBrk="0" hangingPunct="1">
+      <a:defRPr sz="1200" kern="1200">
+        <a:solidFill>
+          <a:schemeClr val="tx1"/>
+        </a:solidFill>
+        <a:latin typeface="+mn-lt"/>
+        <a:ea typeface="+mn-ea"/>
+        <a:cs typeface="+mn-cs"/>
+      </a:defRPr>
+    </a:lvl3pPr>
+    <a:lvl4pPr marL="1371600" algn="l" defTabSz="914400" rtl="0" eaLnBrk="1" latinLnBrk="0" hangingPunct="1">
+      <a:defRPr sz="1200" kern="1200">
+        <a:solidFill>
+          <a:schemeClr val="tx1"/>
+        </a:solidFill>
+        <a:latin typeface="+mn-lt"/>
+        <a:ea typeface="+mn-ea"/>
+        <a:cs typeface="+mn-cs"/>
+      </a:defRPr>
+    </a:lvl4pPr>
+    <a:lvl5pPr marL="1828800" algn="l" defTabSz="914400" rtl="0" eaLnBrk="1" latinLnBrk="0" hangingPunct="1">
+      <a:defRPr sz="1200" kern="1200">
+        <a:solidFill>
+          <a:schemeClr val="tx1"/>
+        </a:solidFill>
+        <a:latin typeface="+mn-lt"/>
+        <a:ea typeface="+mn-ea"/>
+        <a:cs typeface="+mn-cs"/>
+      </a:defRPr>
+    </a:lvl5pPr>
+    <a:lvl6pPr marL="2286000" algn="l" defTabSz="914400" rtl="0" eaLnBrk="1" latinLnBrk="0" hangingPunct="1">
+      <a:defRPr sz="1200" kern="1200">
+        <a:solidFill>
+          <a:schemeClr val="tx1"/>
+        </a:solidFill>
+        <a:latin typeface="+mn-lt"/>
+        <a:ea typeface="+mn-ea"/>
+        <a:cs typeface="+mn-cs"/>
+      </a:defRPr>
+    </a:lvl6pPr>
+    <a:lvl7pPr marL="2743200" algn="l" defTabSz="914400" rtl="0" eaLnBrk="1" latinLnBrk="0" hangingPunct="1">
+      <a:defRPr sz="1200" kern="1200">
+        <a:solidFill>
+          <a:schemeClr val="tx1"/>
+        </a:solidFill>
+        <a:latin typeface="+mn-lt"/>
+        <a:ea typeface="+mn-ea"/>
+        <a:cs typeface="+mn-cs"/>
+      </a:defRPr>
+    </a:lvl7pPr>
+    <a:lvl8pPr marL="3200400" algn="l" defTabSz="914400" rtl="0" eaLnBrk="1" latinLnBrk="0" hangingPunct="1">
+      <a:defRPr sz="1200" kern="1200">
+        <a:solidFill>
+          <a:schemeClr val="tx1"/>
+        </a:solidFill>
+        <a:latin typeface="+mn-lt"/>
+        <a:ea typeface="+mn-ea"/>
+        <a:cs typeface="+mn-cs"/>
+      </a:defRPr>
+    </a:lvl8pPr>
+    <a:lvl9pPr marL="3657600" algn="l" defTabSz="914400" rtl="0" eaLnBrk="1" latinLnBrk="0" hangingPunct="1">
+      <a:defRPr sz="1200" kern="1200">
+        <a:solidFill>
+          <a:schemeClr val="tx1"/>
+        </a:solidFill>
+        <a:latin typeface="+mn-lt"/>
+        <a:ea typeface="+mn-ea"/>
+        <a:cs typeface="+mn-cs"/>
+      </a:defRPr>
+    </a:lvl9pPr>
+  </p:notesStyle>
+</p:notesMaster>
+</file>
+
+<file path=ppt/notesSlides/notesSlide1.xml><?xml version="1.0" encoding="utf-8"?>
+<p:notes xmlns:a="http://schemas.openxmlformats.org/drawingml/2006/main" xmlns:r="http://schemas.openxmlformats.org/officeDocument/2006/relationships" xmlns:p="http://schemas.openxmlformats.org/presentationml/2006/main">
+  <p:cSld>
+    <p:spTree>
+      <p:nvGrpSpPr>
+        <p:cNvPr id="1" name=""/>
+        <p:cNvGrpSpPr/>
+        <p:nvPr/>
+      </p:nvGrpSpPr>
+      <p:grpSpPr>
+        <a:xfrm>
+          <a:off x="0" y="0"/>
+          <a:ext cx="0" cy="0"/>
+          <a:chOff x="0" y="0"/>
+          <a:chExt cx="0" cy="0"/>
+        </a:xfrm>
+      </p:grpSpPr>
+      <p:sp>
+        <p:nvSpPr>
+          <p:cNvPr id="2" name="Slide Image Placeholder 1"/>
+          <p:cNvSpPr>
+            <a:spLocks noGrp="1" noRot="1" noChangeAspect="1"/>
+          </p:cNvSpPr>
+          <p:nvPr>
+            <p:ph type="sldImg"/>
+          </p:nvPr>
+        </p:nvSpPr>
+        <p:spPr/>
+      </p:sp>
+      <p:sp>
+        <p:nvSpPr>
+          <p:cNvPr id="3" name="Notes Placeholder 2"/>
+          <p:cNvSpPr>
+            <a:spLocks noGrp="1"/>
+          </p:cNvSpPr>
+          <p:nvPr>
+            <p:ph type="body" idx="1"/>
+          </p:nvPr>
+        </p:nvSpPr>
+        <p:spPr/>
+        <p:txBody>
+          <a:bodyPr/>
+          <a:lstStyle/>
+          <a:p>
+            <a:endParaRPr lang="en-US" dirty="0"/>
+          </a:p>
+        </p:txBody>
+      </p:sp>
+      <p:sp>
+        <p:nvSpPr>
+          <p:cNvPr id="4" name="Slide Number Placeholder 3"/>
+          <p:cNvSpPr>
+            <a:spLocks noGrp="1"/>
+          </p:cNvSpPr>
+          <p:nvPr>
+            <p:ph type="sldNum" sz="quarter" idx="5"/>
+          </p:nvPr>
+        </p:nvSpPr>
+        <p:spPr/>
+        <p:txBody>
+          <a:bodyPr/>
+          <a:lstStyle/>
+          <a:p>
+            <a:fld id="{E8AD4673-C653-974B-95A7-C2B36228866D}" type="slidenum">
+              <a:rPr lang="en-US" smtClean="0"/>
+              <a:t>2</a:t>
+            </a:fld>
+            <a:endParaRPr lang="en-US"/>
+          </a:p>
+        </p:txBody>
+      </p:sp>
+    </p:spTree>
+    <p:extLst>
+      <p:ext uri="{BB962C8B-B14F-4D97-AF65-F5344CB8AC3E}">
+        <p14:creationId xmlns:p14="http://schemas.microsoft.com/office/powerpoint/2010/main" val="1236106162"/>
+      </p:ext>
+    </p:extLst>
+  </p:cSld>
+  <p:clrMapOvr>
+    <a:masterClrMapping/>
+  </p:clrMapOvr>
+</p:notes>
+</file>
+
+<file path=ppt/notesSlides/notesSlide2.xml><?xml version="1.0" encoding="utf-8"?>
+<p:notes xmlns:a="http://schemas.openxmlformats.org/drawingml/2006/main" xmlns:r="http://schemas.openxmlformats.org/officeDocument/2006/relationships" xmlns:p="http://schemas.openxmlformats.org/presentationml/2006/main">
+  <p:cSld>
+    <p:spTree>
+      <p:nvGrpSpPr>
+        <p:cNvPr id="1" name="">
+          <a:extLst>
+            <a:ext uri="{FF2B5EF4-FFF2-40B4-BE49-F238E27FC236}">
+              <a16:creationId xmlns:a16="http://schemas.microsoft.com/office/drawing/2014/main" id="{FF1E338F-CB72-F22A-59BC-802AB63EC34E}"/>
+            </a:ext>
+          </a:extLst>
+        </p:cNvPr>
+        <p:cNvGrpSpPr/>
+        <p:nvPr/>
+      </p:nvGrpSpPr>
+      <p:grpSpPr>
+        <a:xfrm>
+          <a:off x="0" y="0"/>
+          <a:ext cx="0" cy="0"/>
+          <a:chOff x="0" y="0"/>
+          <a:chExt cx="0" cy="0"/>
+        </a:xfrm>
+      </p:grpSpPr>
+      <p:sp>
+        <p:nvSpPr>
+          <p:cNvPr id="2" name="Slide Image Placeholder 1">
+            <a:extLst>
+              <a:ext uri="{FF2B5EF4-FFF2-40B4-BE49-F238E27FC236}">
+                <a16:creationId xmlns:a16="http://schemas.microsoft.com/office/drawing/2014/main" id="{D40385B3-1413-FD7A-DFFF-9D8BBC5A7D96}"/>
+              </a:ext>
+            </a:extLst>
+          </p:cNvPr>
+          <p:cNvSpPr>
+            <a:spLocks noGrp="1" noRot="1" noChangeAspect="1"/>
+          </p:cNvSpPr>
+          <p:nvPr>
+            <p:ph type="sldImg"/>
+          </p:nvPr>
+        </p:nvSpPr>
+        <p:spPr/>
+      </p:sp>
+      <p:sp>
+        <p:nvSpPr>
+          <p:cNvPr id="3" name="Notes Placeholder 2">
+            <a:extLst>
+              <a:ext uri="{FF2B5EF4-FFF2-40B4-BE49-F238E27FC236}">
+                <a16:creationId xmlns:a16="http://schemas.microsoft.com/office/drawing/2014/main" id="{FFFBB361-6B17-8B2D-70D7-64DD99443C92}"/>
+              </a:ext>
+            </a:extLst>
+          </p:cNvPr>
+          <p:cNvSpPr>
+            <a:spLocks noGrp="1"/>
+          </p:cNvSpPr>
+          <p:nvPr>
+            <p:ph type="body" idx="1"/>
+          </p:nvPr>
+        </p:nvSpPr>
+        <p:spPr/>
+        <p:txBody>
+          <a:bodyPr/>
+          <a:lstStyle/>
+          <a:p>
+            <a:endParaRPr lang="en-US" dirty="0"/>
+          </a:p>
+        </p:txBody>
+      </p:sp>
+      <p:sp>
+        <p:nvSpPr>
+          <p:cNvPr id="4" name="Slide Number Placeholder 3">
+            <a:extLst>
+              <a:ext uri="{FF2B5EF4-FFF2-40B4-BE49-F238E27FC236}">
+                <a16:creationId xmlns:a16="http://schemas.microsoft.com/office/drawing/2014/main" id="{8959B800-A46E-CE7C-00A4-030F5A25C09F}"/>
+              </a:ext>
+            </a:extLst>
+          </p:cNvPr>
+          <p:cNvSpPr>
+            <a:spLocks noGrp="1"/>
+          </p:cNvSpPr>
+          <p:nvPr>
+            <p:ph type="sldNum" sz="quarter" idx="5"/>
+          </p:nvPr>
+        </p:nvSpPr>
+        <p:spPr/>
+        <p:txBody>
+          <a:bodyPr/>
+          <a:lstStyle/>
+          <a:p>
+            <a:fld id="{E8AD4673-C653-974B-95A7-C2B36228866D}" type="slidenum">
+              <a:rPr lang="en-US" smtClean="0"/>
+              <a:t>3</a:t>
+            </a:fld>
+            <a:endParaRPr lang="en-US"/>
+          </a:p>
+        </p:txBody>
+      </p:sp>
+    </p:spTree>
+    <p:extLst>
+      <p:ext uri="{BB962C8B-B14F-4D97-AF65-F5344CB8AC3E}">
+        <p14:creationId xmlns:p14="http://schemas.microsoft.com/office/powerpoint/2010/main" val="1151604446"/>
+      </p:ext>
+    </p:extLst>
+  </p:cSld>
+  <p:clrMapOvr>
+    <a:masterClrMapping/>
+  </p:clrMapOvr>
+</p:notes>
+</file>
+
+<file path=ppt/notesSlides/notesSlide3.xml><?xml version="1.0" encoding="utf-8"?>
+<p:notes xmlns:a="http://schemas.openxmlformats.org/drawingml/2006/main" xmlns:r="http://schemas.openxmlformats.org/officeDocument/2006/relationships" xmlns:p="http://schemas.openxmlformats.org/presentationml/2006/main">
+  <p:cSld>
+    <p:spTree>
+      <p:nvGrpSpPr>
+        <p:cNvPr id="1" name="">
+          <a:extLst>
+            <a:ext uri="{FF2B5EF4-FFF2-40B4-BE49-F238E27FC236}">
+              <a16:creationId xmlns:a16="http://schemas.microsoft.com/office/drawing/2014/main" id="{612E63C9-108D-DCAE-70A6-2F9BFD9736D2}"/>
+            </a:ext>
+          </a:extLst>
+        </p:cNvPr>
+        <p:cNvGrpSpPr/>
+        <p:nvPr/>
+      </p:nvGrpSpPr>
+      <p:grpSpPr>
+        <a:xfrm>
+          <a:off x="0" y="0"/>
+          <a:ext cx="0" cy="0"/>
+          <a:chOff x="0" y="0"/>
+          <a:chExt cx="0" cy="0"/>
+        </a:xfrm>
+      </p:grpSpPr>
+      <p:sp>
+        <p:nvSpPr>
+          <p:cNvPr id="2" name="Slide Image Placeholder 1">
+            <a:extLst>
+              <a:ext uri="{FF2B5EF4-FFF2-40B4-BE49-F238E27FC236}">
+                <a16:creationId xmlns:a16="http://schemas.microsoft.com/office/drawing/2014/main" id="{20E59AF8-5B08-A639-1EBA-1FCF7AF29E88}"/>
+              </a:ext>
+            </a:extLst>
+          </p:cNvPr>
+          <p:cNvSpPr>
+            <a:spLocks noGrp="1" noRot="1" noChangeAspect="1"/>
+          </p:cNvSpPr>
+          <p:nvPr>
+            <p:ph type="sldImg"/>
+          </p:nvPr>
+        </p:nvSpPr>
+        <p:spPr/>
+      </p:sp>
+      <p:sp>
+        <p:nvSpPr>
+          <p:cNvPr id="3" name="Notes Placeholder 2">
+            <a:extLst>
+              <a:ext uri="{FF2B5EF4-FFF2-40B4-BE49-F238E27FC236}">
+                <a16:creationId xmlns:a16="http://schemas.microsoft.com/office/drawing/2014/main" id="{325B47D1-8181-FCF1-4EA9-4A7EBED331A3}"/>
+              </a:ext>
+            </a:extLst>
+          </p:cNvPr>
+          <p:cNvSpPr>
+            <a:spLocks noGrp="1"/>
+          </p:cNvSpPr>
+          <p:nvPr>
+            <p:ph type="body" idx="1"/>
+          </p:nvPr>
+        </p:nvSpPr>
+        <p:spPr/>
+        <p:txBody>
+          <a:bodyPr/>
+          <a:lstStyle/>
+          <a:p>
+            <a:endParaRPr lang="en-US" dirty="0"/>
+          </a:p>
+        </p:txBody>
+      </p:sp>
+      <p:sp>
+        <p:nvSpPr>
+          <p:cNvPr id="4" name="Slide Number Placeholder 3">
+            <a:extLst>
+              <a:ext uri="{FF2B5EF4-FFF2-40B4-BE49-F238E27FC236}">
+                <a16:creationId xmlns:a16="http://schemas.microsoft.com/office/drawing/2014/main" id="{ACD17A41-F4A3-9D7E-1D3B-A78EFBD4F5A0}"/>
+              </a:ext>
+            </a:extLst>
+          </p:cNvPr>
+          <p:cNvSpPr>
+            <a:spLocks noGrp="1"/>
+          </p:cNvSpPr>
+          <p:nvPr>
+            <p:ph type="sldNum" sz="quarter" idx="5"/>
+          </p:nvPr>
+        </p:nvSpPr>
+        <p:spPr/>
+        <p:txBody>
+          <a:bodyPr/>
+          <a:lstStyle/>
+          <a:p>
+            <a:fld id="{E8AD4673-C653-974B-95A7-C2B36228866D}" type="slidenum">
+              <a:rPr lang="en-US" smtClean="0"/>
+              <a:t>4</a:t>
+            </a:fld>
+            <a:endParaRPr lang="en-US"/>
+          </a:p>
+        </p:txBody>
+      </p:sp>
+    </p:spTree>
+    <p:extLst>
+      <p:ext uri="{BB962C8B-B14F-4D97-AF65-F5344CB8AC3E}">
+        <p14:creationId xmlns:p14="http://schemas.microsoft.com/office/powerpoint/2010/main" val="2554357927"/>
+      </p:ext>
+    </p:extLst>
+  </p:cSld>
+  <p:clrMapOvr>
+    <a:masterClrMapping/>
+  </p:clrMapOvr>
+</p:notes>
 </file>
 
 <file path=ppt/slideLayouts/slideLayout1.xml><?xml version="1.0" encoding="utf-8"?>
@@ -238,7 +952,7 @@
           <a:p>
             <a:fld id="{BB6D9973-9BA1-1E48-83B8-31ED932CB1E0}" type="datetimeFigureOut">
               <a:rPr lang="en-US" smtClean="0"/>
-              <a:t>8/20/24</a:t>
+              <a:t>9/4/24</a:t>
             </a:fld>
             <a:endParaRPr lang="en-US"/>
           </a:p>
@@ -408,7 +1122,7 @@
           <a:p>
             <a:fld id="{BB6D9973-9BA1-1E48-83B8-31ED932CB1E0}" type="datetimeFigureOut">
               <a:rPr lang="en-US" smtClean="0"/>
-              <a:t>8/20/24</a:t>
+              <a:t>9/4/24</a:t>
             </a:fld>
             <a:endParaRPr lang="en-US"/>
           </a:p>
@@ -588,7 +1302,7 @@
           <a:p>
             <a:fld id="{BB6D9973-9BA1-1E48-83B8-31ED932CB1E0}" type="datetimeFigureOut">
               <a:rPr lang="en-US" smtClean="0"/>
-              <a:t>8/20/24</a:t>
+              <a:t>9/4/24</a:t>
             </a:fld>
             <a:endParaRPr lang="en-US"/>
           </a:p>
@@ -758,7 +1472,7 @@
           <a:p>
             <a:fld id="{BB6D9973-9BA1-1E48-83B8-31ED932CB1E0}" type="datetimeFigureOut">
               <a:rPr lang="en-US" smtClean="0"/>
-              <a:t>8/20/24</a:t>
+              <a:t>9/4/24</a:t>
             </a:fld>
             <a:endParaRPr lang="en-US"/>
           </a:p>
@@ -1002,7 +1716,7 @@
           <a:p>
             <a:fld id="{BB6D9973-9BA1-1E48-83B8-31ED932CB1E0}" type="datetimeFigureOut">
               <a:rPr lang="en-US" smtClean="0"/>
-              <a:t>8/20/24</a:t>
+              <a:t>9/4/24</a:t>
             </a:fld>
             <a:endParaRPr lang="en-US"/>
           </a:p>
@@ -1234,7 +1948,7 @@
           <a:p>
             <a:fld id="{BB6D9973-9BA1-1E48-83B8-31ED932CB1E0}" type="datetimeFigureOut">
               <a:rPr lang="en-US" smtClean="0"/>
-              <a:t>8/20/24</a:t>
+              <a:t>9/4/24</a:t>
             </a:fld>
             <a:endParaRPr lang="en-US"/>
           </a:p>
@@ -1601,7 +2315,7 @@
           <a:p>
             <a:fld id="{BB6D9973-9BA1-1E48-83B8-31ED932CB1E0}" type="datetimeFigureOut">
               <a:rPr lang="en-US" smtClean="0"/>
-              <a:t>8/20/24</a:t>
+              <a:t>9/4/24</a:t>
             </a:fld>
             <a:endParaRPr lang="en-US"/>
           </a:p>
@@ -1719,7 +2433,7 @@
           <a:p>
             <a:fld id="{BB6D9973-9BA1-1E48-83B8-31ED932CB1E0}" type="datetimeFigureOut">
               <a:rPr lang="en-US" smtClean="0"/>
-              <a:t>8/20/24</a:t>
+              <a:t>9/4/24</a:t>
             </a:fld>
             <a:endParaRPr lang="en-US"/>
           </a:p>
@@ -1814,7 +2528,7 @@
           <a:p>
             <a:fld id="{BB6D9973-9BA1-1E48-83B8-31ED932CB1E0}" type="datetimeFigureOut">
               <a:rPr lang="en-US" smtClean="0"/>
-              <a:t>8/20/24</a:t>
+              <a:t>9/4/24</a:t>
             </a:fld>
             <a:endParaRPr lang="en-US"/>
           </a:p>
@@ -2091,7 +2805,7 @@
           <a:p>
             <a:fld id="{BB6D9973-9BA1-1E48-83B8-31ED932CB1E0}" type="datetimeFigureOut">
               <a:rPr lang="en-US" smtClean="0"/>
-              <a:t>8/20/24</a:t>
+              <a:t>9/4/24</a:t>
             </a:fld>
             <a:endParaRPr lang="en-US"/>
           </a:p>
@@ -2348,7 +3062,7 @@
           <a:p>
             <a:fld id="{BB6D9973-9BA1-1E48-83B8-31ED932CB1E0}" type="datetimeFigureOut">
               <a:rPr lang="en-US" smtClean="0"/>
-              <a:t>8/20/24</a:t>
+              <a:t>9/4/24</a:t>
             </a:fld>
             <a:endParaRPr lang="en-US"/>
           </a:p>
@@ -2561,7 +3275,7 @@
           <a:p>
             <a:fld id="{BB6D9973-9BA1-1E48-83B8-31ED932CB1E0}" type="datetimeFigureOut">
               <a:rPr lang="en-US" smtClean="0"/>
-              <a:t>8/20/24</a:t>
+              <a:t>9/4/24</a:t>
             </a:fld>
             <a:endParaRPr lang="en-US"/>
           </a:p>
@@ -2996,7 +3710,7 @@
           <a:p>
             <a:r>
               <a:rPr lang="en-US" b="1" dirty="0"/>
-              <a:t>A&amp;B BIOL 206 Lab Report #1</a:t>
+              <a:t>A&amp;P BIOL 206 Lab Report #1</a:t>
             </a:r>
           </a:p>
           <a:p>
@@ -3372,7 +4086,15 @@
           <a:p>
             <a:r>
               <a:rPr lang="en-US" sz="1200" dirty="0"/>
-              <a:t>In which quadrant would you feel pain in if your appendix was inflamed? </a:t>
+              <a:t>In which quadrant </a:t>
+            </a:r>
+            <a:r>
+              <a:rPr lang="en-US" sz="1200"/>
+              <a:t>or region would </a:t>
+            </a:r>
+            <a:r>
+              <a:rPr lang="en-US" sz="1200" dirty="0"/>
+              <a:t>you feel pain in if your appendix was inflamed? </a:t>
             </a:r>
           </a:p>
           <a:p>
@@ -3670,6 +4392,2439 @@
     <p:extLst>
       <p:ext uri="{BB962C8B-B14F-4D97-AF65-F5344CB8AC3E}">
         <p14:creationId xmlns:p14="http://schemas.microsoft.com/office/powerpoint/2010/main" val="3003829820"/>
+      </p:ext>
+    </p:extLst>
+  </p:cSld>
+  <p:clrMapOvr>
+    <a:masterClrMapping/>
+  </p:clrMapOvr>
+</p:sld>
+</file>
+
+<file path=ppt/slides/slide2.xml><?xml version="1.0" encoding="utf-8"?>
+<p:sld xmlns:a="http://schemas.openxmlformats.org/drawingml/2006/main" xmlns:r="http://schemas.openxmlformats.org/officeDocument/2006/relationships" xmlns:p="http://schemas.openxmlformats.org/presentationml/2006/main">
+  <p:cSld>
+    <p:spTree>
+      <p:nvGrpSpPr>
+        <p:cNvPr id="1" name=""/>
+        <p:cNvGrpSpPr/>
+        <p:nvPr/>
+      </p:nvGrpSpPr>
+      <p:grpSpPr>
+        <a:xfrm>
+          <a:off x="0" y="0"/>
+          <a:ext cx="0" cy="0"/>
+          <a:chOff x="0" y="0"/>
+          <a:chExt cx="0" cy="0"/>
+        </a:xfrm>
+      </p:grpSpPr>
+      <p:pic>
+        <p:nvPicPr>
+          <p:cNvPr id="3" name="Picture 2">
+            <a:extLst>
+              <a:ext uri="{FF2B5EF4-FFF2-40B4-BE49-F238E27FC236}">
+                <a16:creationId xmlns:a16="http://schemas.microsoft.com/office/drawing/2014/main" id="{67BC2F14-110E-088A-4150-99CCB1D6EABB}"/>
+              </a:ext>
+            </a:extLst>
+          </p:cNvPr>
+          <p:cNvPicPr>
+            <a:picLocks noChangeAspect="1"/>
+          </p:cNvPicPr>
+          <p:nvPr/>
+        </p:nvPicPr>
+        <p:blipFill>
+          <a:blip r:embed="rId3">
+            <a:extLst>
+              <a:ext uri="{BEBA8EAE-BF5A-486C-A8C5-ECC9F3942E4B}">
+                <a14:imgProps xmlns:a14="http://schemas.microsoft.com/office/drawing/2010/main">
+                  <a14:imgLayer r:embed="rId4">
+                    <a14:imgEffect>
+                      <a14:saturation sat="0"/>
+                    </a14:imgEffect>
+                  </a14:imgLayer>
+                </a14:imgProps>
+              </a:ext>
+            </a:extLst>
+          </a:blip>
+          <a:stretch>
+            <a:fillRect/>
+          </a:stretch>
+        </p:blipFill>
+        <p:spPr>
+          <a:xfrm>
+            <a:off x="393745" y="2105987"/>
+            <a:ext cx="2446083" cy="2984358"/>
+          </a:xfrm>
+          <a:prstGeom prst="rect">
+            <a:avLst/>
+          </a:prstGeom>
+        </p:spPr>
+      </p:pic>
+      <p:pic>
+        <p:nvPicPr>
+          <p:cNvPr id="6" name="Picture 2" descr="Sphenoid Bone - Location - Structure - Function - TeachMeAnatomy">
+            <a:extLst>
+              <a:ext uri="{FF2B5EF4-FFF2-40B4-BE49-F238E27FC236}">
+                <a16:creationId xmlns:a16="http://schemas.microsoft.com/office/drawing/2014/main" id="{0D98117C-732B-855A-2799-5C45A496C95C}"/>
+              </a:ext>
+            </a:extLst>
+          </p:cNvPr>
+          <p:cNvPicPr>
+            <a:picLocks noChangeAspect="1" noChangeArrowheads="1"/>
+          </p:cNvPicPr>
+          <p:nvPr/>
+        </p:nvPicPr>
+        <p:blipFill>
+          <a:blip r:embed="rId5">
+            <a:extLst>
+              <a:ext uri="{BEBA8EAE-BF5A-486C-A8C5-ECC9F3942E4B}">
+                <a14:imgProps xmlns:a14="http://schemas.microsoft.com/office/drawing/2010/main">
+                  <a14:imgLayer r:embed="rId6">
+                    <a14:imgEffect>
+                      <a14:saturation sat="0"/>
+                    </a14:imgEffect>
+                  </a14:imgLayer>
+                </a14:imgProps>
+              </a:ext>
+              <a:ext uri="{28A0092B-C50C-407E-A947-70E740481C1C}">
+                <a14:useLocalDpi xmlns:a14="http://schemas.microsoft.com/office/drawing/2010/main" val="0"/>
+              </a:ext>
+            </a:extLst>
+          </a:blip>
+          <a:srcRect/>
+          <a:stretch>
+            <a:fillRect/>
+          </a:stretch>
+        </p:blipFill>
+        <p:spPr bwMode="auto">
+          <a:xfrm>
+            <a:off x="61703" y="5062480"/>
+            <a:ext cx="2778125" cy="1730541"/>
+          </a:xfrm>
+          <a:prstGeom prst="rect">
+            <a:avLst/>
+          </a:prstGeom>
+          <a:noFill/>
+          <a:extLst>
+            <a:ext uri="{909E8E84-426E-40DD-AFC4-6F175D3DCCD1}">
+              <a14:hiddenFill xmlns:a14="http://schemas.microsoft.com/office/drawing/2010/main">
+                <a:solidFill>
+                  <a:srgbClr val="FFFFFF"/>
+                </a:solidFill>
+              </a14:hiddenFill>
+            </a:ext>
+          </a:extLst>
+        </p:spPr>
+      </p:pic>
+      <p:sp>
+        <p:nvSpPr>
+          <p:cNvPr id="4" name="TextBox 3">
+            <a:extLst>
+              <a:ext uri="{FF2B5EF4-FFF2-40B4-BE49-F238E27FC236}">
+                <a16:creationId xmlns:a16="http://schemas.microsoft.com/office/drawing/2014/main" id="{3FF0B6A9-32D6-506E-EAB2-D5D14D426310}"/>
+              </a:ext>
+            </a:extLst>
+          </p:cNvPr>
+          <p:cNvSpPr txBox="1"/>
+          <p:nvPr/>
+        </p:nvSpPr>
+        <p:spPr>
+          <a:xfrm>
+            <a:off x="1972994" y="492369"/>
+            <a:ext cx="2912012" cy="646331"/>
+          </a:xfrm>
+          <a:prstGeom prst="rect">
+            <a:avLst/>
+          </a:prstGeom>
+          <a:noFill/>
+        </p:spPr>
+        <p:txBody>
+          <a:bodyPr wrap="square" rtlCol="0">
+            <a:spAutoFit/>
+          </a:bodyPr>
+          <a:lstStyle/>
+          <a:p>
+            <a:r>
+              <a:rPr lang="en-US" b="1" dirty="0"/>
+              <a:t>A&amp;P BIOL 206 Lab Report #2</a:t>
+            </a:r>
+          </a:p>
+          <a:p>
+            <a:endParaRPr lang="en-US" dirty="0"/>
+          </a:p>
+        </p:txBody>
+      </p:sp>
+      <p:sp>
+        <p:nvSpPr>
+          <p:cNvPr id="5" name="TextBox 4">
+            <a:extLst>
+              <a:ext uri="{FF2B5EF4-FFF2-40B4-BE49-F238E27FC236}">
+                <a16:creationId xmlns:a16="http://schemas.microsoft.com/office/drawing/2014/main" id="{68F9D9B2-2647-C646-456A-1D4542246D86}"/>
+              </a:ext>
+            </a:extLst>
+          </p:cNvPr>
+          <p:cNvSpPr txBox="1"/>
+          <p:nvPr/>
+        </p:nvSpPr>
+        <p:spPr>
+          <a:xfrm>
+            <a:off x="734385" y="1000200"/>
+            <a:ext cx="5117427" cy="276999"/>
+          </a:xfrm>
+          <a:prstGeom prst="rect">
+            <a:avLst/>
+          </a:prstGeom>
+          <a:noFill/>
+        </p:spPr>
+        <p:txBody>
+          <a:bodyPr wrap="none" rtlCol="0">
+            <a:spAutoFit/>
+          </a:bodyPr>
+          <a:lstStyle/>
+          <a:p>
+            <a:r>
+              <a:rPr lang="en-US" sz="1200" dirty="0"/>
+              <a:t>My first &amp; last name is: _____________________________________________</a:t>
+            </a:r>
+          </a:p>
+        </p:txBody>
+      </p:sp>
+      <p:cxnSp>
+        <p:nvCxnSpPr>
+          <p:cNvPr id="7" name="Straight Arrow Connector 6">
+            <a:extLst>
+              <a:ext uri="{FF2B5EF4-FFF2-40B4-BE49-F238E27FC236}">
+                <a16:creationId xmlns:a16="http://schemas.microsoft.com/office/drawing/2014/main" id="{11B696C7-618F-ED9C-FF93-69978C949DB6}"/>
+              </a:ext>
+            </a:extLst>
+          </p:cNvPr>
+          <p:cNvCxnSpPr>
+            <a:cxnSpLocks/>
+          </p:cNvCxnSpPr>
+          <p:nvPr/>
+        </p:nvCxnSpPr>
+        <p:spPr>
+          <a:xfrm>
+            <a:off x="699508" y="4991634"/>
+            <a:ext cx="736676" cy="927499"/>
+          </a:xfrm>
+          <a:prstGeom prst="straightConnector1">
+            <a:avLst/>
+          </a:prstGeom>
+          <a:ln w="19050">
+            <a:solidFill>
+              <a:schemeClr val="tx1"/>
+            </a:solidFill>
+            <a:tailEnd type="triangle"/>
+          </a:ln>
+        </p:spPr>
+        <p:style>
+          <a:lnRef idx="1">
+            <a:schemeClr val="accent1"/>
+          </a:lnRef>
+          <a:fillRef idx="0">
+            <a:schemeClr val="accent1"/>
+          </a:fillRef>
+          <a:effectRef idx="0">
+            <a:schemeClr val="accent1"/>
+          </a:effectRef>
+          <a:fontRef idx="minor">
+            <a:schemeClr val="tx1"/>
+          </a:fontRef>
+        </p:style>
+      </p:cxnSp>
+      <p:cxnSp>
+        <p:nvCxnSpPr>
+          <p:cNvPr id="8" name="Straight Arrow Connector 7">
+            <a:extLst>
+              <a:ext uri="{FF2B5EF4-FFF2-40B4-BE49-F238E27FC236}">
+                <a16:creationId xmlns:a16="http://schemas.microsoft.com/office/drawing/2014/main" id="{2D551EF3-ACC7-4817-37D1-F731DB7C771D}"/>
+              </a:ext>
+            </a:extLst>
+          </p:cNvPr>
+          <p:cNvCxnSpPr>
+            <a:cxnSpLocks/>
+            <a:stCxn id="25" idx="1"/>
+          </p:cNvCxnSpPr>
+          <p:nvPr/>
+        </p:nvCxnSpPr>
+        <p:spPr>
+          <a:xfrm flipH="1" flipV="1">
+            <a:off x="2299109" y="5511254"/>
+            <a:ext cx="224806" cy="513080"/>
+          </a:xfrm>
+          <a:prstGeom prst="straightConnector1">
+            <a:avLst/>
+          </a:prstGeom>
+          <a:ln w="19050">
+            <a:solidFill>
+              <a:schemeClr val="tx1"/>
+            </a:solidFill>
+            <a:tailEnd type="triangle"/>
+          </a:ln>
+        </p:spPr>
+        <p:style>
+          <a:lnRef idx="1">
+            <a:schemeClr val="accent1"/>
+          </a:lnRef>
+          <a:fillRef idx="0">
+            <a:schemeClr val="accent1"/>
+          </a:fillRef>
+          <a:effectRef idx="0">
+            <a:schemeClr val="accent1"/>
+          </a:effectRef>
+          <a:fontRef idx="minor">
+            <a:schemeClr val="tx1"/>
+          </a:fontRef>
+        </p:style>
+      </p:cxnSp>
+      <p:cxnSp>
+        <p:nvCxnSpPr>
+          <p:cNvPr id="9" name="Straight Arrow Connector 8">
+            <a:extLst>
+              <a:ext uri="{FF2B5EF4-FFF2-40B4-BE49-F238E27FC236}">
+                <a16:creationId xmlns:a16="http://schemas.microsoft.com/office/drawing/2014/main" id="{1BC7FDCD-FF98-F9E5-6C86-6559C6C44AF7}"/>
+              </a:ext>
+            </a:extLst>
+          </p:cNvPr>
+          <p:cNvCxnSpPr>
+            <a:cxnSpLocks/>
+          </p:cNvCxnSpPr>
+          <p:nvPr/>
+        </p:nvCxnSpPr>
+        <p:spPr>
+          <a:xfrm flipV="1">
+            <a:off x="609600" y="6097670"/>
+            <a:ext cx="374031" cy="369332"/>
+          </a:xfrm>
+          <a:prstGeom prst="straightConnector1">
+            <a:avLst/>
+          </a:prstGeom>
+          <a:ln w="19050">
+            <a:solidFill>
+              <a:schemeClr val="tx1"/>
+            </a:solidFill>
+            <a:tailEnd type="triangle"/>
+          </a:ln>
+        </p:spPr>
+        <p:style>
+          <a:lnRef idx="1">
+            <a:schemeClr val="accent1"/>
+          </a:lnRef>
+          <a:fillRef idx="0">
+            <a:schemeClr val="accent1"/>
+          </a:fillRef>
+          <a:effectRef idx="0">
+            <a:schemeClr val="accent1"/>
+          </a:effectRef>
+          <a:fontRef idx="minor">
+            <a:schemeClr val="tx1"/>
+          </a:fontRef>
+        </p:style>
+      </p:cxnSp>
+      <p:sp>
+        <p:nvSpPr>
+          <p:cNvPr id="16" name="TextBox 15">
+            <a:extLst>
+              <a:ext uri="{FF2B5EF4-FFF2-40B4-BE49-F238E27FC236}">
+                <a16:creationId xmlns:a16="http://schemas.microsoft.com/office/drawing/2014/main" id="{AB5A3380-ADF2-4819-429D-88EE5A587CF6}"/>
+              </a:ext>
+            </a:extLst>
+          </p:cNvPr>
+          <p:cNvSpPr txBox="1"/>
+          <p:nvPr/>
+        </p:nvSpPr>
+        <p:spPr>
+          <a:xfrm>
+            <a:off x="3161594" y="2061659"/>
+            <a:ext cx="3446824" cy="5262979"/>
+          </a:xfrm>
+          <a:prstGeom prst="rect">
+            <a:avLst/>
+          </a:prstGeom>
+          <a:noFill/>
+        </p:spPr>
+        <p:txBody>
+          <a:bodyPr wrap="square" rtlCol="0">
+            <a:spAutoFit/>
+          </a:bodyPr>
+          <a:lstStyle/>
+          <a:p>
+            <a:r>
+              <a:rPr lang="en-US" sz="1200" dirty="0"/>
+              <a:t>What is the name of the marked bones?</a:t>
+            </a:r>
+          </a:p>
+          <a:p>
+            <a:endParaRPr lang="en-US" sz="1200" dirty="0"/>
+          </a:p>
+          <a:p>
+            <a:r>
+              <a:rPr lang="en-US" sz="1200" dirty="0"/>
+              <a:t>1.</a:t>
+            </a:r>
+          </a:p>
+          <a:p>
+            <a:endParaRPr lang="en-US" sz="1200" dirty="0"/>
+          </a:p>
+          <a:p>
+            <a:r>
+              <a:rPr lang="en-US" sz="1200" dirty="0"/>
+              <a:t>2.</a:t>
+            </a:r>
+          </a:p>
+          <a:p>
+            <a:endParaRPr lang="en-US" sz="1200" dirty="0"/>
+          </a:p>
+          <a:p>
+            <a:r>
+              <a:rPr lang="en-US" sz="1200" dirty="0"/>
+              <a:t>3.</a:t>
+            </a:r>
+          </a:p>
+          <a:p>
+            <a:endParaRPr lang="en-US" sz="1200" dirty="0"/>
+          </a:p>
+          <a:p>
+            <a:r>
+              <a:rPr lang="en-US" sz="1200" dirty="0"/>
+              <a:t>4.</a:t>
+            </a:r>
+          </a:p>
+          <a:p>
+            <a:r>
+              <a:rPr lang="en-US" sz="1200" dirty="0"/>
+              <a:t> </a:t>
+            </a:r>
+          </a:p>
+          <a:p>
+            <a:r>
+              <a:rPr lang="en-US" sz="1200" dirty="0"/>
+              <a:t>Which bone is shown in detail below the skull?</a:t>
+            </a:r>
+          </a:p>
+          <a:p>
+            <a:endParaRPr lang="en-US" sz="1200" dirty="0"/>
+          </a:p>
+          <a:p>
+            <a:r>
+              <a:rPr lang="en-US" sz="1200" dirty="0"/>
+              <a:t>5.</a:t>
+            </a:r>
+          </a:p>
+          <a:p>
+            <a:endParaRPr lang="en-US" sz="1200" dirty="0"/>
+          </a:p>
+          <a:p>
+            <a:r>
+              <a:rPr lang="en-US" sz="1200" dirty="0"/>
+              <a:t>Can you identify these bone markings?</a:t>
+            </a:r>
+          </a:p>
+          <a:p>
+            <a:endParaRPr lang="en-US" sz="1200" dirty="0"/>
+          </a:p>
+          <a:p>
+            <a:r>
+              <a:rPr lang="en-US" sz="1200" dirty="0"/>
+              <a:t>6.</a:t>
+            </a:r>
+          </a:p>
+          <a:p>
+            <a:r>
+              <a:rPr lang="en-US" sz="1200" dirty="0"/>
+              <a:t> </a:t>
+            </a:r>
+          </a:p>
+          <a:p>
+            <a:r>
+              <a:rPr lang="en-US" sz="1200" dirty="0"/>
+              <a:t>7.</a:t>
+            </a:r>
+          </a:p>
+          <a:p>
+            <a:endParaRPr lang="en-US" sz="1200" dirty="0"/>
+          </a:p>
+          <a:p>
+            <a:r>
+              <a:rPr lang="en-US" sz="1200" dirty="0"/>
+              <a:t>8.</a:t>
+            </a:r>
+          </a:p>
+          <a:p>
+            <a:endParaRPr lang="en-US" sz="1200" dirty="0"/>
+          </a:p>
+          <a:p>
+            <a:r>
+              <a:rPr lang="en-US" sz="1200" dirty="0"/>
+              <a:t>What do you call this section of the spine?</a:t>
+            </a:r>
+          </a:p>
+          <a:p>
+            <a:endParaRPr lang="en-US" sz="1200" dirty="0"/>
+          </a:p>
+          <a:p>
+            <a:r>
+              <a:rPr lang="en-US" sz="1200" dirty="0"/>
+              <a:t>9. </a:t>
+            </a:r>
+          </a:p>
+          <a:p>
+            <a:endParaRPr lang="en-US" sz="1200" dirty="0"/>
+          </a:p>
+          <a:p>
+            <a:r>
+              <a:rPr lang="en-US" sz="1200" dirty="0"/>
+              <a:t>10. </a:t>
+            </a:r>
+          </a:p>
+        </p:txBody>
+      </p:sp>
+      <p:sp>
+        <p:nvSpPr>
+          <p:cNvPr id="17" name="TextBox 16">
+            <a:extLst>
+              <a:ext uri="{FF2B5EF4-FFF2-40B4-BE49-F238E27FC236}">
+                <a16:creationId xmlns:a16="http://schemas.microsoft.com/office/drawing/2014/main" id="{AFF6954A-1E7E-6A84-8E4C-3E3D9270483A}"/>
+              </a:ext>
+            </a:extLst>
+          </p:cNvPr>
+          <p:cNvSpPr txBox="1"/>
+          <p:nvPr/>
+        </p:nvSpPr>
+        <p:spPr>
+          <a:xfrm>
+            <a:off x="185184" y="2673053"/>
+            <a:ext cx="300038" cy="369332"/>
+          </a:xfrm>
+          <a:prstGeom prst="rect">
+            <a:avLst/>
+          </a:prstGeom>
+          <a:noFill/>
+        </p:spPr>
+        <p:txBody>
+          <a:bodyPr wrap="square" rtlCol="0">
+            <a:spAutoFit/>
+          </a:bodyPr>
+          <a:lstStyle/>
+          <a:p>
+            <a:r>
+              <a:rPr lang="en-US" dirty="0"/>
+              <a:t>2</a:t>
+            </a:r>
+          </a:p>
+        </p:txBody>
+      </p:sp>
+      <p:sp>
+        <p:nvSpPr>
+          <p:cNvPr id="18" name="TextBox 17">
+            <a:extLst>
+              <a:ext uri="{FF2B5EF4-FFF2-40B4-BE49-F238E27FC236}">
+                <a16:creationId xmlns:a16="http://schemas.microsoft.com/office/drawing/2014/main" id="{991EC69A-CB82-C3DC-D05E-35D52EADEF6F}"/>
+              </a:ext>
+            </a:extLst>
+          </p:cNvPr>
+          <p:cNvSpPr txBox="1"/>
+          <p:nvPr/>
+        </p:nvSpPr>
+        <p:spPr>
+          <a:xfrm>
+            <a:off x="2778125" y="4613718"/>
+            <a:ext cx="300038" cy="369332"/>
+          </a:xfrm>
+          <a:prstGeom prst="rect">
+            <a:avLst/>
+          </a:prstGeom>
+          <a:noFill/>
+        </p:spPr>
+        <p:txBody>
+          <a:bodyPr wrap="square" rtlCol="0">
+            <a:spAutoFit/>
+          </a:bodyPr>
+          <a:lstStyle/>
+          <a:p>
+            <a:r>
+              <a:rPr lang="en-US" dirty="0"/>
+              <a:t>1</a:t>
+            </a:r>
+          </a:p>
+        </p:txBody>
+      </p:sp>
+      <p:sp>
+        <p:nvSpPr>
+          <p:cNvPr id="19" name="TextBox 18">
+            <a:extLst>
+              <a:ext uri="{FF2B5EF4-FFF2-40B4-BE49-F238E27FC236}">
+                <a16:creationId xmlns:a16="http://schemas.microsoft.com/office/drawing/2014/main" id="{039E28D6-65DC-E31C-014F-1B85D72CA847}"/>
+              </a:ext>
+            </a:extLst>
+          </p:cNvPr>
+          <p:cNvSpPr txBox="1"/>
+          <p:nvPr/>
+        </p:nvSpPr>
+        <p:spPr>
+          <a:xfrm>
+            <a:off x="2778125" y="3578311"/>
+            <a:ext cx="300038" cy="369332"/>
+          </a:xfrm>
+          <a:prstGeom prst="rect">
+            <a:avLst/>
+          </a:prstGeom>
+          <a:noFill/>
+        </p:spPr>
+        <p:txBody>
+          <a:bodyPr wrap="square" rtlCol="0">
+            <a:spAutoFit/>
+          </a:bodyPr>
+          <a:lstStyle/>
+          <a:p>
+            <a:r>
+              <a:rPr lang="en-US" dirty="0"/>
+              <a:t>3</a:t>
+            </a:r>
+          </a:p>
+        </p:txBody>
+      </p:sp>
+      <p:sp>
+        <p:nvSpPr>
+          <p:cNvPr id="20" name="TextBox 19">
+            <a:extLst>
+              <a:ext uri="{FF2B5EF4-FFF2-40B4-BE49-F238E27FC236}">
+                <a16:creationId xmlns:a16="http://schemas.microsoft.com/office/drawing/2014/main" id="{2DD79C1E-9CED-9CA7-6BD9-2B2E92BA2661}"/>
+              </a:ext>
+            </a:extLst>
+          </p:cNvPr>
+          <p:cNvSpPr txBox="1"/>
+          <p:nvPr/>
+        </p:nvSpPr>
+        <p:spPr>
+          <a:xfrm>
+            <a:off x="157270" y="3578311"/>
+            <a:ext cx="300038" cy="369332"/>
+          </a:xfrm>
+          <a:prstGeom prst="rect">
+            <a:avLst/>
+          </a:prstGeom>
+          <a:noFill/>
+        </p:spPr>
+        <p:txBody>
+          <a:bodyPr wrap="square" rtlCol="0">
+            <a:spAutoFit/>
+          </a:bodyPr>
+          <a:lstStyle/>
+          <a:p>
+            <a:r>
+              <a:rPr lang="en-US" dirty="0"/>
+              <a:t>4</a:t>
+            </a:r>
+          </a:p>
+        </p:txBody>
+      </p:sp>
+      <p:sp>
+        <p:nvSpPr>
+          <p:cNvPr id="24" name="TextBox 23">
+            <a:extLst>
+              <a:ext uri="{FF2B5EF4-FFF2-40B4-BE49-F238E27FC236}">
+                <a16:creationId xmlns:a16="http://schemas.microsoft.com/office/drawing/2014/main" id="{158C42AB-2BA2-8FB4-FDE1-97456F79C8BF}"/>
+              </a:ext>
+            </a:extLst>
+          </p:cNvPr>
+          <p:cNvSpPr txBox="1"/>
+          <p:nvPr/>
+        </p:nvSpPr>
+        <p:spPr>
+          <a:xfrm>
+            <a:off x="347667" y="6361766"/>
+            <a:ext cx="300038" cy="369332"/>
+          </a:xfrm>
+          <a:prstGeom prst="rect">
+            <a:avLst/>
+          </a:prstGeom>
+          <a:noFill/>
+        </p:spPr>
+        <p:txBody>
+          <a:bodyPr wrap="square" rtlCol="0">
+            <a:spAutoFit/>
+          </a:bodyPr>
+          <a:lstStyle/>
+          <a:p>
+            <a:r>
+              <a:rPr lang="en-US" dirty="0"/>
+              <a:t>6</a:t>
+            </a:r>
+          </a:p>
+        </p:txBody>
+      </p:sp>
+      <p:sp>
+        <p:nvSpPr>
+          <p:cNvPr id="25" name="TextBox 24">
+            <a:extLst>
+              <a:ext uri="{FF2B5EF4-FFF2-40B4-BE49-F238E27FC236}">
+                <a16:creationId xmlns:a16="http://schemas.microsoft.com/office/drawing/2014/main" id="{DDDF8701-C8B3-AC06-B6D5-54A95C485FF1}"/>
+              </a:ext>
+            </a:extLst>
+          </p:cNvPr>
+          <p:cNvSpPr txBox="1"/>
+          <p:nvPr/>
+        </p:nvSpPr>
+        <p:spPr>
+          <a:xfrm>
+            <a:off x="2523915" y="5839668"/>
+            <a:ext cx="300038" cy="369332"/>
+          </a:xfrm>
+          <a:prstGeom prst="rect">
+            <a:avLst/>
+          </a:prstGeom>
+          <a:noFill/>
+        </p:spPr>
+        <p:txBody>
+          <a:bodyPr wrap="square" rtlCol="0">
+            <a:spAutoFit/>
+          </a:bodyPr>
+          <a:lstStyle/>
+          <a:p>
+            <a:r>
+              <a:rPr lang="en-US" dirty="0"/>
+              <a:t>7</a:t>
+            </a:r>
+          </a:p>
+        </p:txBody>
+      </p:sp>
+      <p:sp>
+        <p:nvSpPr>
+          <p:cNvPr id="26" name="TextBox 25">
+            <a:extLst>
+              <a:ext uri="{FF2B5EF4-FFF2-40B4-BE49-F238E27FC236}">
+                <a16:creationId xmlns:a16="http://schemas.microsoft.com/office/drawing/2014/main" id="{D72DB4A9-F0A9-399B-FB02-01777592948F}"/>
+              </a:ext>
+            </a:extLst>
+          </p:cNvPr>
+          <p:cNvSpPr txBox="1"/>
+          <p:nvPr/>
+        </p:nvSpPr>
+        <p:spPr>
+          <a:xfrm>
+            <a:off x="485222" y="4752733"/>
+            <a:ext cx="300038" cy="369332"/>
+          </a:xfrm>
+          <a:prstGeom prst="rect">
+            <a:avLst/>
+          </a:prstGeom>
+          <a:noFill/>
+        </p:spPr>
+        <p:txBody>
+          <a:bodyPr wrap="square" rtlCol="0">
+            <a:spAutoFit/>
+          </a:bodyPr>
+          <a:lstStyle/>
+          <a:p>
+            <a:r>
+              <a:rPr lang="en-US" dirty="0"/>
+              <a:t>8</a:t>
+            </a:r>
+          </a:p>
+        </p:txBody>
+      </p:sp>
+      <p:pic>
+        <p:nvPicPr>
+          <p:cNvPr id="14" name="Picture 13">
+            <a:extLst>
+              <a:ext uri="{FF2B5EF4-FFF2-40B4-BE49-F238E27FC236}">
+                <a16:creationId xmlns:a16="http://schemas.microsoft.com/office/drawing/2014/main" id="{2B9B23F9-DED6-AA61-0B72-97A556548D1D}"/>
+              </a:ext>
+            </a:extLst>
+          </p:cNvPr>
+          <p:cNvPicPr>
+            <a:picLocks noChangeAspect="1"/>
+          </p:cNvPicPr>
+          <p:nvPr/>
+        </p:nvPicPr>
+        <p:blipFill>
+          <a:blip r:embed="rId7">
+            <a:extLst>
+              <a:ext uri="{BEBA8EAE-BF5A-486C-A8C5-ECC9F3942E4B}">
+                <a14:imgProps xmlns:a14="http://schemas.microsoft.com/office/drawing/2010/main">
+                  <a14:imgLayer r:embed="rId8">
+                    <a14:imgEffect>
+                      <a14:saturation sat="0"/>
+                    </a14:imgEffect>
+                  </a14:imgLayer>
+                </a14:imgProps>
+              </a:ext>
+            </a:extLst>
+          </a:blip>
+          <a:stretch>
+            <a:fillRect/>
+          </a:stretch>
+        </p:blipFill>
+        <p:spPr>
+          <a:xfrm>
+            <a:off x="928010" y="6726360"/>
+            <a:ext cx="874615" cy="1730541"/>
+          </a:xfrm>
+          <a:prstGeom prst="rect">
+            <a:avLst/>
+          </a:prstGeom>
+        </p:spPr>
+      </p:pic>
+      <p:sp>
+        <p:nvSpPr>
+          <p:cNvPr id="22" name="TextBox 21">
+            <a:extLst>
+              <a:ext uri="{FF2B5EF4-FFF2-40B4-BE49-F238E27FC236}">
+                <a16:creationId xmlns:a16="http://schemas.microsoft.com/office/drawing/2014/main" id="{733028DF-FF2A-008A-E146-F7DCB269E652}"/>
+              </a:ext>
+            </a:extLst>
+          </p:cNvPr>
+          <p:cNvSpPr txBox="1"/>
+          <p:nvPr/>
+        </p:nvSpPr>
+        <p:spPr>
+          <a:xfrm>
+            <a:off x="2111474" y="7049139"/>
+            <a:ext cx="300038" cy="369332"/>
+          </a:xfrm>
+          <a:prstGeom prst="rect">
+            <a:avLst/>
+          </a:prstGeom>
+          <a:noFill/>
+        </p:spPr>
+        <p:txBody>
+          <a:bodyPr wrap="square" rtlCol="0">
+            <a:spAutoFit/>
+          </a:bodyPr>
+          <a:lstStyle/>
+          <a:p>
+            <a:r>
+              <a:rPr lang="en-US" dirty="0"/>
+              <a:t>9</a:t>
+            </a:r>
+          </a:p>
+        </p:txBody>
+      </p:sp>
+      <p:sp>
+        <p:nvSpPr>
+          <p:cNvPr id="27" name="TextBox 26">
+            <a:extLst>
+              <a:ext uri="{FF2B5EF4-FFF2-40B4-BE49-F238E27FC236}">
+                <a16:creationId xmlns:a16="http://schemas.microsoft.com/office/drawing/2014/main" id="{B94D574C-5C32-6FE3-74A3-D208A70B54D0}"/>
+              </a:ext>
+            </a:extLst>
+          </p:cNvPr>
+          <p:cNvSpPr txBox="1"/>
+          <p:nvPr/>
+        </p:nvSpPr>
+        <p:spPr>
+          <a:xfrm>
+            <a:off x="2074370" y="7723192"/>
+            <a:ext cx="449477" cy="369332"/>
+          </a:xfrm>
+          <a:prstGeom prst="rect">
+            <a:avLst/>
+          </a:prstGeom>
+          <a:noFill/>
+        </p:spPr>
+        <p:txBody>
+          <a:bodyPr wrap="square" rtlCol="0">
+            <a:spAutoFit/>
+          </a:bodyPr>
+          <a:lstStyle/>
+          <a:p>
+            <a:r>
+              <a:rPr lang="en-US" dirty="0"/>
+              <a:t>10</a:t>
+            </a:r>
+          </a:p>
+        </p:txBody>
+      </p:sp>
+      <p:cxnSp>
+        <p:nvCxnSpPr>
+          <p:cNvPr id="28" name="Straight Arrow Connector 27">
+            <a:extLst>
+              <a:ext uri="{FF2B5EF4-FFF2-40B4-BE49-F238E27FC236}">
+                <a16:creationId xmlns:a16="http://schemas.microsoft.com/office/drawing/2014/main" id="{4BBC9B80-D2C3-6E47-1B2D-541FAF96B54D}"/>
+              </a:ext>
+            </a:extLst>
+          </p:cNvPr>
+          <p:cNvCxnSpPr>
+            <a:cxnSpLocks/>
+          </p:cNvCxnSpPr>
+          <p:nvPr/>
+        </p:nvCxnSpPr>
+        <p:spPr>
+          <a:xfrm flipH="1" flipV="1">
+            <a:off x="1361392" y="7153835"/>
+            <a:ext cx="757685" cy="85605"/>
+          </a:xfrm>
+          <a:prstGeom prst="straightConnector1">
+            <a:avLst/>
+          </a:prstGeom>
+          <a:ln w="19050">
+            <a:solidFill>
+              <a:schemeClr val="tx1"/>
+            </a:solidFill>
+            <a:tailEnd type="triangle"/>
+          </a:ln>
+        </p:spPr>
+        <p:style>
+          <a:lnRef idx="1">
+            <a:schemeClr val="accent1"/>
+          </a:lnRef>
+          <a:fillRef idx="0">
+            <a:schemeClr val="accent1"/>
+          </a:fillRef>
+          <a:effectRef idx="0">
+            <a:schemeClr val="accent1"/>
+          </a:effectRef>
+          <a:fontRef idx="minor">
+            <a:schemeClr val="tx1"/>
+          </a:fontRef>
+        </p:style>
+      </p:cxnSp>
+      <p:cxnSp>
+        <p:nvCxnSpPr>
+          <p:cNvPr id="29" name="Straight Arrow Connector 28">
+            <a:extLst>
+              <a:ext uri="{FF2B5EF4-FFF2-40B4-BE49-F238E27FC236}">
+                <a16:creationId xmlns:a16="http://schemas.microsoft.com/office/drawing/2014/main" id="{B468B478-7C08-B302-9B12-75F096AE1401}"/>
+              </a:ext>
+            </a:extLst>
+          </p:cNvPr>
+          <p:cNvCxnSpPr>
+            <a:cxnSpLocks/>
+            <a:stCxn id="27" idx="1"/>
+          </p:cNvCxnSpPr>
+          <p:nvPr/>
+        </p:nvCxnSpPr>
+        <p:spPr>
+          <a:xfrm flipH="1">
+            <a:off x="1365317" y="7907858"/>
+            <a:ext cx="709053" cy="333695"/>
+          </a:xfrm>
+          <a:prstGeom prst="straightConnector1">
+            <a:avLst/>
+          </a:prstGeom>
+          <a:ln w="19050">
+            <a:solidFill>
+              <a:schemeClr val="tx1"/>
+            </a:solidFill>
+            <a:tailEnd type="triangle"/>
+          </a:ln>
+        </p:spPr>
+        <p:style>
+          <a:lnRef idx="1">
+            <a:schemeClr val="accent1"/>
+          </a:lnRef>
+          <a:fillRef idx="0">
+            <a:schemeClr val="accent1"/>
+          </a:fillRef>
+          <a:effectRef idx="0">
+            <a:schemeClr val="accent1"/>
+          </a:effectRef>
+          <a:fontRef idx="minor">
+            <a:schemeClr val="tx1"/>
+          </a:fontRef>
+        </p:style>
+      </p:cxnSp>
+    </p:spTree>
+    <p:extLst>
+      <p:ext uri="{BB962C8B-B14F-4D97-AF65-F5344CB8AC3E}">
+        <p14:creationId xmlns:p14="http://schemas.microsoft.com/office/powerpoint/2010/main" val="4020470975"/>
+      </p:ext>
+    </p:extLst>
+  </p:cSld>
+  <p:clrMapOvr>
+    <a:masterClrMapping/>
+  </p:clrMapOvr>
+</p:sld>
+</file>
+
+<file path=ppt/slides/slide3.xml><?xml version="1.0" encoding="utf-8"?>
+<p:sld xmlns:a="http://schemas.openxmlformats.org/drawingml/2006/main" xmlns:r="http://schemas.openxmlformats.org/officeDocument/2006/relationships" xmlns:p="http://schemas.openxmlformats.org/presentationml/2006/main">
+  <p:cSld>
+    <p:spTree>
+      <p:nvGrpSpPr>
+        <p:cNvPr id="1" name="">
+          <a:extLst>
+            <a:ext uri="{FF2B5EF4-FFF2-40B4-BE49-F238E27FC236}">
+              <a16:creationId xmlns:a16="http://schemas.microsoft.com/office/drawing/2014/main" id="{CEB750CB-7D9E-744B-12E1-F758AA1FB277}"/>
+            </a:ext>
+          </a:extLst>
+        </p:cNvPr>
+        <p:cNvGrpSpPr/>
+        <p:nvPr/>
+      </p:nvGrpSpPr>
+      <p:grpSpPr>
+        <a:xfrm>
+          <a:off x="0" y="0"/>
+          <a:ext cx="0" cy="0"/>
+          <a:chOff x="0" y="0"/>
+          <a:chExt cx="0" cy="0"/>
+        </a:xfrm>
+      </p:grpSpPr>
+      <p:sp>
+        <p:nvSpPr>
+          <p:cNvPr id="4" name="TextBox 3">
+            <a:extLst>
+              <a:ext uri="{FF2B5EF4-FFF2-40B4-BE49-F238E27FC236}">
+                <a16:creationId xmlns:a16="http://schemas.microsoft.com/office/drawing/2014/main" id="{6E2BA924-93A1-9AFF-BBA9-9F80AC2F6181}"/>
+              </a:ext>
+            </a:extLst>
+          </p:cNvPr>
+          <p:cNvSpPr txBox="1"/>
+          <p:nvPr/>
+        </p:nvSpPr>
+        <p:spPr>
+          <a:xfrm>
+            <a:off x="1972994" y="492369"/>
+            <a:ext cx="2912012" cy="646331"/>
+          </a:xfrm>
+          <a:prstGeom prst="rect">
+            <a:avLst/>
+          </a:prstGeom>
+          <a:noFill/>
+        </p:spPr>
+        <p:txBody>
+          <a:bodyPr wrap="square" rtlCol="0">
+            <a:spAutoFit/>
+          </a:bodyPr>
+          <a:lstStyle/>
+          <a:p>
+            <a:r>
+              <a:rPr lang="en-US" b="1" dirty="0"/>
+              <a:t>A&amp;P BIOL 206 Lab Report #3</a:t>
+            </a:r>
+          </a:p>
+          <a:p>
+            <a:endParaRPr lang="en-US" dirty="0"/>
+          </a:p>
+        </p:txBody>
+      </p:sp>
+      <p:sp>
+        <p:nvSpPr>
+          <p:cNvPr id="5" name="TextBox 4">
+            <a:extLst>
+              <a:ext uri="{FF2B5EF4-FFF2-40B4-BE49-F238E27FC236}">
+                <a16:creationId xmlns:a16="http://schemas.microsoft.com/office/drawing/2014/main" id="{39525AE8-EC94-40C1-EBFA-8D4DACA66D4F}"/>
+              </a:ext>
+            </a:extLst>
+          </p:cNvPr>
+          <p:cNvSpPr txBox="1"/>
+          <p:nvPr/>
+        </p:nvSpPr>
+        <p:spPr>
+          <a:xfrm>
+            <a:off x="734385" y="1000200"/>
+            <a:ext cx="5117427" cy="276999"/>
+          </a:xfrm>
+          <a:prstGeom prst="rect">
+            <a:avLst/>
+          </a:prstGeom>
+          <a:noFill/>
+        </p:spPr>
+        <p:txBody>
+          <a:bodyPr wrap="none" rtlCol="0">
+            <a:spAutoFit/>
+          </a:bodyPr>
+          <a:lstStyle/>
+          <a:p>
+            <a:r>
+              <a:rPr lang="en-US" sz="1200" dirty="0"/>
+              <a:t>My first &amp; last name is: _____________________________________________</a:t>
+            </a:r>
+          </a:p>
+        </p:txBody>
+      </p:sp>
+      <p:sp>
+        <p:nvSpPr>
+          <p:cNvPr id="16" name="TextBox 15">
+            <a:extLst>
+              <a:ext uri="{FF2B5EF4-FFF2-40B4-BE49-F238E27FC236}">
+                <a16:creationId xmlns:a16="http://schemas.microsoft.com/office/drawing/2014/main" id="{297A9202-B7D1-216C-EC8D-98F19512A6CD}"/>
+              </a:ext>
+            </a:extLst>
+          </p:cNvPr>
+          <p:cNvSpPr txBox="1"/>
+          <p:nvPr/>
+        </p:nvSpPr>
+        <p:spPr>
+          <a:xfrm>
+            <a:off x="3097781" y="2583145"/>
+            <a:ext cx="3446824" cy="4708981"/>
+          </a:xfrm>
+          <a:prstGeom prst="rect">
+            <a:avLst/>
+          </a:prstGeom>
+          <a:noFill/>
+        </p:spPr>
+        <p:txBody>
+          <a:bodyPr wrap="square" rtlCol="0">
+            <a:spAutoFit/>
+          </a:bodyPr>
+          <a:lstStyle/>
+          <a:p>
+            <a:r>
+              <a:rPr lang="en-US" sz="1200" dirty="0"/>
+              <a:t>What is the name of the marked bones?</a:t>
+            </a:r>
+          </a:p>
+          <a:p>
+            <a:endParaRPr lang="en-US" sz="1200" dirty="0"/>
+          </a:p>
+          <a:p>
+            <a:r>
+              <a:rPr lang="en-US" sz="1200" dirty="0"/>
+              <a:t>1.</a:t>
+            </a:r>
+          </a:p>
+          <a:p>
+            <a:endParaRPr lang="en-US" sz="1200" dirty="0"/>
+          </a:p>
+          <a:p>
+            <a:r>
+              <a:rPr lang="en-US" sz="1200" dirty="0"/>
+              <a:t>2.</a:t>
+            </a:r>
+          </a:p>
+          <a:p>
+            <a:endParaRPr lang="en-US" sz="1200" dirty="0"/>
+          </a:p>
+          <a:p>
+            <a:r>
+              <a:rPr lang="en-US" sz="1200" dirty="0"/>
+              <a:t>3.</a:t>
+            </a:r>
+          </a:p>
+          <a:p>
+            <a:endParaRPr lang="en-US" sz="1200" dirty="0"/>
+          </a:p>
+          <a:p>
+            <a:r>
+              <a:rPr lang="en-US" sz="1200" dirty="0"/>
+              <a:t>4.</a:t>
+            </a:r>
+          </a:p>
+          <a:p>
+            <a:r>
+              <a:rPr lang="en-US" sz="1200" dirty="0"/>
+              <a:t> </a:t>
+            </a:r>
+          </a:p>
+          <a:p>
+            <a:endParaRPr lang="en-US" sz="1200" dirty="0"/>
+          </a:p>
+          <a:p>
+            <a:r>
+              <a:rPr lang="en-US" sz="1200" dirty="0"/>
+              <a:t>5.</a:t>
+            </a:r>
+          </a:p>
+          <a:p>
+            <a:endParaRPr lang="en-US" sz="1200" dirty="0"/>
+          </a:p>
+          <a:p>
+            <a:endParaRPr lang="en-US" sz="1200" dirty="0"/>
+          </a:p>
+          <a:p>
+            <a:r>
+              <a:rPr lang="en-US" sz="1200" dirty="0"/>
+              <a:t>6.</a:t>
+            </a:r>
+          </a:p>
+          <a:p>
+            <a:endParaRPr lang="en-US" sz="1200" dirty="0"/>
+          </a:p>
+          <a:p>
+            <a:r>
+              <a:rPr lang="en-US" sz="1200" dirty="0"/>
+              <a:t>Can you identify these bone markings?</a:t>
+            </a:r>
+          </a:p>
+          <a:p>
+            <a:r>
+              <a:rPr lang="en-US" sz="1200" dirty="0"/>
+              <a:t> </a:t>
+            </a:r>
+          </a:p>
+          <a:p>
+            <a:r>
+              <a:rPr lang="en-US" sz="1200" dirty="0"/>
+              <a:t>7.</a:t>
+            </a:r>
+          </a:p>
+          <a:p>
+            <a:endParaRPr lang="en-US" sz="1200" dirty="0"/>
+          </a:p>
+          <a:p>
+            <a:r>
+              <a:rPr lang="en-US" sz="1200" dirty="0"/>
+              <a:t>8.</a:t>
+            </a:r>
+          </a:p>
+          <a:p>
+            <a:endParaRPr lang="en-US" sz="1200" dirty="0"/>
+          </a:p>
+          <a:p>
+            <a:r>
+              <a:rPr lang="en-US" sz="1200" dirty="0"/>
+              <a:t>9. </a:t>
+            </a:r>
+          </a:p>
+          <a:p>
+            <a:endParaRPr lang="en-US" sz="1200" dirty="0"/>
+          </a:p>
+          <a:p>
+            <a:r>
+              <a:rPr lang="en-US" sz="1200" dirty="0"/>
+              <a:t>10. </a:t>
+            </a:r>
+          </a:p>
+        </p:txBody>
+      </p:sp>
+      <p:sp>
+        <p:nvSpPr>
+          <p:cNvPr id="17" name="TextBox 16">
+            <a:extLst>
+              <a:ext uri="{FF2B5EF4-FFF2-40B4-BE49-F238E27FC236}">
+                <a16:creationId xmlns:a16="http://schemas.microsoft.com/office/drawing/2014/main" id="{E60B2567-F0B2-8203-0F10-750436496101}"/>
+              </a:ext>
+            </a:extLst>
+          </p:cNvPr>
+          <p:cNvSpPr txBox="1"/>
+          <p:nvPr/>
+        </p:nvSpPr>
+        <p:spPr>
+          <a:xfrm>
+            <a:off x="2594475" y="1508032"/>
+            <a:ext cx="300038" cy="369332"/>
+          </a:xfrm>
+          <a:prstGeom prst="rect">
+            <a:avLst/>
+          </a:prstGeom>
+          <a:noFill/>
+        </p:spPr>
+        <p:txBody>
+          <a:bodyPr wrap="square" rtlCol="0">
+            <a:spAutoFit/>
+          </a:bodyPr>
+          <a:lstStyle/>
+          <a:p>
+            <a:r>
+              <a:rPr lang="en-US" dirty="0"/>
+              <a:t>2</a:t>
+            </a:r>
+          </a:p>
+        </p:txBody>
+      </p:sp>
+      <p:sp>
+        <p:nvSpPr>
+          <p:cNvPr id="18" name="TextBox 17">
+            <a:extLst>
+              <a:ext uri="{FF2B5EF4-FFF2-40B4-BE49-F238E27FC236}">
+                <a16:creationId xmlns:a16="http://schemas.microsoft.com/office/drawing/2014/main" id="{15F2C0D8-09B1-63FF-2F9A-5CB2E668607F}"/>
+              </a:ext>
+            </a:extLst>
+          </p:cNvPr>
+          <p:cNvSpPr txBox="1"/>
+          <p:nvPr/>
+        </p:nvSpPr>
+        <p:spPr>
+          <a:xfrm>
+            <a:off x="204802" y="2246325"/>
+            <a:ext cx="300038" cy="369332"/>
+          </a:xfrm>
+          <a:prstGeom prst="rect">
+            <a:avLst/>
+          </a:prstGeom>
+          <a:noFill/>
+        </p:spPr>
+        <p:txBody>
+          <a:bodyPr wrap="square" rtlCol="0">
+            <a:spAutoFit/>
+          </a:bodyPr>
+          <a:lstStyle/>
+          <a:p>
+            <a:r>
+              <a:rPr lang="en-US" dirty="0"/>
+              <a:t>1</a:t>
+            </a:r>
+          </a:p>
+        </p:txBody>
+      </p:sp>
+      <p:sp>
+        <p:nvSpPr>
+          <p:cNvPr id="19" name="TextBox 18">
+            <a:extLst>
+              <a:ext uri="{FF2B5EF4-FFF2-40B4-BE49-F238E27FC236}">
+                <a16:creationId xmlns:a16="http://schemas.microsoft.com/office/drawing/2014/main" id="{656E157B-F858-886E-E947-72E975F66CEA}"/>
+              </a:ext>
+            </a:extLst>
+          </p:cNvPr>
+          <p:cNvSpPr txBox="1"/>
+          <p:nvPr/>
+        </p:nvSpPr>
+        <p:spPr>
+          <a:xfrm>
+            <a:off x="2552525" y="3276013"/>
+            <a:ext cx="300038" cy="369332"/>
+          </a:xfrm>
+          <a:prstGeom prst="rect">
+            <a:avLst/>
+          </a:prstGeom>
+          <a:noFill/>
+        </p:spPr>
+        <p:txBody>
+          <a:bodyPr wrap="square" rtlCol="0">
+            <a:spAutoFit/>
+          </a:bodyPr>
+          <a:lstStyle/>
+          <a:p>
+            <a:r>
+              <a:rPr lang="en-US" dirty="0"/>
+              <a:t>3</a:t>
+            </a:r>
+          </a:p>
+        </p:txBody>
+      </p:sp>
+      <p:sp>
+        <p:nvSpPr>
+          <p:cNvPr id="20" name="TextBox 19">
+            <a:extLst>
+              <a:ext uri="{FF2B5EF4-FFF2-40B4-BE49-F238E27FC236}">
+                <a16:creationId xmlns:a16="http://schemas.microsoft.com/office/drawing/2014/main" id="{2E6D9F7B-1921-8770-BD37-BCB7393F2382}"/>
+              </a:ext>
+            </a:extLst>
+          </p:cNvPr>
+          <p:cNvSpPr txBox="1"/>
+          <p:nvPr/>
+        </p:nvSpPr>
+        <p:spPr>
+          <a:xfrm>
+            <a:off x="2541069" y="3506846"/>
+            <a:ext cx="300038" cy="369332"/>
+          </a:xfrm>
+          <a:prstGeom prst="rect">
+            <a:avLst/>
+          </a:prstGeom>
+          <a:noFill/>
+        </p:spPr>
+        <p:txBody>
+          <a:bodyPr wrap="square" rtlCol="0">
+            <a:spAutoFit/>
+          </a:bodyPr>
+          <a:lstStyle/>
+          <a:p>
+            <a:r>
+              <a:rPr lang="en-US" dirty="0"/>
+              <a:t>4</a:t>
+            </a:r>
+          </a:p>
+        </p:txBody>
+      </p:sp>
+      <p:pic>
+        <p:nvPicPr>
+          <p:cNvPr id="1026" name="Picture 2" descr="Musculoskeletal System | Basicmedical Key">
+            <a:extLst>
+              <a:ext uri="{FF2B5EF4-FFF2-40B4-BE49-F238E27FC236}">
+                <a16:creationId xmlns:a16="http://schemas.microsoft.com/office/drawing/2014/main" id="{7CD8587A-7726-2DF6-8DC8-3C84049E9E33}"/>
+              </a:ext>
+            </a:extLst>
+          </p:cNvPr>
+          <p:cNvPicPr>
+            <a:picLocks noChangeAspect="1" noChangeArrowheads="1"/>
+          </p:cNvPicPr>
+          <p:nvPr/>
+        </p:nvPicPr>
+        <p:blipFill rotWithShape="1">
+          <a:blip r:embed="rId3">
+            <a:extLst>
+              <a:ext uri="{28A0092B-C50C-407E-A947-70E740481C1C}">
+                <a14:useLocalDpi xmlns:a14="http://schemas.microsoft.com/office/drawing/2010/main" val="0"/>
+              </a:ext>
+            </a:extLst>
+          </a:blip>
+          <a:srcRect l="16843" r="28827"/>
+          <a:stretch/>
+        </p:blipFill>
+        <p:spPr bwMode="auto">
+          <a:xfrm>
+            <a:off x="504840" y="1646531"/>
+            <a:ext cx="2102506" cy="3309951"/>
+          </a:xfrm>
+          <a:prstGeom prst="rect">
+            <a:avLst/>
+          </a:prstGeom>
+          <a:noFill/>
+          <a:extLst>
+            <a:ext uri="{909E8E84-426E-40DD-AFC4-6F175D3DCCD1}">
+              <a14:hiddenFill xmlns:a14="http://schemas.microsoft.com/office/drawing/2010/main">
+                <a:solidFill>
+                  <a:srgbClr val="FFFFFF"/>
+                </a:solidFill>
+              </a14:hiddenFill>
+            </a:ext>
+          </a:extLst>
+        </p:spPr>
+      </p:pic>
+      <p:pic>
+        <p:nvPicPr>
+          <p:cNvPr id="1028" name="Picture 4" descr="Humerus Bone Markings Diagram | Quizlet">
+            <a:extLst>
+              <a:ext uri="{FF2B5EF4-FFF2-40B4-BE49-F238E27FC236}">
+                <a16:creationId xmlns:a16="http://schemas.microsoft.com/office/drawing/2014/main" id="{0E115CCF-4066-D14D-2C0F-7B8A2C08CC91}"/>
+              </a:ext>
+            </a:extLst>
+          </p:cNvPr>
+          <p:cNvPicPr>
+            <a:picLocks noChangeAspect="1" noChangeArrowheads="1"/>
+          </p:cNvPicPr>
+          <p:nvPr/>
+        </p:nvPicPr>
+        <p:blipFill rotWithShape="1">
+          <a:blip r:embed="rId4">
+            <a:extLst>
+              <a:ext uri="{28A0092B-C50C-407E-A947-70E740481C1C}">
+                <a14:useLocalDpi xmlns:a14="http://schemas.microsoft.com/office/drawing/2010/main" val="0"/>
+              </a:ext>
+            </a:extLst>
+          </a:blip>
+          <a:srcRect r="47187"/>
+          <a:stretch/>
+        </p:blipFill>
+        <p:spPr bwMode="auto">
+          <a:xfrm>
+            <a:off x="56839" y="4937636"/>
+            <a:ext cx="2827631" cy="4206364"/>
+          </a:xfrm>
+          <a:prstGeom prst="rect">
+            <a:avLst/>
+          </a:prstGeom>
+          <a:noFill/>
+          <a:extLst>
+            <a:ext uri="{909E8E84-426E-40DD-AFC4-6F175D3DCCD1}">
+              <a14:hiddenFill xmlns:a14="http://schemas.microsoft.com/office/drawing/2010/main">
+                <a:solidFill>
+                  <a:srgbClr val="FFFFFF"/>
+                </a:solidFill>
+              </a14:hiddenFill>
+            </a:ext>
+          </a:extLst>
+        </p:spPr>
+      </p:pic>
+      <p:sp>
+        <p:nvSpPr>
+          <p:cNvPr id="10" name="TextBox 9">
+            <a:extLst>
+              <a:ext uri="{FF2B5EF4-FFF2-40B4-BE49-F238E27FC236}">
+                <a16:creationId xmlns:a16="http://schemas.microsoft.com/office/drawing/2014/main" id="{0CC32F37-4096-8EDB-D279-FA6BC4248DFF}"/>
+              </a:ext>
+            </a:extLst>
+          </p:cNvPr>
+          <p:cNvSpPr txBox="1"/>
+          <p:nvPr/>
+        </p:nvSpPr>
+        <p:spPr>
+          <a:xfrm>
+            <a:off x="2541069" y="3864544"/>
+            <a:ext cx="300038" cy="369332"/>
+          </a:xfrm>
+          <a:prstGeom prst="rect">
+            <a:avLst/>
+          </a:prstGeom>
+          <a:noFill/>
+        </p:spPr>
+        <p:txBody>
+          <a:bodyPr wrap="square" rtlCol="0">
+            <a:spAutoFit/>
+          </a:bodyPr>
+          <a:lstStyle/>
+          <a:p>
+            <a:r>
+              <a:rPr lang="en-US" dirty="0"/>
+              <a:t>5</a:t>
+            </a:r>
+          </a:p>
+        </p:txBody>
+      </p:sp>
+      <p:sp>
+        <p:nvSpPr>
+          <p:cNvPr id="24" name="TextBox 23">
+            <a:extLst>
+              <a:ext uri="{FF2B5EF4-FFF2-40B4-BE49-F238E27FC236}">
+                <a16:creationId xmlns:a16="http://schemas.microsoft.com/office/drawing/2014/main" id="{DDF8ADB1-0BE6-0E8A-BC0C-1E7BB35BBBE6}"/>
+              </a:ext>
+            </a:extLst>
+          </p:cNvPr>
+          <p:cNvSpPr txBox="1"/>
+          <p:nvPr/>
+        </p:nvSpPr>
+        <p:spPr>
+          <a:xfrm>
+            <a:off x="1822975" y="5302545"/>
+            <a:ext cx="300038" cy="369332"/>
+          </a:xfrm>
+          <a:prstGeom prst="rect">
+            <a:avLst/>
+          </a:prstGeom>
+          <a:noFill/>
+        </p:spPr>
+        <p:txBody>
+          <a:bodyPr wrap="square" rtlCol="0">
+            <a:spAutoFit/>
+          </a:bodyPr>
+          <a:lstStyle/>
+          <a:p>
+            <a:r>
+              <a:rPr lang="en-US" dirty="0"/>
+              <a:t>6</a:t>
+            </a:r>
+          </a:p>
+        </p:txBody>
+      </p:sp>
+      <p:sp>
+        <p:nvSpPr>
+          <p:cNvPr id="25" name="TextBox 24">
+            <a:extLst>
+              <a:ext uri="{FF2B5EF4-FFF2-40B4-BE49-F238E27FC236}">
+                <a16:creationId xmlns:a16="http://schemas.microsoft.com/office/drawing/2014/main" id="{1800106F-1F4E-2014-7D5A-9FB17BCC2FFC}"/>
+              </a:ext>
+            </a:extLst>
+          </p:cNvPr>
+          <p:cNvSpPr txBox="1"/>
+          <p:nvPr/>
+        </p:nvSpPr>
+        <p:spPr>
+          <a:xfrm>
+            <a:off x="2607346" y="5766623"/>
+            <a:ext cx="300038" cy="369332"/>
+          </a:xfrm>
+          <a:prstGeom prst="rect">
+            <a:avLst/>
+          </a:prstGeom>
+          <a:noFill/>
+        </p:spPr>
+        <p:txBody>
+          <a:bodyPr wrap="square" rtlCol="0">
+            <a:spAutoFit/>
+          </a:bodyPr>
+          <a:lstStyle/>
+          <a:p>
+            <a:r>
+              <a:rPr lang="en-US" dirty="0"/>
+              <a:t>7</a:t>
+            </a:r>
+          </a:p>
+        </p:txBody>
+      </p:sp>
+      <p:sp>
+        <p:nvSpPr>
+          <p:cNvPr id="26" name="TextBox 25">
+            <a:extLst>
+              <a:ext uri="{FF2B5EF4-FFF2-40B4-BE49-F238E27FC236}">
+                <a16:creationId xmlns:a16="http://schemas.microsoft.com/office/drawing/2014/main" id="{D1929674-55B0-DA3E-E5ED-0AF93347CA88}"/>
+              </a:ext>
+            </a:extLst>
+          </p:cNvPr>
+          <p:cNvSpPr txBox="1"/>
+          <p:nvPr/>
+        </p:nvSpPr>
+        <p:spPr>
+          <a:xfrm>
+            <a:off x="1691713" y="7578160"/>
+            <a:ext cx="300038" cy="369332"/>
+          </a:xfrm>
+          <a:prstGeom prst="rect">
+            <a:avLst/>
+          </a:prstGeom>
+          <a:noFill/>
+        </p:spPr>
+        <p:txBody>
+          <a:bodyPr wrap="square" rtlCol="0">
+            <a:spAutoFit/>
+          </a:bodyPr>
+          <a:lstStyle/>
+          <a:p>
+            <a:r>
+              <a:rPr lang="en-US" dirty="0"/>
+              <a:t>8</a:t>
+            </a:r>
+          </a:p>
+        </p:txBody>
+      </p:sp>
+      <p:sp>
+        <p:nvSpPr>
+          <p:cNvPr id="22" name="TextBox 21">
+            <a:extLst>
+              <a:ext uri="{FF2B5EF4-FFF2-40B4-BE49-F238E27FC236}">
+                <a16:creationId xmlns:a16="http://schemas.microsoft.com/office/drawing/2014/main" id="{05538269-32E4-48DA-7144-ADE097A60624}"/>
+              </a:ext>
+            </a:extLst>
+          </p:cNvPr>
+          <p:cNvSpPr txBox="1"/>
+          <p:nvPr/>
+        </p:nvSpPr>
+        <p:spPr>
+          <a:xfrm>
+            <a:off x="1841732" y="7774468"/>
+            <a:ext cx="300038" cy="369332"/>
+          </a:xfrm>
+          <a:prstGeom prst="rect">
+            <a:avLst/>
+          </a:prstGeom>
+          <a:noFill/>
+        </p:spPr>
+        <p:txBody>
+          <a:bodyPr wrap="square" rtlCol="0">
+            <a:spAutoFit/>
+          </a:bodyPr>
+          <a:lstStyle/>
+          <a:p>
+            <a:r>
+              <a:rPr lang="en-US" dirty="0"/>
+              <a:t>9</a:t>
+            </a:r>
+          </a:p>
+        </p:txBody>
+      </p:sp>
+      <p:sp>
+        <p:nvSpPr>
+          <p:cNvPr id="27" name="TextBox 26">
+            <a:extLst>
+              <a:ext uri="{FF2B5EF4-FFF2-40B4-BE49-F238E27FC236}">
+                <a16:creationId xmlns:a16="http://schemas.microsoft.com/office/drawing/2014/main" id="{D2D9A1D7-F3E3-93AB-9000-AF43C4B2997E}"/>
+              </a:ext>
+            </a:extLst>
+          </p:cNvPr>
+          <p:cNvSpPr txBox="1"/>
+          <p:nvPr/>
+        </p:nvSpPr>
+        <p:spPr>
+          <a:xfrm>
+            <a:off x="1748255" y="8326738"/>
+            <a:ext cx="449477" cy="369332"/>
+          </a:xfrm>
+          <a:prstGeom prst="rect">
+            <a:avLst/>
+          </a:prstGeom>
+          <a:noFill/>
+        </p:spPr>
+        <p:txBody>
+          <a:bodyPr wrap="square" rtlCol="0">
+            <a:spAutoFit/>
+          </a:bodyPr>
+          <a:lstStyle/>
+          <a:p>
+            <a:r>
+              <a:rPr lang="en-US" dirty="0"/>
+              <a:t>10</a:t>
+            </a:r>
+          </a:p>
+        </p:txBody>
+      </p:sp>
+    </p:spTree>
+    <p:extLst>
+      <p:ext uri="{BB962C8B-B14F-4D97-AF65-F5344CB8AC3E}">
+        <p14:creationId xmlns:p14="http://schemas.microsoft.com/office/powerpoint/2010/main" val="2295011660"/>
+      </p:ext>
+    </p:extLst>
+  </p:cSld>
+  <p:clrMapOvr>
+    <a:masterClrMapping/>
+  </p:clrMapOvr>
+</p:sld>
+</file>
+
+<file path=ppt/slides/slide4.xml><?xml version="1.0" encoding="utf-8"?>
+<p:sld xmlns:a="http://schemas.openxmlformats.org/drawingml/2006/main" xmlns:r="http://schemas.openxmlformats.org/officeDocument/2006/relationships" xmlns:p="http://schemas.openxmlformats.org/presentationml/2006/main">
+  <p:cSld>
+    <p:spTree>
+      <p:nvGrpSpPr>
+        <p:cNvPr id="1" name="">
+          <a:extLst>
+            <a:ext uri="{FF2B5EF4-FFF2-40B4-BE49-F238E27FC236}">
+              <a16:creationId xmlns:a16="http://schemas.microsoft.com/office/drawing/2014/main" id="{AD936A4D-9315-B9DF-F69E-8B006384CA29}"/>
+            </a:ext>
+          </a:extLst>
+        </p:cNvPr>
+        <p:cNvGrpSpPr/>
+        <p:nvPr/>
+      </p:nvGrpSpPr>
+      <p:grpSpPr>
+        <a:xfrm>
+          <a:off x="0" y="0"/>
+          <a:ext cx="0" cy="0"/>
+          <a:chOff x="0" y="0"/>
+          <a:chExt cx="0" cy="0"/>
+        </a:xfrm>
+      </p:grpSpPr>
+      <p:sp>
+        <p:nvSpPr>
+          <p:cNvPr id="4" name="TextBox 3">
+            <a:extLst>
+              <a:ext uri="{FF2B5EF4-FFF2-40B4-BE49-F238E27FC236}">
+                <a16:creationId xmlns:a16="http://schemas.microsoft.com/office/drawing/2014/main" id="{5FDFF300-8661-20CF-BFF5-BFEFC83117DD}"/>
+              </a:ext>
+            </a:extLst>
+          </p:cNvPr>
+          <p:cNvSpPr txBox="1"/>
+          <p:nvPr/>
+        </p:nvSpPr>
+        <p:spPr>
+          <a:xfrm>
+            <a:off x="1972994" y="492369"/>
+            <a:ext cx="2912012" cy="646331"/>
+          </a:xfrm>
+          <a:prstGeom prst="rect">
+            <a:avLst/>
+          </a:prstGeom>
+          <a:noFill/>
+        </p:spPr>
+        <p:txBody>
+          <a:bodyPr wrap="square" rtlCol="0">
+            <a:spAutoFit/>
+          </a:bodyPr>
+          <a:lstStyle/>
+          <a:p>
+            <a:r>
+              <a:rPr lang="en-US" b="1" dirty="0"/>
+              <a:t>A&amp;P BIOL 206 Lab Report #4</a:t>
+            </a:r>
+          </a:p>
+          <a:p>
+            <a:endParaRPr lang="en-US" dirty="0"/>
+          </a:p>
+        </p:txBody>
+      </p:sp>
+      <p:sp>
+        <p:nvSpPr>
+          <p:cNvPr id="5" name="TextBox 4">
+            <a:extLst>
+              <a:ext uri="{FF2B5EF4-FFF2-40B4-BE49-F238E27FC236}">
+                <a16:creationId xmlns:a16="http://schemas.microsoft.com/office/drawing/2014/main" id="{CF774246-0753-BF87-7074-8B121B60D031}"/>
+              </a:ext>
+            </a:extLst>
+          </p:cNvPr>
+          <p:cNvSpPr txBox="1"/>
+          <p:nvPr/>
+        </p:nvSpPr>
+        <p:spPr>
+          <a:xfrm>
+            <a:off x="734385" y="1000200"/>
+            <a:ext cx="5117427" cy="276999"/>
+          </a:xfrm>
+          <a:prstGeom prst="rect">
+            <a:avLst/>
+          </a:prstGeom>
+          <a:noFill/>
+        </p:spPr>
+        <p:txBody>
+          <a:bodyPr wrap="none" rtlCol="0">
+            <a:spAutoFit/>
+          </a:bodyPr>
+          <a:lstStyle/>
+          <a:p>
+            <a:r>
+              <a:rPr lang="en-US" sz="1200" dirty="0"/>
+              <a:t>My first &amp; last name is: _____________________________________________</a:t>
+            </a:r>
+          </a:p>
+        </p:txBody>
+      </p:sp>
+      <p:sp>
+        <p:nvSpPr>
+          <p:cNvPr id="16" name="TextBox 15">
+            <a:extLst>
+              <a:ext uri="{FF2B5EF4-FFF2-40B4-BE49-F238E27FC236}">
+                <a16:creationId xmlns:a16="http://schemas.microsoft.com/office/drawing/2014/main" id="{B991B03F-911D-137D-B738-1C8A6E230CEC}"/>
+              </a:ext>
+            </a:extLst>
+          </p:cNvPr>
+          <p:cNvSpPr txBox="1"/>
+          <p:nvPr/>
+        </p:nvSpPr>
+        <p:spPr>
+          <a:xfrm>
+            <a:off x="3097781" y="2583145"/>
+            <a:ext cx="3446824" cy="4893647"/>
+          </a:xfrm>
+          <a:prstGeom prst="rect">
+            <a:avLst/>
+          </a:prstGeom>
+          <a:noFill/>
+        </p:spPr>
+        <p:txBody>
+          <a:bodyPr wrap="square" rtlCol="0">
+            <a:spAutoFit/>
+          </a:bodyPr>
+          <a:lstStyle/>
+          <a:p>
+            <a:r>
+              <a:rPr lang="en-US" sz="1200" dirty="0"/>
+              <a:t>What is the name of the marked bones?</a:t>
+            </a:r>
+          </a:p>
+          <a:p>
+            <a:endParaRPr lang="en-US" sz="1200" dirty="0"/>
+          </a:p>
+          <a:p>
+            <a:r>
+              <a:rPr lang="en-US" sz="1200" dirty="0"/>
+              <a:t>1.</a:t>
+            </a:r>
+          </a:p>
+          <a:p>
+            <a:endParaRPr lang="en-US" sz="1200" dirty="0"/>
+          </a:p>
+          <a:p>
+            <a:r>
+              <a:rPr lang="en-US" sz="1200" dirty="0"/>
+              <a:t>2.</a:t>
+            </a:r>
+          </a:p>
+          <a:p>
+            <a:endParaRPr lang="en-US" sz="1200" dirty="0"/>
+          </a:p>
+          <a:p>
+            <a:r>
+              <a:rPr lang="en-US" sz="1200" dirty="0"/>
+              <a:t>3.</a:t>
+            </a:r>
+          </a:p>
+          <a:p>
+            <a:endParaRPr lang="en-US" sz="1200" dirty="0"/>
+          </a:p>
+          <a:p>
+            <a:r>
+              <a:rPr lang="en-US" sz="1200" dirty="0"/>
+              <a:t>4.</a:t>
+            </a:r>
+          </a:p>
+          <a:p>
+            <a:r>
+              <a:rPr lang="en-US" sz="1200" dirty="0"/>
+              <a:t> </a:t>
+            </a:r>
+          </a:p>
+          <a:p>
+            <a:r>
+              <a:rPr lang="en-US" sz="1200" dirty="0"/>
+              <a:t>5.</a:t>
+            </a:r>
+          </a:p>
+          <a:p>
+            <a:endParaRPr lang="en-US" sz="1200" dirty="0"/>
+          </a:p>
+          <a:p>
+            <a:r>
+              <a:rPr lang="en-US" sz="1200" dirty="0"/>
+              <a:t>What bone is shown in the lower picture?</a:t>
+            </a:r>
+          </a:p>
+          <a:p>
+            <a:endParaRPr lang="en-US" sz="1200" dirty="0"/>
+          </a:p>
+          <a:p>
+            <a:r>
+              <a:rPr lang="en-US" sz="1200" dirty="0"/>
+              <a:t>6.</a:t>
+            </a:r>
+          </a:p>
+          <a:p>
+            <a:endParaRPr lang="en-US" sz="1200" dirty="0"/>
+          </a:p>
+          <a:p>
+            <a:r>
+              <a:rPr lang="en-US" sz="1200" dirty="0"/>
+              <a:t>Can you identify these bone markings?</a:t>
+            </a:r>
+          </a:p>
+          <a:p>
+            <a:r>
+              <a:rPr lang="en-US" sz="1200" dirty="0"/>
+              <a:t> </a:t>
+            </a:r>
+          </a:p>
+          <a:p>
+            <a:r>
+              <a:rPr lang="en-US" sz="1200" dirty="0"/>
+              <a:t>7.</a:t>
+            </a:r>
+          </a:p>
+          <a:p>
+            <a:endParaRPr lang="en-US" sz="1200" dirty="0"/>
+          </a:p>
+          <a:p>
+            <a:r>
+              <a:rPr lang="en-US" sz="1200" dirty="0"/>
+              <a:t>8.</a:t>
+            </a:r>
+          </a:p>
+          <a:p>
+            <a:endParaRPr lang="en-US" sz="1200" dirty="0"/>
+          </a:p>
+          <a:p>
+            <a:r>
+              <a:rPr lang="en-US" sz="1200" dirty="0"/>
+              <a:t>9. </a:t>
+            </a:r>
+          </a:p>
+          <a:p>
+            <a:endParaRPr lang="en-US" sz="1200" dirty="0"/>
+          </a:p>
+          <a:p>
+            <a:r>
+              <a:rPr lang="en-US" sz="1200" dirty="0"/>
+              <a:t>10. </a:t>
+            </a:r>
+          </a:p>
+        </p:txBody>
+      </p:sp>
+      <p:sp>
+        <p:nvSpPr>
+          <p:cNvPr id="17" name="TextBox 16">
+            <a:extLst>
+              <a:ext uri="{FF2B5EF4-FFF2-40B4-BE49-F238E27FC236}">
+                <a16:creationId xmlns:a16="http://schemas.microsoft.com/office/drawing/2014/main" id="{6D86B8D8-AFFC-37C5-747B-52E669C53D51}"/>
+              </a:ext>
+            </a:extLst>
+          </p:cNvPr>
+          <p:cNvSpPr txBox="1"/>
+          <p:nvPr/>
+        </p:nvSpPr>
+        <p:spPr>
+          <a:xfrm>
+            <a:off x="2214065" y="3579110"/>
+            <a:ext cx="300038" cy="369332"/>
+          </a:xfrm>
+          <a:prstGeom prst="rect">
+            <a:avLst/>
+          </a:prstGeom>
+          <a:noFill/>
+        </p:spPr>
+        <p:txBody>
+          <a:bodyPr wrap="square" rtlCol="0">
+            <a:spAutoFit/>
+          </a:bodyPr>
+          <a:lstStyle/>
+          <a:p>
+            <a:r>
+              <a:rPr lang="en-US" dirty="0"/>
+              <a:t>2</a:t>
+            </a:r>
+          </a:p>
+        </p:txBody>
+      </p:sp>
+      <p:sp>
+        <p:nvSpPr>
+          <p:cNvPr id="18" name="TextBox 17">
+            <a:extLst>
+              <a:ext uri="{FF2B5EF4-FFF2-40B4-BE49-F238E27FC236}">
+                <a16:creationId xmlns:a16="http://schemas.microsoft.com/office/drawing/2014/main" id="{CEE70CA3-A917-A4CB-6965-E2645015A375}"/>
+              </a:ext>
+            </a:extLst>
+          </p:cNvPr>
+          <p:cNvSpPr txBox="1"/>
+          <p:nvPr/>
+        </p:nvSpPr>
+        <p:spPr>
+          <a:xfrm>
+            <a:off x="2203712" y="3209778"/>
+            <a:ext cx="300038" cy="369332"/>
+          </a:xfrm>
+          <a:prstGeom prst="rect">
+            <a:avLst/>
+          </a:prstGeom>
+          <a:noFill/>
+        </p:spPr>
+        <p:txBody>
+          <a:bodyPr wrap="square" rtlCol="0">
+            <a:spAutoFit/>
+          </a:bodyPr>
+          <a:lstStyle/>
+          <a:p>
+            <a:r>
+              <a:rPr lang="en-US" dirty="0"/>
+              <a:t>1</a:t>
+            </a:r>
+          </a:p>
+        </p:txBody>
+      </p:sp>
+      <p:sp>
+        <p:nvSpPr>
+          <p:cNvPr id="19" name="TextBox 18">
+            <a:extLst>
+              <a:ext uri="{FF2B5EF4-FFF2-40B4-BE49-F238E27FC236}">
+                <a16:creationId xmlns:a16="http://schemas.microsoft.com/office/drawing/2014/main" id="{1A64D9BE-BBDA-1F51-9720-CA9CA8DFE21F}"/>
+              </a:ext>
+            </a:extLst>
+          </p:cNvPr>
+          <p:cNvSpPr txBox="1"/>
+          <p:nvPr/>
+        </p:nvSpPr>
+        <p:spPr>
+          <a:xfrm>
+            <a:off x="2214065" y="2780219"/>
+            <a:ext cx="300038" cy="369332"/>
+          </a:xfrm>
+          <a:prstGeom prst="rect">
+            <a:avLst/>
+          </a:prstGeom>
+          <a:noFill/>
+        </p:spPr>
+        <p:txBody>
+          <a:bodyPr wrap="square" rtlCol="0">
+            <a:spAutoFit/>
+          </a:bodyPr>
+          <a:lstStyle/>
+          <a:p>
+            <a:r>
+              <a:rPr lang="en-US" dirty="0"/>
+              <a:t>3</a:t>
+            </a:r>
+          </a:p>
+        </p:txBody>
+      </p:sp>
+      <p:sp>
+        <p:nvSpPr>
+          <p:cNvPr id="20" name="TextBox 19">
+            <a:extLst>
+              <a:ext uri="{FF2B5EF4-FFF2-40B4-BE49-F238E27FC236}">
+                <a16:creationId xmlns:a16="http://schemas.microsoft.com/office/drawing/2014/main" id="{F485BC92-7E5B-B081-F7A2-3EB0F5364DA7}"/>
+              </a:ext>
+            </a:extLst>
+          </p:cNvPr>
+          <p:cNvSpPr txBox="1"/>
+          <p:nvPr/>
+        </p:nvSpPr>
+        <p:spPr>
+          <a:xfrm>
+            <a:off x="2192225" y="4232533"/>
+            <a:ext cx="300038" cy="369332"/>
+          </a:xfrm>
+          <a:prstGeom prst="rect">
+            <a:avLst/>
+          </a:prstGeom>
+          <a:noFill/>
+        </p:spPr>
+        <p:txBody>
+          <a:bodyPr wrap="square" rtlCol="0">
+            <a:spAutoFit/>
+          </a:bodyPr>
+          <a:lstStyle/>
+          <a:p>
+            <a:r>
+              <a:rPr lang="en-US" dirty="0"/>
+              <a:t>4</a:t>
+            </a:r>
+          </a:p>
+        </p:txBody>
+      </p:sp>
+      <p:sp>
+        <p:nvSpPr>
+          <p:cNvPr id="10" name="TextBox 9">
+            <a:extLst>
+              <a:ext uri="{FF2B5EF4-FFF2-40B4-BE49-F238E27FC236}">
+                <a16:creationId xmlns:a16="http://schemas.microsoft.com/office/drawing/2014/main" id="{5C911C97-A821-22E5-EA68-0F7DA95E2AEF}"/>
+              </a:ext>
+            </a:extLst>
+          </p:cNvPr>
+          <p:cNvSpPr txBox="1"/>
+          <p:nvPr/>
+        </p:nvSpPr>
+        <p:spPr>
+          <a:xfrm>
+            <a:off x="1465343" y="4734041"/>
+            <a:ext cx="300038" cy="369332"/>
+          </a:xfrm>
+          <a:prstGeom prst="rect">
+            <a:avLst/>
+          </a:prstGeom>
+          <a:noFill/>
+        </p:spPr>
+        <p:txBody>
+          <a:bodyPr wrap="square" rtlCol="0">
+            <a:spAutoFit/>
+          </a:bodyPr>
+          <a:lstStyle/>
+          <a:p>
+            <a:r>
+              <a:rPr lang="en-US" dirty="0"/>
+              <a:t>5</a:t>
+            </a:r>
+          </a:p>
+        </p:txBody>
+      </p:sp>
+      <p:sp>
+        <p:nvSpPr>
+          <p:cNvPr id="25" name="TextBox 24">
+            <a:extLst>
+              <a:ext uri="{FF2B5EF4-FFF2-40B4-BE49-F238E27FC236}">
+                <a16:creationId xmlns:a16="http://schemas.microsoft.com/office/drawing/2014/main" id="{D93AA116-9982-239C-3E35-D839A486C6D6}"/>
+              </a:ext>
+            </a:extLst>
+          </p:cNvPr>
+          <p:cNvSpPr txBox="1"/>
+          <p:nvPr/>
+        </p:nvSpPr>
+        <p:spPr>
+          <a:xfrm>
+            <a:off x="550159" y="4918707"/>
+            <a:ext cx="300038" cy="369332"/>
+          </a:xfrm>
+          <a:prstGeom prst="rect">
+            <a:avLst/>
+          </a:prstGeom>
+          <a:noFill/>
+        </p:spPr>
+        <p:txBody>
+          <a:bodyPr wrap="square" rtlCol="0">
+            <a:spAutoFit/>
+          </a:bodyPr>
+          <a:lstStyle/>
+          <a:p>
+            <a:r>
+              <a:rPr lang="en-US" dirty="0"/>
+              <a:t>7</a:t>
+            </a:r>
+          </a:p>
+        </p:txBody>
+      </p:sp>
+      <p:sp>
+        <p:nvSpPr>
+          <p:cNvPr id="26" name="TextBox 25">
+            <a:extLst>
+              <a:ext uri="{FF2B5EF4-FFF2-40B4-BE49-F238E27FC236}">
+                <a16:creationId xmlns:a16="http://schemas.microsoft.com/office/drawing/2014/main" id="{4035A7BF-DC4B-25C6-D898-EB9310997D9D}"/>
+              </a:ext>
+            </a:extLst>
+          </p:cNvPr>
+          <p:cNvSpPr txBox="1"/>
+          <p:nvPr/>
+        </p:nvSpPr>
+        <p:spPr>
+          <a:xfrm>
+            <a:off x="550159" y="5866489"/>
+            <a:ext cx="300038" cy="369332"/>
+          </a:xfrm>
+          <a:prstGeom prst="rect">
+            <a:avLst/>
+          </a:prstGeom>
+          <a:noFill/>
+        </p:spPr>
+        <p:txBody>
+          <a:bodyPr wrap="square" rtlCol="0">
+            <a:spAutoFit/>
+          </a:bodyPr>
+          <a:lstStyle/>
+          <a:p>
+            <a:r>
+              <a:rPr lang="en-US" dirty="0"/>
+              <a:t>8</a:t>
+            </a:r>
+          </a:p>
+        </p:txBody>
+      </p:sp>
+      <p:sp>
+        <p:nvSpPr>
+          <p:cNvPr id="22" name="TextBox 21">
+            <a:extLst>
+              <a:ext uri="{FF2B5EF4-FFF2-40B4-BE49-F238E27FC236}">
+                <a16:creationId xmlns:a16="http://schemas.microsoft.com/office/drawing/2014/main" id="{CD00B430-33B2-BE83-FE21-865A4D4A5234}"/>
+              </a:ext>
+            </a:extLst>
+          </p:cNvPr>
+          <p:cNvSpPr txBox="1"/>
+          <p:nvPr/>
+        </p:nvSpPr>
+        <p:spPr>
+          <a:xfrm>
+            <a:off x="519166" y="8419315"/>
+            <a:ext cx="300038" cy="369332"/>
+          </a:xfrm>
+          <a:prstGeom prst="rect">
+            <a:avLst/>
+          </a:prstGeom>
+          <a:noFill/>
+        </p:spPr>
+        <p:txBody>
+          <a:bodyPr wrap="square" rtlCol="0">
+            <a:spAutoFit/>
+          </a:bodyPr>
+          <a:lstStyle/>
+          <a:p>
+            <a:r>
+              <a:rPr lang="en-US" dirty="0"/>
+              <a:t>9</a:t>
+            </a:r>
+          </a:p>
+        </p:txBody>
+      </p:sp>
+      <p:pic>
+        <p:nvPicPr>
+          <p:cNvPr id="3074" name="Picture 2" descr="Femur Unlabeled | I Heart Anatomy | Pinterest | Bones | Anatomy, Anatomy  bones, Anatomy and physiology">
+            <a:extLst>
+              <a:ext uri="{FF2B5EF4-FFF2-40B4-BE49-F238E27FC236}">
+                <a16:creationId xmlns:a16="http://schemas.microsoft.com/office/drawing/2014/main" id="{C31C3934-07D2-598E-2C1D-3AA717EE985B}"/>
+              </a:ext>
+            </a:extLst>
+          </p:cNvPr>
+          <p:cNvPicPr>
+            <a:picLocks noChangeAspect="1" noChangeArrowheads="1"/>
+          </p:cNvPicPr>
+          <p:nvPr/>
+        </p:nvPicPr>
+        <p:blipFill rotWithShape="1">
+          <a:blip r:embed="rId3">
+            <a:extLst>
+              <a:ext uri="{28A0092B-C50C-407E-A947-70E740481C1C}">
+                <a14:useLocalDpi xmlns:a14="http://schemas.microsoft.com/office/drawing/2010/main" val="0"/>
+              </a:ext>
+            </a:extLst>
+          </a:blip>
+          <a:srcRect l="68766" t="14377" b="2366"/>
+          <a:stretch/>
+        </p:blipFill>
+        <p:spPr bwMode="auto">
+          <a:xfrm>
+            <a:off x="788211" y="4987756"/>
+            <a:ext cx="1575873" cy="3663875"/>
+          </a:xfrm>
+          <a:prstGeom prst="rect">
+            <a:avLst/>
+          </a:prstGeom>
+          <a:noFill/>
+          <a:extLst>
+            <a:ext uri="{909E8E84-426E-40DD-AFC4-6F175D3DCCD1}">
+              <a14:hiddenFill xmlns:a14="http://schemas.microsoft.com/office/drawing/2010/main">
+                <a:solidFill>
+                  <a:srgbClr val="FFFFFF"/>
+                </a:solidFill>
+              </a14:hiddenFill>
+            </a:ext>
+          </a:extLst>
+        </p:spPr>
+      </p:pic>
+      <p:pic>
+        <p:nvPicPr>
+          <p:cNvPr id="3076" name="Picture 4" descr="Diagram of Lower Limb Bone Diagram | Quizlet">
+            <a:extLst>
+              <a:ext uri="{FF2B5EF4-FFF2-40B4-BE49-F238E27FC236}">
+                <a16:creationId xmlns:a16="http://schemas.microsoft.com/office/drawing/2014/main" id="{FB50FA3D-1186-9242-FEA2-3289445CF945}"/>
+              </a:ext>
+            </a:extLst>
+          </p:cNvPr>
+          <p:cNvPicPr>
+            <a:picLocks noChangeAspect="1" noChangeArrowheads="1"/>
+          </p:cNvPicPr>
+          <p:nvPr/>
+        </p:nvPicPr>
+        <p:blipFill rotWithShape="1">
+          <a:blip r:embed="rId4">
+            <a:extLst>
+              <a:ext uri="{28A0092B-C50C-407E-A947-70E740481C1C}">
+                <a14:useLocalDpi xmlns:a14="http://schemas.microsoft.com/office/drawing/2010/main" val="0"/>
+              </a:ext>
+            </a:extLst>
+          </a:blip>
+          <a:srcRect r="38277"/>
+          <a:stretch/>
+        </p:blipFill>
+        <p:spPr bwMode="auto">
+          <a:xfrm>
+            <a:off x="550159" y="1568816"/>
+            <a:ext cx="1659599" cy="3281924"/>
+          </a:xfrm>
+          <a:prstGeom prst="rect">
+            <a:avLst/>
+          </a:prstGeom>
+          <a:noFill/>
+          <a:extLst>
+            <a:ext uri="{909E8E84-426E-40DD-AFC4-6F175D3DCCD1}">
+              <a14:hiddenFill xmlns:a14="http://schemas.microsoft.com/office/drawing/2010/main">
+                <a:solidFill>
+                  <a:srgbClr val="FFFFFF"/>
+                </a:solidFill>
+              </a14:hiddenFill>
+            </a:ext>
+          </a:extLst>
+        </p:spPr>
+      </p:pic>
+      <mc:AlternateContent xmlns:mc="http://schemas.openxmlformats.org/markup-compatibility/2006">
+        <mc:Choice xmlns:p14="http://schemas.microsoft.com/office/powerpoint/2010/main" Requires="p14">
+          <p:contentPart p14:bwMode="auto" r:id="rId5">
+            <p14:nvContentPartPr>
+              <p14:cNvPr id="15" name="Ink 14">
+                <a:extLst>
+                  <a:ext uri="{FF2B5EF4-FFF2-40B4-BE49-F238E27FC236}">
+                    <a16:creationId xmlns:a16="http://schemas.microsoft.com/office/drawing/2014/main" id="{DC2E01C8-468E-1C20-FC0C-858B7ED9912C}"/>
+                  </a:ext>
+                </a:extLst>
+              </p14:cNvPr>
+              <p14:cNvContentPartPr/>
+              <p14:nvPr/>
+            </p14:nvContentPartPr>
+            <p14:xfrm>
+              <a:off x="1274297" y="4784709"/>
+              <a:ext cx="210600" cy="102960"/>
+            </p14:xfrm>
+          </p:contentPart>
+        </mc:Choice>
+        <mc:Fallback>
+          <p:pic>
+            <p:nvPicPr>
+              <p:cNvPr id="15" name="Ink 14">
+                <a:extLst>
+                  <a:ext uri="{FF2B5EF4-FFF2-40B4-BE49-F238E27FC236}">
+                    <a16:creationId xmlns:a16="http://schemas.microsoft.com/office/drawing/2014/main" id="{DC2E01C8-468E-1C20-FC0C-858B7ED9912C}"/>
+                  </a:ext>
+                </a:extLst>
+              </p:cNvPr>
+              <p:cNvPicPr/>
+              <p:nvPr/>
+            </p:nvPicPr>
+            <p:blipFill>
+              <a:blip r:embed="rId6"/>
+              <a:stretch>
+                <a:fillRect/>
+              </a:stretch>
+            </p:blipFill>
+            <p:spPr>
+              <a:xfrm>
+                <a:off x="1268177" y="4778589"/>
+                <a:ext cx="222840" cy="115200"/>
+              </a:xfrm>
+              <a:prstGeom prst="rect">
+                <a:avLst/>
+              </a:prstGeom>
+            </p:spPr>
+          </p:pic>
+        </mc:Fallback>
+      </mc:AlternateContent>
+      <p:sp>
+        <p:nvSpPr>
+          <p:cNvPr id="27" name="TextBox 26">
+            <a:extLst>
+              <a:ext uri="{FF2B5EF4-FFF2-40B4-BE49-F238E27FC236}">
+                <a16:creationId xmlns:a16="http://schemas.microsoft.com/office/drawing/2014/main" id="{E9E2A1B5-5F38-7166-4836-7EBB6D09A654}"/>
+              </a:ext>
+            </a:extLst>
+          </p:cNvPr>
+          <p:cNvSpPr txBox="1"/>
+          <p:nvPr/>
+        </p:nvSpPr>
+        <p:spPr>
+          <a:xfrm>
+            <a:off x="930120" y="6755871"/>
+            <a:ext cx="449477" cy="369332"/>
+          </a:xfrm>
+          <a:prstGeom prst="rect">
+            <a:avLst/>
+          </a:prstGeom>
+          <a:noFill/>
+        </p:spPr>
+        <p:txBody>
+          <a:bodyPr wrap="square" rtlCol="0">
+            <a:spAutoFit/>
+          </a:bodyPr>
+          <a:lstStyle/>
+          <a:p>
+            <a:r>
+              <a:rPr lang="en-US" dirty="0"/>
+              <a:t>10</a:t>
+            </a:r>
+          </a:p>
+        </p:txBody>
+      </p:sp>
+      <mc:AlternateContent xmlns:mc="http://schemas.openxmlformats.org/markup-compatibility/2006">
+        <mc:Choice xmlns:p14="http://schemas.microsoft.com/office/powerpoint/2010/main" Requires="p14">
+          <p:contentPart p14:bwMode="auto" r:id="rId7">
+            <p14:nvContentPartPr>
+              <p14:cNvPr id="21" name="Ink 20">
+                <a:extLst>
+                  <a:ext uri="{FF2B5EF4-FFF2-40B4-BE49-F238E27FC236}">
+                    <a16:creationId xmlns:a16="http://schemas.microsoft.com/office/drawing/2014/main" id="{FB6C2031-49EA-07F9-396B-F9EAEC375B2D}"/>
+                  </a:ext>
+                </a:extLst>
+              </p14:cNvPr>
+              <p14:cNvContentPartPr/>
+              <p14:nvPr/>
+            </p14:nvContentPartPr>
+            <p14:xfrm>
+              <a:off x="1286177" y="6996523"/>
+              <a:ext cx="334440" cy="131760"/>
+            </p14:xfrm>
+          </p:contentPart>
+        </mc:Choice>
+        <mc:Fallback>
+          <p:pic>
+            <p:nvPicPr>
+              <p:cNvPr id="21" name="Ink 20">
+                <a:extLst>
+                  <a:ext uri="{FF2B5EF4-FFF2-40B4-BE49-F238E27FC236}">
+                    <a16:creationId xmlns:a16="http://schemas.microsoft.com/office/drawing/2014/main" id="{FB6C2031-49EA-07F9-396B-F9EAEC375B2D}"/>
+                  </a:ext>
+                </a:extLst>
+              </p:cNvPr>
+              <p:cNvPicPr/>
+              <p:nvPr/>
+            </p:nvPicPr>
+            <p:blipFill>
+              <a:blip r:embed="rId8"/>
+              <a:stretch>
+                <a:fillRect/>
+              </a:stretch>
+            </p:blipFill>
+            <p:spPr>
+              <a:xfrm>
+                <a:off x="1280057" y="6990403"/>
+                <a:ext cx="346680" cy="144000"/>
+              </a:xfrm>
+              <a:prstGeom prst="rect">
+                <a:avLst/>
+              </a:prstGeom>
+            </p:spPr>
+          </p:pic>
+        </mc:Fallback>
+      </mc:AlternateContent>
+      <p:sp>
+        <p:nvSpPr>
+          <p:cNvPr id="24" name="TextBox 23">
+            <a:extLst>
+              <a:ext uri="{FF2B5EF4-FFF2-40B4-BE49-F238E27FC236}">
+                <a16:creationId xmlns:a16="http://schemas.microsoft.com/office/drawing/2014/main" id="{A6A053DB-186B-76A8-860E-41324F4F59E3}"/>
+              </a:ext>
+            </a:extLst>
+          </p:cNvPr>
+          <p:cNvSpPr txBox="1"/>
+          <p:nvPr/>
+        </p:nvSpPr>
+        <p:spPr>
+          <a:xfrm>
+            <a:off x="1765381" y="6508170"/>
+            <a:ext cx="300038" cy="369332"/>
+          </a:xfrm>
+          <a:prstGeom prst="rect">
+            <a:avLst/>
+          </a:prstGeom>
+          <a:noFill/>
+        </p:spPr>
+        <p:txBody>
+          <a:bodyPr wrap="square" rtlCol="0">
+            <a:spAutoFit/>
+          </a:bodyPr>
+          <a:lstStyle/>
+          <a:p>
+            <a:r>
+              <a:rPr lang="en-US" dirty="0"/>
+              <a:t>6</a:t>
+            </a:r>
+          </a:p>
+        </p:txBody>
+      </p:sp>
+    </p:spTree>
+    <p:extLst>
+      <p:ext uri="{BB962C8B-B14F-4D97-AF65-F5344CB8AC3E}">
+        <p14:creationId xmlns:p14="http://schemas.microsoft.com/office/powerpoint/2010/main" val="2732606088"/>
       </p:ext>
     </p:extLst>
   </p:cSld>
@@ -3938,4 +7093,299 @@
     </a:ext>
   </a:extLst>
 </a:theme>
+</file>
+
+<file path=ppt/theme/theme2.xml><?xml version="1.0" encoding="utf-8"?>
+<a:theme xmlns:a="http://schemas.openxmlformats.org/drawingml/2006/main" name="Office Theme">
+  <a:themeElements>
+    <a:clrScheme name="Office">
+      <a:dk1>
+        <a:sysClr val="windowText" lastClr="000000"/>
+      </a:dk1>
+      <a:lt1>
+        <a:sysClr val="window" lastClr="FFFFFF"/>
+      </a:lt1>
+      <a:dk2>
+        <a:srgbClr val="44546A"/>
+      </a:dk2>
+      <a:lt2>
+        <a:srgbClr val="E7E6E6"/>
+      </a:lt2>
+      <a:accent1>
+        <a:srgbClr val="4472C4"/>
+      </a:accent1>
+      <a:accent2>
+        <a:srgbClr val="ED7D31"/>
+      </a:accent2>
+      <a:accent3>
+        <a:srgbClr val="A5A5A5"/>
+      </a:accent3>
+      <a:accent4>
+        <a:srgbClr val="FFC000"/>
+      </a:accent4>
+      <a:accent5>
+        <a:srgbClr val="5B9BD5"/>
+      </a:accent5>
+      <a:accent6>
+        <a:srgbClr val="70AD47"/>
+      </a:accent6>
+      <a:hlink>
+        <a:srgbClr val="0563C1"/>
+      </a:hlink>
+      <a:folHlink>
+        <a:srgbClr val="954F72"/>
+      </a:folHlink>
+    </a:clrScheme>
+    <a:fontScheme name="Office">
+      <a:majorFont>
+        <a:latin typeface="Calibri Light" panose="020F0302020204030204"/>
+        <a:ea typeface=""/>
+        <a:cs typeface=""/>
+        <a:font script="Jpan" typeface="游ゴシック Light"/>
+        <a:font script="Hang" typeface="맑은 고딕"/>
+        <a:font script="Hans" typeface="等线 Light"/>
+        <a:font script="Hant" typeface="新細明體"/>
+        <a:font script="Arab" typeface="Times New Roman"/>
+        <a:font script="Hebr" typeface="Times New Roman"/>
+        <a:font script="Thai" typeface="Angsana New"/>
+        <a:font script="Ethi" typeface="Nyala"/>
+        <a:font script="Beng" typeface="Vrinda"/>
+        <a:font script="Gujr" typeface="Shruti"/>
+        <a:font script="Khmr" typeface="MoolBoran"/>
+        <a:font script="Knda" typeface="Tunga"/>
+        <a:font script="Guru" typeface="Raavi"/>
+        <a:font script="Cans" typeface="Euphemia"/>
+        <a:font script="Cher" typeface="Plantagenet Cherokee"/>
+        <a:font script="Yiii" typeface="Microsoft Yi Baiti"/>
+        <a:font script="Tibt" typeface="Microsoft Himalaya"/>
+        <a:font script="Thaa" typeface="MV Boli"/>
+        <a:font script="Deva" typeface="Mangal"/>
+        <a:font script="Telu" typeface="Gautami"/>
+        <a:font script="Taml" typeface="Latha"/>
+        <a:font script="Syrc" typeface="Estrangelo Edessa"/>
+        <a:font script="Orya" typeface="Kalinga"/>
+        <a:font script="Mlym" typeface="Kartika"/>
+        <a:font script="Laoo" typeface="DokChampa"/>
+        <a:font script="Sinh" typeface="Iskoola Pota"/>
+        <a:font script="Mong" typeface="Mongolian Baiti"/>
+        <a:font script="Viet" typeface="Times New Roman"/>
+        <a:font script="Uigh" typeface="Microsoft Uighur"/>
+        <a:font script="Geor" typeface="Sylfaen"/>
+        <a:font script="Armn" typeface="Arial"/>
+        <a:font script="Bugi" typeface="Leelawadee UI"/>
+        <a:font script="Bopo" typeface="Microsoft JhengHei"/>
+        <a:font script="Java" typeface="Javanese Text"/>
+        <a:font script="Lisu" typeface="Segoe UI"/>
+        <a:font script="Mymr" typeface="Myanmar Text"/>
+        <a:font script="Nkoo" typeface="Ebrima"/>
+        <a:font script="Olck" typeface="Nirmala UI"/>
+        <a:font script="Osma" typeface="Ebrima"/>
+        <a:font script="Phag" typeface="Phagspa"/>
+        <a:font script="Syrn" typeface="Estrangelo Edessa"/>
+        <a:font script="Syrj" typeface="Estrangelo Edessa"/>
+        <a:font script="Syre" typeface="Estrangelo Edessa"/>
+        <a:font script="Sora" typeface="Nirmala UI"/>
+        <a:font script="Tale" typeface="Microsoft Tai Le"/>
+        <a:font script="Talu" typeface="Microsoft New Tai Lue"/>
+        <a:font script="Tfng" typeface="Ebrima"/>
+      </a:majorFont>
+      <a:minorFont>
+        <a:latin typeface="Calibri" panose="020F0502020204030204"/>
+        <a:ea typeface=""/>
+        <a:cs typeface=""/>
+        <a:font script="Jpan" typeface="游ゴシック"/>
+        <a:font script="Hang" typeface="맑은 고딕"/>
+        <a:font script="Hans" typeface="等线"/>
+        <a:font script="Hant" typeface="新細明體"/>
+        <a:font script="Arab" typeface="Arial"/>
+        <a:font script="Hebr" typeface="Arial"/>
+        <a:font script="Thai" typeface="Cordia New"/>
+        <a:font script="Ethi" typeface="Nyala"/>
+        <a:font script="Beng" typeface="Vrinda"/>
+        <a:font script="Gujr" typeface="Shruti"/>
+        <a:font script="Khmr" typeface="DaunPenh"/>
+        <a:font script="Knda" typeface="Tunga"/>
+        <a:font script="Guru" typeface="Raavi"/>
+        <a:font script="Cans" typeface="Euphemia"/>
+        <a:font script="Cher" typeface="Plantagenet Cherokee"/>
+        <a:font script="Yiii" typeface="Microsoft Yi Baiti"/>
+        <a:font script="Tibt" typeface="Microsoft Himalaya"/>
+        <a:font script="Thaa" typeface="MV Boli"/>
+        <a:font script="Deva" typeface="Mangal"/>
+        <a:font script="Telu" typeface="Gautami"/>
+        <a:font script="Taml" typeface="Latha"/>
+        <a:font script="Syrc" typeface="Estrangelo Edessa"/>
+        <a:font script="Orya" typeface="Kalinga"/>
+        <a:font script="Mlym" typeface="Kartika"/>
+        <a:font script="Laoo" typeface="DokChampa"/>
+        <a:font script="Sinh" typeface="Iskoola Pota"/>
+        <a:font script="Mong" typeface="Mongolian Baiti"/>
+        <a:font script="Viet" typeface="Arial"/>
+        <a:font script="Uigh" typeface="Microsoft Uighur"/>
+        <a:font script="Geor" typeface="Sylfaen"/>
+        <a:font script="Armn" typeface="Arial"/>
+        <a:font script="Bugi" typeface="Leelawadee UI"/>
+        <a:font script="Bopo" typeface="Microsoft JhengHei"/>
+        <a:font script="Java" typeface="Javanese Text"/>
+        <a:font script="Lisu" typeface="Segoe UI"/>
+        <a:font script="Mymr" typeface="Myanmar Text"/>
+        <a:font script="Nkoo" typeface="Ebrima"/>
+        <a:font script="Olck" typeface="Nirmala UI"/>
+        <a:font script="Osma" typeface="Ebrima"/>
+        <a:font script="Phag" typeface="Phagspa"/>
+        <a:font script="Syrn" typeface="Estrangelo Edessa"/>
+        <a:font script="Syrj" typeface="Estrangelo Edessa"/>
+        <a:font script="Syre" typeface="Estrangelo Edessa"/>
+        <a:font script="Sora" typeface="Nirmala UI"/>
+        <a:font script="Tale" typeface="Microsoft Tai Le"/>
+        <a:font script="Talu" typeface="Microsoft New Tai Lue"/>
+        <a:font script="Tfng" typeface="Ebrima"/>
+      </a:minorFont>
+    </a:fontScheme>
+    <a:fmtScheme name="Office">
+      <a:fillStyleLst>
+        <a:solidFill>
+          <a:schemeClr val="phClr"/>
+        </a:solidFill>
+        <a:gradFill rotWithShape="1">
+          <a:gsLst>
+            <a:gs pos="0">
+              <a:schemeClr val="phClr">
+                <a:lumMod val="110000"/>
+                <a:satMod val="105000"/>
+                <a:tint val="67000"/>
+              </a:schemeClr>
+            </a:gs>
+            <a:gs pos="50000">
+              <a:schemeClr val="phClr">
+                <a:lumMod val="105000"/>
+                <a:satMod val="103000"/>
+                <a:tint val="73000"/>
+              </a:schemeClr>
+            </a:gs>
+            <a:gs pos="100000">
+              <a:schemeClr val="phClr">
+                <a:lumMod val="105000"/>
+                <a:satMod val="109000"/>
+                <a:tint val="81000"/>
+              </a:schemeClr>
+            </a:gs>
+          </a:gsLst>
+          <a:lin ang="5400000" scaled="0"/>
+        </a:gradFill>
+        <a:gradFill rotWithShape="1">
+          <a:gsLst>
+            <a:gs pos="0">
+              <a:schemeClr val="phClr">
+                <a:satMod val="103000"/>
+                <a:lumMod val="102000"/>
+                <a:tint val="94000"/>
+              </a:schemeClr>
+            </a:gs>
+            <a:gs pos="50000">
+              <a:schemeClr val="phClr">
+                <a:satMod val="110000"/>
+                <a:lumMod val="100000"/>
+                <a:shade val="100000"/>
+              </a:schemeClr>
+            </a:gs>
+            <a:gs pos="100000">
+              <a:schemeClr val="phClr">
+                <a:lumMod val="99000"/>
+                <a:satMod val="120000"/>
+                <a:shade val="78000"/>
+              </a:schemeClr>
+            </a:gs>
+          </a:gsLst>
+          <a:lin ang="5400000" scaled="0"/>
+        </a:gradFill>
+      </a:fillStyleLst>
+      <a:lnStyleLst>
+        <a:ln w="6350" cap="flat" cmpd="sng" algn="ctr">
+          <a:solidFill>
+            <a:schemeClr val="phClr"/>
+          </a:solidFill>
+          <a:prstDash val="solid"/>
+          <a:miter lim="800000"/>
+        </a:ln>
+        <a:ln w="12700" cap="flat" cmpd="sng" algn="ctr">
+          <a:solidFill>
+            <a:schemeClr val="phClr"/>
+          </a:solidFill>
+          <a:prstDash val="solid"/>
+          <a:miter lim="800000"/>
+        </a:ln>
+        <a:ln w="19050" cap="flat" cmpd="sng" algn="ctr">
+          <a:solidFill>
+            <a:schemeClr val="phClr"/>
+          </a:solidFill>
+          <a:prstDash val="solid"/>
+          <a:miter lim="800000"/>
+        </a:ln>
+      </a:lnStyleLst>
+      <a:effectStyleLst>
+        <a:effectStyle>
+          <a:effectLst/>
+        </a:effectStyle>
+        <a:effectStyle>
+          <a:effectLst/>
+        </a:effectStyle>
+        <a:effectStyle>
+          <a:effectLst>
+            <a:outerShdw blurRad="57150" dist="19050" dir="5400000" algn="ctr" rotWithShape="0">
+              <a:srgbClr val="000000">
+                <a:alpha val="63000"/>
+              </a:srgbClr>
+            </a:outerShdw>
+          </a:effectLst>
+        </a:effectStyle>
+      </a:effectStyleLst>
+      <a:bgFillStyleLst>
+        <a:solidFill>
+          <a:schemeClr val="phClr"/>
+        </a:solidFill>
+        <a:solidFill>
+          <a:schemeClr val="phClr">
+            <a:tint val="95000"/>
+            <a:satMod val="170000"/>
+          </a:schemeClr>
+        </a:solidFill>
+        <a:gradFill rotWithShape="1">
+          <a:gsLst>
+            <a:gs pos="0">
+              <a:schemeClr val="phClr">
+                <a:tint val="93000"/>
+                <a:satMod val="150000"/>
+                <a:shade val="98000"/>
+                <a:lumMod val="102000"/>
+              </a:schemeClr>
+            </a:gs>
+            <a:gs pos="50000">
+              <a:schemeClr val="phClr">
+                <a:tint val="98000"/>
+                <a:satMod val="130000"/>
+                <a:shade val="90000"/>
+                <a:lumMod val="103000"/>
+              </a:schemeClr>
+            </a:gs>
+            <a:gs pos="100000">
+              <a:schemeClr val="phClr">
+                <a:shade val="63000"/>
+                <a:satMod val="120000"/>
+              </a:schemeClr>
+            </a:gs>
+          </a:gsLst>
+          <a:lin ang="5400000" scaled="0"/>
+        </a:gradFill>
+      </a:bgFillStyleLst>
+    </a:fmtScheme>
+  </a:themeElements>
+  <a:objectDefaults/>
+  <a:extraClrSchemeLst/>
+  <a:extLst>
+    <a:ext uri="{05A4C25C-085E-4340-85A3-A5531E510DB2}">
+      <thm15:themeFamily xmlns:thm15="http://schemas.microsoft.com/office/thememl/2012/main" name="Office Theme" id="{62F939B6-93AF-4DB8-9C6B-D6C7DFDC589F}" vid="{4A3C46E8-61CC-4603-A589-7422A47A8E4A}"/>
+    </a:ext>
+  </a:extLst>
+</a:theme>
 </file>
--- a/docs/206/lab_reports/Lab_Reports_206.pptx
+++ b/docs/206/lab_reports/Lab_Reports_206.pptx
@@ -5,13 +5,16 @@
     <p:sldMasterId id="2147483672" r:id="rId1"/>
   </p:sldMasterIdLst>
   <p:notesMasterIdLst>
-    <p:notesMasterId r:id="rId6"/>
+    <p:notesMasterId r:id="rId9"/>
   </p:notesMasterIdLst>
   <p:sldIdLst>
     <p:sldId id="256" r:id="rId2"/>
     <p:sldId id="257" r:id="rId3"/>
     <p:sldId id="258" r:id="rId4"/>
     <p:sldId id="259" r:id="rId5"/>
+    <p:sldId id="260" r:id="rId6"/>
+    <p:sldId id="261" r:id="rId7"/>
+    <p:sldId id="262" r:id="rId8"/>
   </p:sldIdLst>
   <p:sldSz cx="6858000" cy="9144000" type="screen4x3"/>
   <p:notesSz cx="6858000" cy="9144000"/>
@@ -254,7 +257,7 @@
           <a:p>
             <a:fld id="{123B7CA5-EDE0-6742-ACC0-42D5806205D9}" type="datetimeFigureOut">
               <a:rPr lang="en-US" smtClean="0"/>
-              <a:t>9/4/24</a:t>
+              <a:t>9/20/24</a:t>
             </a:fld>
             <a:endParaRPr lang="en-US"/>
           </a:p>
@@ -821,6 +824,330 @@
 </p:notes>
 </file>
 
+<file path=ppt/notesSlides/notesSlide4.xml><?xml version="1.0" encoding="utf-8"?>
+<p:notes xmlns:a="http://schemas.openxmlformats.org/drawingml/2006/main" xmlns:r="http://schemas.openxmlformats.org/officeDocument/2006/relationships" xmlns:p="http://schemas.openxmlformats.org/presentationml/2006/main">
+  <p:cSld>
+    <p:spTree>
+      <p:nvGrpSpPr>
+        <p:cNvPr id="1" name="">
+          <a:extLst>
+            <a:ext uri="{FF2B5EF4-FFF2-40B4-BE49-F238E27FC236}">
+              <a16:creationId xmlns:a16="http://schemas.microsoft.com/office/drawing/2014/main" id="{61350538-546D-30AA-CD7A-D1E1E03BF1DF}"/>
+            </a:ext>
+          </a:extLst>
+        </p:cNvPr>
+        <p:cNvGrpSpPr/>
+        <p:nvPr/>
+      </p:nvGrpSpPr>
+      <p:grpSpPr>
+        <a:xfrm>
+          <a:off x="0" y="0"/>
+          <a:ext cx="0" cy="0"/>
+          <a:chOff x="0" y="0"/>
+          <a:chExt cx="0" cy="0"/>
+        </a:xfrm>
+      </p:grpSpPr>
+      <p:sp>
+        <p:nvSpPr>
+          <p:cNvPr id="2" name="Slide Image Placeholder 1">
+            <a:extLst>
+              <a:ext uri="{FF2B5EF4-FFF2-40B4-BE49-F238E27FC236}">
+                <a16:creationId xmlns:a16="http://schemas.microsoft.com/office/drawing/2014/main" id="{ABC6D063-6481-C4CB-0C74-3927467BBF56}"/>
+              </a:ext>
+            </a:extLst>
+          </p:cNvPr>
+          <p:cNvSpPr>
+            <a:spLocks noGrp="1" noRot="1" noChangeAspect="1"/>
+          </p:cNvSpPr>
+          <p:nvPr>
+            <p:ph type="sldImg"/>
+          </p:nvPr>
+        </p:nvSpPr>
+        <p:spPr/>
+      </p:sp>
+      <p:sp>
+        <p:nvSpPr>
+          <p:cNvPr id="3" name="Notes Placeholder 2">
+            <a:extLst>
+              <a:ext uri="{FF2B5EF4-FFF2-40B4-BE49-F238E27FC236}">
+                <a16:creationId xmlns:a16="http://schemas.microsoft.com/office/drawing/2014/main" id="{6356B594-CD27-B547-36F7-CE9F3D0F5925}"/>
+              </a:ext>
+            </a:extLst>
+          </p:cNvPr>
+          <p:cNvSpPr>
+            <a:spLocks noGrp="1"/>
+          </p:cNvSpPr>
+          <p:nvPr>
+            <p:ph type="body" idx="1"/>
+          </p:nvPr>
+        </p:nvSpPr>
+        <p:spPr/>
+        <p:txBody>
+          <a:bodyPr/>
+          <a:lstStyle/>
+          <a:p>
+            <a:endParaRPr lang="en-US" dirty="0"/>
+          </a:p>
+        </p:txBody>
+      </p:sp>
+      <p:sp>
+        <p:nvSpPr>
+          <p:cNvPr id="4" name="Slide Number Placeholder 3">
+            <a:extLst>
+              <a:ext uri="{FF2B5EF4-FFF2-40B4-BE49-F238E27FC236}">
+                <a16:creationId xmlns:a16="http://schemas.microsoft.com/office/drawing/2014/main" id="{72E203DC-564C-8251-B801-3B9381F2EAE2}"/>
+              </a:ext>
+            </a:extLst>
+          </p:cNvPr>
+          <p:cNvSpPr>
+            <a:spLocks noGrp="1"/>
+          </p:cNvSpPr>
+          <p:nvPr>
+            <p:ph type="sldNum" sz="quarter" idx="5"/>
+          </p:nvPr>
+        </p:nvSpPr>
+        <p:spPr/>
+        <p:txBody>
+          <a:bodyPr/>
+          <a:lstStyle/>
+          <a:p>
+            <a:fld id="{E8AD4673-C653-974B-95A7-C2B36228866D}" type="slidenum">
+              <a:rPr lang="en-US" smtClean="0"/>
+              <a:t>5</a:t>
+            </a:fld>
+            <a:endParaRPr lang="en-US"/>
+          </a:p>
+        </p:txBody>
+      </p:sp>
+    </p:spTree>
+    <p:extLst>
+      <p:ext uri="{BB962C8B-B14F-4D97-AF65-F5344CB8AC3E}">
+        <p14:creationId xmlns:p14="http://schemas.microsoft.com/office/powerpoint/2010/main" val="3396342399"/>
+      </p:ext>
+    </p:extLst>
+  </p:cSld>
+  <p:clrMapOvr>
+    <a:masterClrMapping/>
+  </p:clrMapOvr>
+</p:notes>
+</file>
+
+<file path=ppt/notesSlides/notesSlide5.xml><?xml version="1.0" encoding="utf-8"?>
+<p:notes xmlns:a="http://schemas.openxmlformats.org/drawingml/2006/main" xmlns:r="http://schemas.openxmlformats.org/officeDocument/2006/relationships" xmlns:p="http://schemas.openxmlformats.org/presentationml/2006/main">
+  <p:cSld>
+    <p:spTree>
+      <p:nvGrpSpPr>
+        <p:cNvPr id="1" name="">
+          <a:extLst>
+            <a:ext uri="{FF2B5EF4-FFF2-40B4-BE49-F238E27FC236}">
+              <a16:creationId xmlns:a16="http://schemas.microsoft.com/office/drawing/2014/main" id="{A4A7F235-3066-A029-ACEE-A3E183DD3B0A}"/>
+            </a:ext>
+          </a:extLst>
+        </p:cNvPr>
+        <p:cNvGrpSpPr/>
+        <p:nvPr/>
+      </p:nvGrpSpPr>
+      <p:grpSpPr>
+        <a:xfrm>
+          <a:off x="0" y="0"/>
+          <a:ext cx="0" cy="0"/>
+          <a:chOff x="0" y="0"/>
+          <a:chExt cx="0" cy="0"/>
+        </a:xfrm>
+      </p:grpSpPr>
+      <p:sp>
+        <p:nvSpPr>
+          <p:cNvPr id="2" name="Slide Image Placeholder 1">
+            <a:extLst>
+              <a:ext uri="{FF2B5EF4-FFF2-40B4-BE49-F238E27FC236}">
+                <a16:creationId xmlns:a16="http://schemas.microsoft.com/office/drawing/2014/main" id="{F3C6F1B0-876F-73E4-0361-F7BD2092B648}"/>
+              </a:ext>
+            </a:extLst>
+          </p:cNvPr>
+          <p:cNvSpPr>
+            <a:spLocks noGrp="1" noRot="1" noChangeAspect="1"/>
+          </p:cNvSpPr>
+          <p:nvPr>
+            <p:ph type="sldImg"/>
+          </p:nvPr>
+        </p:nvSpPr>
+        <p:spPr/>
+      </p:sp>
+      <p:sp>
+        <p:nvSpPr>
+          <p:cNvPr id="3" name="Notes Placeholder 2">
+            <a:extLst>
+              <a:ext uri="{FF2B5EF4-FFF2-40B4-BE49-F238E27FC236}">
+                <a16:creationId xmlns:a16="http://schemas.microsoft.com/office/drawing/2014/main" id="{4C16A610-BD3F-6BCA-50D9-1F52C69338F1}"/>
+              </a:ext>
+            </a:extLst>
+          </p:cNvPr>
+          <p:cNvSpPr>
+            <a:spLocks noGrp="1"/>
+          </p:cNvSpPr>
+          <p:nvPr>
+            <p:ph type="body" idx="1"/>
+          </p:nvPr>
+        </p:nvSpPr>
+        <p:spPr/>
+        <p:txBody>
+          <a:bodyPr/>
+          <a:lstStyle/>
+          <a:p>
+            <a:endParaRPr lang="en-US" dirty="0"/>
+          </a:p>
+        </p:txBody>
+      </p:sp>
+      <p:sp>
+        <p:nvSpPr>
+          <p:cNvPr id="4" name="Slide Number Placeholder 3">
+            <a:extLst>
+              <a:ext uri="{FF2B5EF4-FFF2-40B4-BE49-F238E27FC236}">
+                <a16:creationId xmlns:a16="http://schemas.microsoft.com/office/drawing/2014/main" id="{1B00F91F-3E16-BFA7-D60F-FD75213F0139}"/>
+              </a:ext>
+            </a:extLst>
+          </p:cNvPr>
+          <p:cNvSpPr>
+            <a:spLocks noGrp="1"/>
+          </p:cNvSpPr>
+          <p:nvPr>
+            <p:ph type="sldNum" sz="quarter" idx="5"/>
+          </p:nvPr>
+        </p:nvSpPr>
+        <p:spPr/>
+        <p:txBody>
+          <a:bodyPr/>
+          <a:lstStyle/>
+          <a:p>
+            <a:fld id="{E8AD4673-C653-974B-95A7-C2B36228866D}" type="slidenum">
+              <a:rPr lang="en-US" smtClean="0"/>
+              <a:t>6</a:t>
+            </a:fld>
+            <a:endParaRPr lang="en-US"/>
+          </a:p>
+        </p:txBody>
+      </p:sp>
+    </p:spTree>
+    <p:extLst>
+      <p:ext uri="{BB962C8B-B14F-4D97-AF65-F5344CB8AC3E}">
+        <p14:creationId xmlns:p14="http://schemas.microsoft.com/office/powerpoint/2010/main" val="2417734036"/>
+      </p:ext>
+    </p:extLst>
+  </p:cSld>
+  <p:clrMapOvr>
+    <a:masterClrMapping/>
+  </p:clrMapOvr>
+</p:notes>
+</file>
+
+<file path=ppt/notesSlides/notesSlide6.xml><?xml version="1.0" encoding="utf-8"?>
+<p:notes xmlns:a="http://schemas.openxmlformats.org/drawingml/2006/main" xmlns:r="http://schemas.openxmlformats.org/officeDocument/2006/relationships" xmlns:p="http://schemas.openxmlformats.org/presentationml/2006/main">
+  <p:cSld>
+    <p:spTree>
+      <p:nvGrpSpPr>
+        <p:cNvPr id="1" name="">
+          <a:extLst>
+            <a:ext uri="{FF2B5EF4-FFF2-40B4-BE49-F238E27FC236}">
+              <a16:creationId xmlns:a16="http://schemas.microsoft.com/office/drawing/2014/main" id="{74C090B7-885A-493C-AA41-E3BCD2F26508}"/>
+            </a:ext>
+          </a:extLst>
+        </p:cNvPr>
+        <p:cNvGrpSpPr/>
+        <p:nvPr/>
+      </p:nvGrpSpPr>
+      <p:grpSpPr>
+        <a:xfrm>
+          <a:off x="0" y="0"/>
+          <a:ext cx="0" cy="0"/>
+          <a:chOff x="0" y="0"/>
+          <a:chExt cx="0" cy="0"/>
+        </a:xfrm>
+      </p:grpSpPr>
+      <p:sp>
+        <p:nvSpPr>
+          <p:cNvPr id="2" name="Slide Image Placeholder 1">
+            <a:extLst>
+              <a:ext uri="{FF2B5EF4-FFF2-40B4-BE49-F238E27FC236}">
+                <a16:creationId xmlns:a16="http://schemas.microsoft.com/office/drawing/2014/main" id="{2C03C8A2-A93F-58B8-123D-34055D10D72D}"/>
+              </a:ext>
+            </a:extLst>
+          </p:cNvPr>
+          <p:cNvSpPr>
+            <a:spLocks noGrp="1" noRot="1" noChangeAspect="1"/>
+          </p:cNvSpPr>
+          <p:nvPr>
+            <p:ph type="sldImg"/>
+          </p:nvPr>
+        </p:nvSpPr>
+        <p:spPr/>
+      </p:sp>
+      <p:sp>
+        <p:nvSpPr>
+          <p:cNvPr id="3" name="Notes Placeholder 2">
+            <a:extLst>
+              <a:ext uri="{FF2B5EF4-FFF2-40B4-BE49-F238E27FC236}">
+                <a16:creationId xmlns:a16="http://schemas.microsoft.com/office/drawing/2014/main" id="{C3AA1F78-E807-A4EB-91EC-103FA80DC190}"/>
+              </a:ext>
+            </a:extLst>
+          </p:cNvPr>
+          <p:cNvSpPr>
+            <a:spLocks noGrp="1"/>
+          </p:cNvSpPr>
+          <p:nvPr>
+            <p:ph type="body" idx="1"/>
+          </p:nvPr>
+        </p:nvSpPr>
+        <p:spPr/>
+        <p:txBody>
+          <a:bodyPr/>
+          <a:lstStyle/>
+          <a:p>
+            <a:endParaRPr lang="en-US" dirty="0"/>
+          </a:p>
+        </p:txBody>
+      </p:sp>
+      <p:sp>
+        <p:nvSpPr>
+          <p:cNvPr id="4" name="Slide Number Placeholder 3">
+            <a:extLst>
+              <a:ext uri="{FF2B5EF4-FFF2-40B4-BE49-F238E27FC236}">
+                <a16:creationId xmlns:a16="http://schemas.microsoft.com/office/drawing/2014/main" id="{F63FD41C-A751-95EF-AC02-0BDBE02E9794}"/>
+              </a:ext>
+            </a:extLst>
+          </p:cNvPr>
+          <p:cNvSpPr>
+            <a:spLocks noGrp="1"/>
+          </p:cNvSpPr>
+          <p:nvPr>
+            <p:ph type="sldNum" sz="quarter" idx="5"/>
+          </p:nvPr>
+        </p:nvSpPr>
+        <p:spPr/>
+        <p:txBody>
+          <a:bodyPr/>
+          <a:lstStyle/>
+          <a:p>
+            <a:fld id="{E8AD4673-C653-974B-95A7-C2B36228866D}" type="slidenum">
+              <a:rPr lang="en-US" smtClean="0"/>
+              <a:t>7</a:t>
+            </a:fld>
+            <a:endParaRPr lang="en-US"/>
+          </a:p>
+        </p:txBody>
+      </p:sp>
+    </p:spTree>
+    <p:extLst>
+      <p:ext uri="{BB962C8B-B14F-4D97-AF65-F5344CB8AC3E}">
+        <p14:creationId xmlns:p14="http://schemas.microsoft.com/office/powerpoint/2010/main" val="2964304970"/>
+      </p:ext>
+    </p:extLst>
+  </p:cSld>
+  <p:clrMapOvr>
+    <a:masterClrMapping/>
+  </p:clrMapOvr>
+</p:notes>
+</file>
+
 <file path=ppt/slideLayouts/slideLayout1.xml><?xml version="1.0" encoding="utf-8"?>
 <p:sldLayout xmlns:a="http://schemas.openxmlformats.org/drawingml/2006/main" xmlns:r="http://schemas.openxmlformats.org/officeDocument/2006/relationships" xmlns:p="http://schemas.openxmlformats.org/presentationml/2006/main" type="title" preserve="1">
   <p:cSld name="Title Slide">
@@ -952,7 +1279,7 @@
           <a:p>
             <a:fld id="{BB6D9973-9BA1-1E48-83B8-31ED932CB1E0}" type="datetimeFigureOut">
               <a:rPr lang="en-US" smtClean="0"/>
-              <a:t>9/4/24</a:t>
+              <a:t>9/20/24</a:t>
             </a:fld>
             <a:endParaRPr lang="en-US"/>
           </a:p>
@@ -1122,7 +1449,7 @@
           <a:p>
             <a:fld id="{BB6D9973-9BA1-1E48-83B8-31ED932CB1E0}" type="datetimeFigureOut">
               <a:rPr lang="en-US" smtClean="0"/>
-              <a:t>9/4/24</a:t>
+              <a:t>9/20/24</a:t>
             </a:fld>
             <a:endParaRPr lang="en-US"/>
           </a:p>
@@ -1302,7 +1629,7 @@
           <a:p>
             <a:fld id="{BB6D9973-9BA1-1E48-83B8-31ED932CB1E0}" type="datetimeFigureOut">
               <a:rPr lang="en-US" smtClean="0"/>
-              <a:t>9/4/24</a:t>
+              <a:t>9/20/24</a:t>
             </a:fld>
             <a:endParaRPr lang="en-US"/>
           </a:p>
@@ -1472,7 +1799,7 @@
           <a:p>
             <a:fld id="{BB6D9973-9BA1-1E48-83B8-31ED932CB1E0}" type="datetimeFigureOut">
               <a:rPr lang="en-US" smtClean="0"/>
-              <a:t>9/4/24</a:t>
+              <a:t>9/20/24</a:t>
             </a:fld>
             <a:endParaRPr lang="en-US"/>
           </a:p>
@@ -1716,7 +2043,7 @@
           <a:p>
             <a:fld id="{BB6D9973-9BA1-1E48-83B8-31ED932CB1E0}" type="datetimeFigureOut">
               <a:rPr lang="en-US" smtClean="0"/>
-              <a:t>9/4/24</a:t>
+              <a:t>9/20/24</a:t>
             </a:fld>
             <a:endParaRPr lang="en-US"/>
           </a:p>
@@ -1948,7 +2275,7 @@
           <a:p>
             <a:fld id="{BB6D9973-9BA1-1E48-83B8-31ED932CB1E0}" type="datetimeFigureOut">
               <a:rPr lang="en-US" smtClean="0"/>
-              <a:t>9/4/24</a:t>
+              <a:t>9/20/24</a:t>
             </a:fld>
             <a:endParaRPr lang="en-US"/>
           </a:p>
@@ -2315,7 +2642,7 @@
           <a:p>
             <a:fld id="{BB6D9973-9BA1-1E48-83B8-31ED932CB1E0}" type="datetimeFigureOut">
               <a:rPr lang="en-US" smtClean="0"/>
-              <a:t>9/4/24</a:t>
+              <a:t>9/20/24</a:t>
             </a:fld>
             <a:endParaRPr lang="en-US"/>
           </a:p>
@@ -2433,7 +2760,7 @@
           <a:p>
             <a:fld id="{BB6D9973-9BA1-1E48-83B8-31ED932CB1E0}" type="datetimeFigureOut">
               <a:rPr lang="en-US" smtClean="0"/>
-              <a:t>9/4/24</a:t>
+              <a:t>9/20/24</a:t>
             </a:fld>
             <a:endParaRPr lang="en-US"/>
           </a:p>
@@ -2528,7 +2855,7 @@
           <a:p>
             <a:fld id="{BB6D9973-9BA1-1E48-83B8-31ED932CB1E0}" type="datetimeFigureOut">
               <a:rPr lang="en-US" smtClean="0"/>
-              <a:t>9/4/24</a:t>
+              <a:t>9/20/24</a:t>
             </a:fld>
             <a:endParaRPr lang="en-US"/>
           </a:p>
@@ -2805,7 +3132,7 @@
           <a:p>
             <a:fld id="{BB6D9973-9BA1-1E48-83B8-31ED932CB1E0}" type="datetimeFigureOut">
               <a:rPr lang="en-US" smtClean="0"/>
-              <a:t>9/4/24</a:t>
+              <a:t>9/20/24</a:t>
             </a:fld>
             <a:endParaRPr lang="en-US"/>
           </a:p>
@@ -3062,7 +3389,7 @@
           <a:p>
             <a:fld id="{BB6D9973-9BA1-1E48-83B8-31ED932CB1E0}" type="datetimeFigureOut">
               <a:rPr lang="en-US" smtClean="0"/>
-              <a:t>9/4/24</a:t>
+              <a:t>9/20/24</a:t>
             </a:fld>
             <a:endParaRPr lang="en-US"/>
           </a:p>
@@ -3275,7 +3602,7 @@
           <a:p>
             <a:fld id="{BB6D9973-9BA1-1E48-83B8-31ED932CB1E0}" type="datetimeFigureOut">
               <a:rPr lang="en-US" smtClean="0"/>
-              <a:t>9/4/24</a:t>
+              <a:t>9/20/24</a:t>
             </a:fld>
             <a:endParaRPr lang="en-US"/>
           </a:p>
@@ -6649,8 +6976,8 @@
           </a:extLst>
         </p:spPr>
       </p:pic>
-      <mc:AlternateContent xmlns:mc="http://schemas.openxmlformats.org/markup-compatibility/2006">
-        <mc:Choice xmlns:p14="http://schemas.microsoft.com/office/powerpoint/2010/main" Requires="p14">
+      <mc:AlternateContent xmlns:mc="http://schemas.openxmlformats.org/markup-compatibility/2006" xmlns:p14="http://schemas.microsoft.com/office/powerpoint/2010/main">
+        <mc:Choice Requires="p14">
           <p:contentPart p14:bwMode="auto" r:id="rId5">
             <p14:nvContentPartPr>
               <p14:cNvPr id="15" name="Ink 14">
@@ -6669,7 +6996,7 @@
             </p14:xfrm>
           </p:contentPart>
         </mc:Choice>
-        <mc:Fallback>
+        <mc:Fallback xmlns="">
           <p:pic>
             <p:nvPicPr>
               <p:cNvPr id="15" name="Ink 14">
@@ -6735,8 +7062,8 @@
           </a:p>
         </p:txBody>
       </p:sp>
-      <mc:AlternateContent xmlns:mc="http://schemas.openxmlformats.org/markup-compatibility/2006">
-        <mc:Choice xmlns:p14="http://schemas.microsoft.com/office/powerpoint/2010/main" Requires="p14">
+      <mc:AlternateContent xmlns:mc="http://schemas.openxmlformats.org/markup-compatibility/2006" xmlns:p14="http://schemas.microsoft.com/office/powerpoint/2010/main">
+        <mc:Choice Requires="p14">
           <p:contentPart p14:bwMode="auto" r:id="rId7">
             <p14:nvContentPartPr>
               <p14:cNvPr id="21" name="Ink 20">
@@ -6755,7 +7082,7 @@
             </p14:xfrm>
           </p:contentPart>
         </mc:Choice>
-        <mc:Fallback>
+        <mc:Fallback xmlns="">
           <p:pic>
             <p:nvPicPr>
               <p:cNvPr id="21" name="Ink 20">
@@ -6825,6 +7152,2627 @@
     <p:extLst>
       <p:ext uri="{BB962C8B-B14F-4D97-AF65-F5344CB8AC3E}">
         <p14:creationId xmlns:p14="http://schemas.microsoft.com/office/powerpoint/2010/main" val="2732606088"/>
+      </p:ext>
+    </p:extLst>
+  </p:cSld>
+  <p:clrMapOvr>
+    <a:masterClrMapping/>
+  </p:clrMapOvr>
+</p:sld>
+</file>
+
+<file path=ppt/slides/slide5.xml><?xml version="1.0" encoding="utf-8"?>
+<p:sld xmlns:a="http://schemas.openxmlformats.org/drawingml/2006/main" xmlns:r="http://schemas.openxmlformats.org/officeDocument/2006/relationships" xmlns:p="http://schemas.openxmlformats.org/presentationml/2006/main">
+  <p:cSld>
+    <p:spTree>
+      <p:nvGrpSpPr>
+        <p:cNvPr id="1" name="">
+          <a:extLst>
+            <a:ext uri="{FF2B5EF4-FFF2-40B4-BE49-F238E27FC236}">
+              <a16:creationId xmlns:a16="http://schemas.microsoft.com/office/drawing/2014/main" id="{D52EA6FD-84B7-E48A-06B9-5963B46358EB}"/>
+            </a:ext>
+          </a:extLst>
+        </p:cNvPr>
+        <p:cNvGrpSpPr/>
+        <p:nvPr/>
+      </p:nvGrpSpPr>
+      <p:grpSpPr>
+        <a:xfrm>
+          <a:off x="0" y="0"/>
+          <a:ext cx="0" cy="0"/>
+          <a:chOff x="0" y="0"/>
+          <a:chExt cx="0" cy="0"/>
+        </a:xfrm>
+      </p:grpSpPr>
+      <p:pic>
+        <p:nvPicPr>
+          <p:cNvPr id="1026" name="Picture 2" descr="The axial and appendicular muscles have different functions">
+            <a:extLst>
+              <a:ext uri="{FF2B5EF4-FFF2-40B4-BE49-F238E27FC236}">
+                <a16:creationId xmlns:a16="http://schemas.microsoft.com/office/drawing/2014/main" id="{C9C2E70F-1DA1-3446-1A94-4FF4B3D4ABE8}"/>
+              </a:ext>
+            </a:extLst>
+          </p:cNvPr>
+          <p:cNvPicPr>
+            <a:picLocks noChangeAspect="1" noChangeArrowheads="1"/>
+          </p:cNvPicPr>
+          <p:nvPr/>
+        </p:nvPicPr>
+        <p:blipFill>
+          <a:blip r:embed="rId3">
+            <a:extLst>
+              <a:ext uri="{28A0092B-C50C-407E-A947-70E740481C1C}">
+                <a14:useLocalDpi xmlns:a14="http://schemas.microsoft.com/office/drawing/2010/main" val="0"/>
+              </a:ext>
+            </a:extLst>
+          </a:blip>
+          <a:srcRect/>
+          <a:stretch>
+            <a:fillRect/>
+          </a:stretch>
+        </p:blipFill>
+        <p:spPr bwMode="auto">
+          <a:xfrm>
+            <a:off x="373051" y="1590017"/>
+            <a:ext cx="2164337" cy="3018681"/>
+          </a:xfrm>
+          <a:prstGeom prst="rect">
+            <a:avLst/>
+          </a:prstGeom>
+          <a:noFill/>
+          <a:extLst>
+            <a:ext uri="{909E8E84-426E-40DD-AFC4-6F175D3DCCD1}">
+              <a14:hiddenFill xmlns:a14="http://schemas.microsoft.com/office/drawing/2010/main">
+                <a:solidFill>
+                  <a:srgbClr val="FFFFFF"/>
+                </a:solidFill>
+              </a14:hiddenFill>
+            </a:ext>
+          </a:extLst>
+        </p:spPr>
+      </p:pic>
+      <p:pic>
+        <p:nvPicPr>
+          <p:cNvPr id="1028" name="Picture 4" descr="The axial and appendicular muscles have different functions">
+            <a:extLst>
+              <a:ext uri="{FF2B5EF4-FFF2-40B4-BE49-F238E27FC236}">
+                <a16:creationId xmlns:a16="http://schemas.microsoft.com/office/drawing/2014/main" id="{88B3554C-556E-C16B-03BF-D4809B3DA892}"/>
+              </a:ext>
+            </a:extLst>
+          </p:cNvPr>
+          <p:cNvPicPr>
+            <a:picLocks noChangeAspect="1" noChangeArrowheads="1"/>
+          </p:cNvPicPr>
+          <p:nvPr/>
+        </p:nvPicPr>
+        <p:blipFill>
+          <a:blip r:embed="rId4">
+            <a:extLst>
+              <a:ext uri="{28A0092B-C50C-407E-A947-70E740481C1C}">
+                <a14:useLocalDpi xmlns:a14="http://schemas.microsoft.com/office/drawing/2010/main" val="0"/>
+              </a:ext>
+            </a:extLst>
+          </a:blip>
+          <a:srcRect/>
+          <a:stretch>
+            <a:fillRect/>
+          </a:stretch>
+        </p:blipFill>
+        <p:spPr bwMode="auto">
+          <a:xfrm>
+            <a:off x="273404" y="5199805"/>
+            <a:ext cx="2667000" cy="3048000"/>
+          </a:xfrm>
+          <a:prstGeom prst="rect">
+            <a:avLst/>
+          </a:prstGeom>
+          <a:noFill/>
+          <a:extLst>
+            <a:ext uri="{909E8E84-426E-40DD-AFC4-6F175D3DCCD1}">
+              <a14:hiddenFill xmlns:a14="http://schemas.microsoft.com/office/drawing/2010/main">
+                <a:solidFill>
+                  <a:srgbClr val="FFFFFF"/>
+                </a:solidFill>
+              </a14:hiddenFill>
+            </a:ext>
+          </a:extLst>
+        </p:spPr>
+      </p:pic>
+      <p:sp>
+        <p:nvSpPr>
+          <p:cNvPr id="4" name="TextBox 3">
+            <a:extLst>
+              <a:ext uri="{FF2B5EF4-FFF2-40B4-BE49-F238E27FC236}">
+                <a16:creationId xmlns:a16="http://schemas.microsoft.com/office/drawing/2014/main" id="{1EC84068-2C96-E4B4-C506-6E7EAF337913}"/>
+              </a:ext>
+            </a:extLst>
+          </p:cNvPr>
+          <p:cNvSpPr txBox="1"/>
+          <p:nvPr/>
+        </p:nvSpPr>
+        <p:spPr>
+          <a:xfrm>
+            <a:off x="1972994" y="492369"/>
+            <a:ext cx="2912012" cy="646331"/>
+          </a:xfrm>
+          <a:prstGeom prst="rect">
+            <a:avLst/>
+          </a:prstGeom>
+          <a:noFill/>
+        </p:spPr>
+        <p:txBody>
+          <a:bodyPr wrap="square" rtlCol="0">
+            <a:spAutoFit/>
+          </a:bodyPr>
+          <a:lstStyle/>
+          <a:p>
+            <a:r>
+              <a:rPr lang="en-US" b="1" dirty="0"/>
+              <a:t>A&amp;P BIOL 206 Lab Report #5</a:t>
+            </a:r>
+          </a:p>
+          <a:p>
+            <a:endParaRPr lang="en-US" dirty="0"/>
+          </a:p>
+        </p:txBody>
+      </p:sp>
+      <p:sp>
+        <p:nvSpPr>
+          <p:cNvPr id="5" name="TextBox 4">
+            <a:extLst>
+              <a:ext uri="{FF2B5EF4-FFF2-40B4-BE49-F238E27FC236}">
+                <a16:creationId xmlns:a16="http://schemas.microsoft.com/office/drawing/2014/main" id="{96ECA471-3C9A-EDC7-6B5A-766D59694C9A}"/>
+              </a:ext>
+            </a:extLst>
+          </p:cNvPr>
+          <p:cNvSpPr txBox="1"/>
+          <p:nvPr/>
+        </p:nvSpPr>
+        <p:spPr>
+          <a:xfrm>
+            <a:off x="734385" y="1000200"/>
+            <a:ext cx="5117427" cy="276999"/>
+          </a:xfrm>
+          <a:prstGeom prst="rect">
+            <a:avLst/>
+          </a:prstGeom>
+          <a:noFill/>
+        </p:spPr>
+        <p:txBody>
+          <a:bodyPr wrap="none" rtlCol="0">
+            <a:spAutoFit/>
+          </a:bodyPr>
+          <a:lstStyle/>
+          <a:p>
+            <a:r>
+              <a:rPr lang="en-US" sz="1200" dirty="0"/>
+              <a:t>My first &amp; last name is: _____________________________________________</a:t>
+            </a:r>
+          </a:p>
+        </p:txBody>
+      </p:sp>
+      <p:sp>
+        <p:nvSpPr>
+          <p:cNvPr id="16" name="TextBox 15">
+            <a:extLst>
+              <a:ext uri="{FF2B5EF4-FFF2-40B4-BE49-F238E27FC236}">
+                <a16:creationId xmlns:a16="http://schemas.microsoft.com/office/drawing/2014/main" id="{2C0D2881-3439-9C29-1327-EF9D915FB377}"/>
+              </a:ext>
+            </a:extLst>
+          </p:cNvPr>
+          <p:cNvSpPr txBox="1"/>
+          <p:nvPr/>
+        </p:nvSpPr>
+        <p:spPr>
+          <a:xfrm>
+            <a:off x="3779093" y="2583145"/>
+            <a:ext cx="2805503" cy="3970318"/>
+          </a:xfrm>
+          <a:prstGeom prst="rect">
+            <a:avLst/>
+          </a:prstGeom>
+          <a:noFill/>
+        </p:spPr>
+        <p:txBody>
+          <a:bodyPr wrap="square" rtlCol="0">
+            <a:spAutoFit/>
+          </a:bodyPr>
+          <a:lstStyle/>
+          <a:p>
+            <a:r>
+              <a:rPr lang="en-US" sz="1200" dirty="0"/>
+              <a:t>What is the name of the labeled muscle?</a:t>
+            </a:r>
+          </a:p>
+          <a:p>
+            <a:endParaRPr lang="en-US" sz="1200" dirty="0"/>
+          </a:p>
+          <a:p>
+            <a:r>
+              <a:rPr lang="en-US" sz="1200" dirty="0"/>
+              <a:t>1.________________________________</a:t>
+            </a:r>
+          </a:p>
+          <a:p>
+            <a:endParaRPr lang="en-US" sz="1200" dirty="0"/>
+          </a:p>
+          <a:p>
+            <a:r>
+              <a:rPr lang="en-US" sz="1200" dirty="0"/>
+              <a:t>2. ________________________________</a:t>
+            </a:r>
+          </a:p>
+          <a:p>
+            <a:endParaRPr lang="en-US" sz="1200" dirty="0"/>
+          </a:p>
+          <a:p>
+            <a:r>
+              <a:rPr lang="en-US" sz="1200" dirty="0"/>
+              <a:t>3. ________________________________</a:t>
+            </a:r>
+          </a:p>
+          <a:p>
+            <a:endParaRPr lang="en-US" sz="1200" dirty="0"/>
+          </a:p>
+          <a:p>
+            <a:r>
+              <a:rPr lang="en-US" sz="1200" dirty="0"/>
+              <a:t>4. ________________________________</a:t>
+            </a:r>
+          </a:p>
+          <a:p>
+            <a:r>
+              <a:rPr lang="en-US" sz="1200" dirty="0"/>
+              <a:t> </a:t>
+            </a:r>
+          </a:p>
+          <a:p>
+            <a:r>
+              <a:rPr lang="en-US" sz="1200" dirty="0"/>
+              <a:t>5. ________________________________</a:t>
+            </a:r>
+          </a:p>
+          <a:p>
+            <a:endParaRPr lang="en-US" sz="1200" dirty="0"/>
+          </a:p>
+          <a:p>
+            <a:r>
+              <a:rPr lang="en-US" sz="1200" dirty="0"/>
+              <a:t>6. ________________________________</a:t>
+            </a:r>
+          </a:p>
+          <a:p>
+            <a:r>
+              <a:rPr lang="en-US" sz="1200" dirty="0"/>
+              <a:t> </a:t>
+            </a:r>
+          </a:p>
+          <a:p>
+            <a:r>
+              <a:rPr lang="en-US" sz="1200" dirty="0"/>
+              <a:t>7. ________________________________</a:t>
+            </a:r>
+          </a:p>
+          <a:p>
+            <a:endParaRPr lang="en-US" sz="1200" dirty="0"/>
+          </a:p>
+          <a:p>
+            <a:r>
+              <a:rPr lang="en-US" sz="1200" dirty="0"/>
+              <a:t>8. ________________________________</a:t>
+            </a:r>
+          </a:p>
+          <a:p>
+            <a:endParaRPr lang="en-US" sz="1200" dirty="0"/>
+          </a:p>
+          <a:p>
+            <a:r>
+              <a:rPr lang="en-US" sz="1200" dirty="0"/>
+              <a:t>9. ________________________________</a:t>
+            </a:r>
+          </a:p>
+          <a:p>
+            <a:endParaRPr lang="en-US" sz="1200" dirty="0"/>
+          </a:p>
+          <a:p>
+            <a:r>
+              <a:rPr lang="en-US" sz="1200" dirty="0"/>
+              <a:t>10. _______________________________</a:t>
+            </a:r>
+          </a:p>
+        </p:txBody>
+      </p:sp>
+      <p:sp>
+        <p:nvSpPr>
+          <p:cNvPr id="17" name="TextBox 16">
+            <a:extLst>
+              <a:ext uri="{FF2B5EF4-FFF2-40B4-BE49-F238E27FC236}">
+                <a16:creationId xmlns:a16="http://schemas.microsoft.com/office/drawing/2014/main" id="{6F123846-FC98-F78E-B030-287B4416C47A}"/>
+              </a:ext>
+            </a:extLst>
+          </p:cNvPr>
+          <p:cNvSpPr txBox="1"/>
+          <p:nvPr/>
+        </p:nvSpPr>
+        <p:spPr>
+          <a:xfrm>
+            <a:off x="741750" y="2047906"/>
+            <a:ext cx="300038" cy="369332"/>
+          </a:xfrm>
+          <a:prstGeom prst="rect">
+            <a:avLst/>
+          </a:prstGeom>
+          <a:noFill/>
+        </p:spPr>
+        <p:txBody>
+          <a:bodyPr wrap="square" rtlCol="0">
+            <a:spAutoFit/>
+          </a:bodyPr>
+          <a:lstStyle/>
+          <a:p>
+            <a:r>
+              <a:rPr lang="en-US" dirty="0"/>
+              <a:t>2</a:t>
+            </a:r>
+          </a:p>
+        </p:txBody>
+      </p:sp>
+      <p:sp>
+        <p:nvSpPr>
+          <p:cNvPr id="19" name="TextBox 18">
+            <a:extLst>
+              <a:ext uri="{FF2B5EF4-FFF2-40B4-BE49-F238E27FC236}">
+                <a16:creationId xmlns:a16="http://schemas.microsoft.com/office/drawing/2014/main" id="{427833F0-B206-9814-8FB6-338A41D77F72}"/>
+              </a:ext>
+            </a:extLst>
+          </p:cNvPr>
+          <p:cNvSpPr txBox="1"/>
+          <p:nvPr/>
+        </p:nvSpPr>
+        <p:spPr>
+          <a:xfrm>
+            <a:off x="57669" y="2914691"/>
+            <a:ext cx="300038" cy="369332"/>
+          </a:xfrm>
+          <a:prstGeom prst="rect">
+            <a:avLst/>
+          </a:prstGeom>
+          <a:noFill/>
+        </p:spPr>
+        <p:txBody>
+          <a:bodyPr wrap="square" rtlCol="0">
+            <a:spAutoFit/>
+          </a:bodyPr>
+          <a:lstStyle/>
+          <a:p>
+            <a:r>
+              <a:rPr lang="en-US" dirty="0"/>
+              <a:t>3</a:t>
+            </a:r>
+          </a:p>
+        </p:txBody>
+      </p:sp>
+      <p:sp>
+        <p:nvSpPr>
+          <p:cNvPr id="20" name="TextBox 19">
+            <a:extLst>
+              <a:ext uri="{FF2B5EF4-FFF2-40B4-BE49-F238E27FC236}">
+                <a16:creationId xmlns:a16="http://schemas.microsoft.com/office/drawing/2014/main" id="{2C2832ED-09E1-85AE-8E24-E80B70BE30F6}"/>
+              </a:ext>
+            </a:extLst>
+          </p:cNvPr>
+          <p:cNvSpPr txBox="1"/>
+          <p:nvPr/>
+        </p:nvSpPr>
+        <p:spPr>
+          <a:xfrm>
+            <a:off x="333696" y="3759529"/>
+            <a:ext cx="300038" cy="369332"/>
+          </a:xfrm>
+          <a:prstGeom prst="rect">
+            <a:avLst/>
+          </a:prstGeom>
+          <a:noFill/>
+        </p:spPr>
+        <p:txBody>
+          <a:bodyPr wrap="square" rtlCol="0">
+            <a:spAutoFit/>
+          </a:bodyPr>
+          <a:lstStyle/>
+          <a:p>
+            <a:r>
+              <a:rPr lang="en-US" dirty="0"/>
+              <a:t>4</a:t>
+            </a:r>
+          </a:p>
+        </p:txBody>
+      </p:sp>
+      <p:sp>
+        <p:nvSpPr>
+          <p:cNvPr id="10" name="TextBox 9">
+            <a:extLst>
+              <a:ext uri="{FF2B5EF4-FFF2-40B4-BE49-F238E27FC236}">
+                <a16:creationId xmlns:a16="http://schemas.microsoft.com/office/drawing/2014/main" id="{530B900D-5B3D-F47E-24A4-0C890A1AAC9E}"/>
+              </a:ext>
+            </a:extLst>
+          </p:cNvPr>
+          <p:cNvSpPr txBox="1"/>
+          <p:nvPr/>
+        </p:nvSpPr>
+        <p:spPr>
+          <a:xfrm>
+            <a:off x="784292" y="3845377"/>
+            <a:ext cx="300038" cy="369332"/>
+          </a:xfrm>
+          <a:prstGeom prst="rect">
+            <a:avLst/>
+          </a:prstGeom>
+          <a:noFill/>
+        </p:spPr>
+        <p:txBody>
+          <a:bodyPr wrap="square" rtlCol="0">
+            <a:spAutoFit/>
+          </a:bodyPr>
+          <a:lstStyle/>
+          <a:p>
+            <a:r>
+              <a:rPr lang="en-US" dirty="0"/>
+              <a:t>5</a:t>
+            </a:r>
+          </a:p>
+        </p:txBody>
+      </p:sp>
+      <p:sp>
+        <p:nvSpPr>
+          <p:cNvPr id="25" name="TextBox 24">
+            <a:extLst>
+              <a:ext uri="{FF2B5EF4-FFF2-40B4-BE49-F238E27FC236}">
+                <a16:creationId xmlns:a16="http://schemas.microsoft.com/office/drawing/2014/main" id="{063C67DD-D3D6-C7A3-9694-856CE9C5DCAD}"/>
+              </a:ext>
+            </a:extLst>
+          </p:cNvPr>
+          <p:cNvSpPr txBox="1"/>
+          <p:nvPr/>
+        </p:nvSpPr>
+        <p:spPr>
+          <a:xfrm>
+            <a:off x="1755958" y="6037956"/>
+            <a:ext cx="300038" cy="369332"/>
+          </a:xfrm>
+          <a:prstGeom prst="rect">
+            <a:avLst/>
+          </a:prstGeom>
+          <a:noFill/>
+        </p:spPr>
+        <p:txBody>
+          <a:bodyPr wrap="square" rtlCol="0">
+            <a:spAutoFit/>
+          </a:bodyPr>
+          <a:lstStyle/>
+          <a:p>
+            <a:r>
+              <a:rPr lang="en-US" dirty="0"/>
+              <a:t>7</a:t>
+            </a:r>
+          </a:p>
+        </p:txBody>
+      </p:sp>
+      <p:sp>
+        <p:nvSpPr>
+          <p:cNvPr id="26" name="TextBox 25">
+            <a:extLst>
+              <a:ext uri="{FF2B5EF4-FFF2-40B4-BE49-F238E27FC236}">
+                <a16:creationId xmlns:a16="http://schemas.microsoft.com/office/drawing/2014/main" id="{AB846991-8C91-6739-6A00-8EE3B9B7C93B}"/>
+              </a:ext>
+            </a:extLst>
+          </p:cNvPr>
+          <p:cNvSpPr txBox="1"/>
+          <p:nvPr/>
+        </p:nvSpPr>
+        <p:spPr>
+          <a:xfrm>
+            <a:off x="1555410" y="7060773"/>
+            <a:ext cx="300038" cy="369332"/>
+          </a:xfrm>
+          <a:prstGeom prst="rect">
+            <a:avLst/>
+          </a:prstGeom>
+          <a:noFill/>
+        </p:spPr>
+        <p:txBody>
+          <a:bodyPr wrap="square" rtlCol="0">
+            <a:spAutoFit/>
+          </a:bodyPr>
+          <a:lstStyle/>
+          <a:p>
+            <a:r>
+              <a:rPr lang="en-US" dirty="0"/>
+              <a:t>8</a:t>
+            </a:r>
+          </a:p>
+        </p:txBody>
+      </p:sp>
+      <p:sp>
+        <p:nvSpPr>
+          <p:cNvPr id="22" name="TextBox 21">
+            <a:extLst>
+              <a:ext uri="{FF2B5EF4-FFF2-40B4-BE49-F238E27FC236}">
+                <a16:creationId xmlns:a16="http://schemas.microsoft.com/office/drawing/2014/main" id="{54F5EA9C-E0B9-6920-0238-C7AFF2BF8D36}"/>
+              </a:ext>
+            </a:extLst>
+          </p:cNvPr>
+          <p:cNvSpPr txBox="1"/>
+          <p:nvPr/>
+        </p:nvSpPr>
+        <p:spPr>
+          <a:xfrm>
+            <a:off x="373051" y="5646651"/>
+            <a:ext cx="300038" cy="369332"/>
+          </a:xfrm>
+          <a:prstGeom prst="rect">
+            <a:avLst/>
+          </a:prstGeom>
+          <a:noFill/>
+        </p:spPr>
+        <p:txBody>
+          <a:bodyPr wrap="square" rtlCol="0">
+            <a:spAutoFit/>
+          </a:bodyPr>
+          <a:lstStyle/>
+          <a:p>
+            <a:r>
+              <a:rPr lang="en-US" dirty="0"/>
+              <a:t>9</a:t>
+            </a:r>
+          </a:p>
+        </p:txBody>
+      </p:sp>
+      <p:sp>
+        <p:nvSpPr>
+          <p:cNvPr id="27" name="TextBox 26">
+            <a:extLst>
+              <a:ext uri="{FF2B5EF4-FFF2-40B4-BE49-F238E27FC236}">
+                <a16:creationId xmlns:a16="http://schemas.microsoft.com/office/drawing/2014/main" id="{38429EFE-06E3-20AD-65B9-A67BB80A002F}"/>
+              </a:ext>
+            </a:extLst>
+          </p:cNvPr>
+          <p:cNvSpPr txBox="1"/>
+          <p:nvPr/>
+        </p:nvSpPr>
+        <p:spPr>
+          <a:xfrm>
+            <a:off x="1883863" y="7293566"/>
+            <a:ext cx="449477" cy="369332"/>
+          </a:xfrm>
+          <a:prstGeom prst="rect">
+            <a:avLst/>
+          </a:prstGeom>
+          <a:noFill/>
+        </p:spPr>
+        <p:txBody>
+          <a:bodyPr wrap="square" rtlCol="0">
+            <a:spAutoFit/>
+          </a:bodyPr>
+          <a:lstStyle/>
+          <a:p>
+            <a:r>
+              <a:rPr lang="en-US" dirty="0"/>
+              <a:t>10</a:t>
+            </a:r>
+          </a:p>
+        </p:txBody>
+      </p:sp>
+      <p:sp>
+        <p:nvSpPr>
+          <p:cNvPr id="24" name="TextBox 23">
+            <a:extLst>
+              <a:ext uri="{FF2B5EF4-FFF2-40B4-BE49-F238E27FC236}">
+                <a16:creationId xmlns:a16="http://schemas.microsoft.com/office/drawing/2014/main" id="{25534E99-8CB9-41ED-D139-49DEE410169A}"/>
+              </a:ext>
+            </a:extLst>
+          </p:cNvPr>
+          <p:cNvSpPr txBox="1"/>
+          <p:nvPr/>
+        </p:nvSpPr>
+        <p:spPr>
+          <a:xfrm>
+            <a:off x="2108602" y="3252619"/>
+            <a:ext cx="300038" cy="369332"/>
+          </a:xfrm>
+          <a:prstGeom prst="rect">
+            <a:avLst/>
+          </a:prstGeom>
+          <a:noFill/>
+        </p:spPr>
+        <p:txBody>
+          <a:bodyPr wrap="square" rtlCol="0">
+            <a:spAutoFit/>
+          </a:bodyPr>
+          <a:lstStyle/>
+          <a:p>
+            <a:r>
+              <a:rPr lang="en-US" dirty="0"/>
+              <a:t>6</a:t>
+            </a:r>
+          </a:p>
+        </p:txBody>
+      </p:sp>
+      <p:sp>
+        <p:nvSpPr>
+          <p:cNvPr id="2" name="TextBox 1">
+            <a:extLst>
+              <a:ext uri="{FF2B5EF4-FFF2-40B4-BE49-F238E27FC236}">
+                <a16:creationId xmlns:a16="http://schemas.microsoft.com/office/drawing/2014/main" id="{48F9F669-8D89-67AB-4F27-E92CC8D5EB8A}"/>
+              </a:ext>
+            </a:extLst>
+          </p:cNvPr>
+          <p:cNvSpPr txBox="1"/>
+          <p:nvPr/>
+        </p:nvSpPr>
+        <p:spPr>
+          <a:xfrm>
+            <a:off x="803700" y="2639013"/>
+            <a:ext cx="300038" cy="369332"/>
+          </a:xfrm>
+          <a:prstGeom prst="rect">
+            <a:avLst/>
+          </a:prstGeom>
+          <a:noFill/>
+        </p:spPr>
+        <p:txBody>
+          <a:bodyPr wrap="square" rtlCol="0">
+            <a:spAutoFit/>
+          </a:bodyPr>
+          <a:lstStyle/>
+          <a:p>
+            <a:r>
+              <a:rPr lang="en-US" dirty="0"/>
+              <a:t>1</a:t>
+            </a:r>
+          </a:p>
+        </p:txBody>
+      </p:sp>
+      <p:cxnSp>
+        <p:nvCxnSpPr>
+          <p:cNvPr id="28" name="Straight Connector 27">
+            <a:extLst>
+              <a:ext uri="{FF2B5EF4-FFF2-40B4-BE49-F238E27FC236}">
+                <a16:creationId xmlns:a16="http://schemas.microsoft.com/office/drawing/2014/main" id="{A24E3755-B0FB-128D-496C-145CF254780E}"/>
+              </a:ext>
+            </a:extLst>
+          </p:cNvPr>
+          <p:cNvCxnSpPr>
+            <a:cxnSpLocks/>
+          </p:cNvCxnSpPr>
+          <p:nvPr/>
+        </p:nvCxnSpPr>
+        <p:spPr>
+          <a:xfrm flipH="1">
+            <a:off x="934311" y="3326398"/>
+            <a:ext cx="107477" cy="591107"/>
+          </a:xfrm>
+          <a:prstGeom prst="line">
+            <a:avLst/>
+          </a:prstGeom>
+        </p:spPr>
+        <p:style>
+          <a:lnRef idx="3">
+            <a:schemeClr val="dk1"/>
+          </a:lnRef>
+          <a:fillRef idx="0">
+            <a:schemeClr val="dk1"/>
+          </a:fillRef>
+          <a:effectRef idx="2">
+            <a:schemeClr val="dk1"/>
+          </a:effectRef>
+          <a:fontRef idx="minor">
+            <a:schemeClr val="tx1"/>
+          </a:fontRef>
+        </p:style>
+      </p:cxnSp>
+      <p:cxnSp>
+        <p:nvCxnSpPr>
+          <p:cNvPr id="30" name="Straight Connector 29">
+            <a:extLst>
+              <a:ext uri="{FF2B5EF4-FFF2-40B4-BE49-F238E27FC236}">
+                <a16:creationId xmlns:a16="http://schemas.microsoft.com/office/drawing/2014/main" id="{21DE058D-EBD4-E2DA-F6D5-6764B7D9FAD2}"/>
+              </a:ext>
+            </a:extLst>
+          </p:cNvPr>
+          <p:cNvCxnSpPr>
+            <a:stCxn id="19" idx="3"/>
+          </p:cNvCxnSpPr>
+          <p:nvPr/>
+        </p:nvCxnSpPr>
+        <p:spPr>
+          <a:xfrm>
+            <a:off x="357707" y="3099357"/>
+            <a:ext cx="295436" cy="19875"/>
+          </a:xfrm>
+          <a:prstGeom prst="line">
+            <a:avLst/>
+          </a:prstGeom>
+        </p:spPr>
+        <p:style>
+          <a:lnRef idx="3">
+            <a:schemeClr val="dk1"/>
+          </a:lnRef>
+          <a:fillRef idx="0">
+            <a:schemeClr val="dk1"/>
+          </a:fillRef>
+          <a:effectRef idx="2">
+            <a:schemeClr val="dk1"/>
+          </a:effectRef>
+          <a:fontRef idx="minor">
+            <a:schemeClr val="tx1"/>
+          </a:fontRef>
+        </p:style>
+      </p:cxnSp>
+      <p:cxnSp>
+        <p:nvCxnSpPr>
+          <p:cNvPr id="32" name="Straight Connector 31">
+            <a:extLst>
+              <a:ext uri="{FF2B5EF4-FFF2-40B4-BE49-F238E27FC236}">
+                <a16:creationId xmlns:a16="http://schemas.microsoft.com/office/drawing/2014/main" id="{EC0FF869-5FAB-B7E5-481E-B8B7EC897DA6}"/>
+              </a:ext>
+            </a:extLst>
+          </p:cNvPr>
+          <p:cNvCxnSpPr>
+            <a:cxnSpLocks/>
+          </p:cNvCxnSpPr>
+          <p:nvPr/>
+        </p:nvCxnSpPr>
+        <p:spPr>
+          <a:xfrm flipV="1">
+            <a:off x="1755958" y="3440283"/>
+            <a:ext cx="401096" cy="92333"/>
+          </a:xfrm>
+          <a:prstGeom prst="line">
+            <a:avLst/>
+          </a:prstGeom>
+        </p:spPr>
+        <p:style>
+          <a:lnRef idx="3">
+            <a:schemeClr val="dk1"/>
+          </a:lnRef>
+          <a:fillRef idx="0">
+            <a:schemeClr val="dk1"/>
+          </a:fillRef>
+          <a:effectRef idx="2">
+            <a:schemeClr val="dk1"/>
+          </a:effectRef>
+          <a:fontRef idx="minor">
+            <a:schemeClr val="tx1"/>
+          </a:fontRef>
+        </p:style>
+      </p:cxnSp>
+      <p:cxnSp>
+        <p:nvCxnSpPr>
+          <p:cNvPr id="35" name="Straight Connector 34">
+            <a:extLst>
+              <a:ext uri="{FF2B5EF4-FFF2-40B4-BE49-F238E27FC236}">
+                <a16:creationId xmlns:a16="http://schemas.microsoft.com/office/drawing/2014/main" id="{779C8C80-5E93-80C3-309F-73194E4E9346}"/>
+              </a:ext>
+            </a:extLst>
+          </p:cNvPr>
+          <p:cNvCxnSpPr>
+            <a:endCxn id="20" idx="3"/>
+          </p:cNvCxnSpPr>
+          <p:nvPr/>
+        </p:nvCxnSpPr>
+        <p:spPr>
+          <a:xfrm flipH="1">
+            <a:off x="633734" y="3532616"/>
+            <a:ext cx="100651" cy="411579"/>
+          </a:xfrm>
+          <a:prstGeom prst="line">
+            <a:avLst/>
+          </a:prstGeom>
+        </p:spPr>
+        <p:style>
+          <a:lnRef idx="3">
+            <a:schemeClr val="dk1"/>
+          </a:lnRef>
+          <a:fillRef idx="0">
+            <a:schemeClr val="dk1"/>
+          </a:fillRef>
+          <a:effectRef idx="2">
+            <a:schemeClr val="dk1"/>
+          </a:effectRef>
+          <a:fontRef idx="minor">
+            <a:schemeClr val="tx1"/>
+          </a:fontRef>
+        </p:style>
+      </p:cxnSp>
+    </p:spTree>
+    <p:extLst>
+      <p:ext uri="{BB962C8B-B14F-4D97-AF65-F5344CB8AC3E}">
+        <p14:creationId xmlns:p14="http://schemas.microsoft.com/office/powerpoint/2010/main" val="2943336806"/>
+      </p:ext>
+    </p:extLst>
+  </p:cSld>
+  <p:clrMapOvr>
+    <a:masterClrMapping/>
+  </p:clrMapOvr>
+</p:sld>
+</file>
+
+<file path=ppt/slides/slide6.xml><?xml version="1.0" encoding="utf-8"?>
+<p:sld xmlns:a="http://schemas.openxmlformats.org/drawingml/2006/main" xmlns:r="http://schemas.openxmlformats.org/officeDocument/2006/relationships" xmlns:p="http://schemas.openxmlformats.org/presentationml/2006/main">
+  <p:cSld>
+    <p:spTree>
+      <p:nvGrpSpPr>
+        <p:cNvPr id="1" name="">
+          <a:extLst>
+            <a:ext uri="{FF2B5EF4-FFF2-40B4-BE49-F238E27FC236}">
+              <a16:creationId xmlns:a16="http://schemas.microsoft.com/office/drawing/2014/main" id="{DCFDF52C-0A9C-D9BD-357F-AC793D02284E}"/>
+            </a:ext>
+          </a:extLst>
+        </p:cNvPr>
+        <p:cNvGrpSpPr/>
+        <p:nvPr/>
+      </p:nvGrpSpPr>
+      <p:grpSpPr>
+        <a:xfrm>
+          <a:off x="0" y="0"/>
+          <a:ext cx="0" cy="0"/>
+          <a:chOff x="0" y="0"/>
+          <a:chExt cx="0" cy="0"/>
+        </a:xfrm>
+      </p:grpSpPr>
+      <p:pic>
+        <p:nvPicPr>
+          <p:cNvPr id="2052" name="Picture 4" descr="Upper limb muscles Diagram | Quizlet">
+            <a:extLst>
+              <a:ext uri="{FF2B5EF4-FFF2-40B4-BE49-F238E27FC236}">
+                <a16:creationId xmlns:a16="http://schemas.microsoft.com/office/drawing/2014/main" id="{1C046BEE-EBAF-44F5-395A-DA8379CC0769}"/>
+              </a:ext>
+            </a:extLst>
+          </p:cNvPr>
+          <p:cNvPicPr>
+            <a:picLocks noChangeAspect="1" noChangeArrowheads="1"/>
+          </p:cNvPicPr>
+          <p:nvPr/>
+        </p:nvPicPr>
+        <p:blipFill rotWithShape="1">
+          <a:blip r:embed="rId3">
+            <a:extLst>
+              <a:ext uri="{28A0092B-C50C-407E-A947-70E740481C1C}">
+                <a14:useLocalDpi xmlns:a14="http://schemas.microsoft.com/office/drawing/2010/main" val="0"/>
+              </a:ext>
+            </a:extLst>
+          </a:blip>
+          <a:srcRect r="65875" b="3598"/>
+          <a:stretch/>
+        </p:blipFill>
+        <p:spPr bwMode="auto">
+          <a:xfrm rot="5952148">
+            <a:off x="3205966" y="5160534"/>
+            <a:ext cx="2340328" cy="4649305"/>
+          </a:xfrm>
+          <a:prstGeom prst="rect">
+            <a:avLst/>
+          </a:prstGeom>
+          <a:noFill/>
+          <a:extLst>
+            <a:ext uri="{909E8E84-426E-40DD-AFC4-6F175D3DCCD1}">
+              <a14:hiddenFill xmlns:a14="http://schemas.microsoft.com/office/drawing/2010/main">
+                <a:solidFill>
+                  <a:srgbClr val="FFFFFF"/>
+                </a:solidFill>
+              </a14:hiddenFill>
+            </a:ext>
+          </a:extLst>
+        </p:spPr>
+      </p:pic>
+      <p:pic>
+        <p:nvPicPr>
+          <p:cNvPr id="2054" name="Picture 6" descr="Upper limb muscles Diagram | Quizlet">
+            <a:extLst>
+              <a:ext uri="{FF2B5EF4-FFF2-40B4-BE49-F238E27FC236}">
+                <a16:creationId xmlns:a16="http://schemas.microsoft.com/office/drawing/2014/main" id="{67F7E108-333E-95F7-862B-346C259BDCA7}"/>
+              </a:ext>
+            </a:extLst>
+          </p:cNvPr>
+          <p:cNvPicPr>
+            <a:picLocks noChangeAspect="1" noChangeArrowheads="1"/>
+          </p:cNvPicPr>
+          <p:nvPr/>
+        </p:nvPicPr>
+        <p:blipFill rotWithShape="1">
+          <a:blip r:embed="rId3">
+            <a:extLst>
+              <a:ext uri="{28A0092B-C50C-407E-A947-70E740481C1C}">
+                <a14:useLocalDpi xmlns:a14="http://schemas.microsoft.com/office/drawing/2010/main" val="0"/>
+              </a:ext>
+            </a:extLst>
+          </a:blip>
+          <a:srcRect l="49404" r="23702"/>
+          <a:stretch/>
+        </p:blipFill>
+        <p:spPr bwMode="auto">
+          <a:xfrm rot="20700000">
+            <a:off x="512216" y="1835961"/>
+            <a:ext cx="1844389" cy="4822825"/>
+          </a:xfrm>
+          <a:prstGeom prst="rect">
+            <a:avLst/>
+          </a:prstGeom>
+          <a:noFill/>
+          <a:extLst>
+            <a:ext uri="{909E8E84-426E-40DD-AFC4-6F175D3DCCD1}">
+              <a14:hiddenFill xmlns:a14="http://schemas.microsoft.com/office/drawing/2010/main">
+                <a:solidFill>
+                  <a:srgbClr val="FFFFFF"/>
+                </a:solidFill>
+              </a14:hiddenFill>
+            </a:ext>
+          </a:extLst>
+        </p:spPr>
+      </p:pic>
+      <p:sp>
+        <p:nvSpPr>
+          <p:cNvPr id="4" name="TextBox 3">
+            <a:extLst>
+              <a:ext uri="{FF2B5EF4-FFF2-40B4-BE49-F238E27FC236}">
+                <a16:creationId xmlns:a16="http://schemas.microsoft.com/office/drawing/2014/main" id="{2D3C731A-36B6-C717-A37C-7E2F57618D2B}"/>
+              </a:ext>
+            </a:extLst>
+          </p:cNvPr>
+          <p:cNvSpPr txBox="1"/>
+          <p:nvPr/>
+        </p:nvSpPr>
+        <p:spPr>
+          <a:xfrm>
+            <a:off x="1972994" y="492369"/>
+            <a:ext cx="2912012" cy="646331"/>
+          </a:xfrm>
+          <a:prstGeom prst="rect">
+            <a:avLst/>
+          </a:prstGeom>
+          <a:noFill/>
+        </p:spPr>
+        <p:txBody>
+          <a:bodyPr wrap="square" rtlCol="0">
+            <a:spAutoFit/>
+          </a:bodyPr>
+          <a:lstStyle/>
+          <a:p>
+            <a:r>
+              <a:rPr lang="en-US" b="1" dirty="0"/>
+              <a:t>A&amp;P BIOL 206 Lab Report #6</a:t>
+            </a:r>
+          </a:p>
+          <a:p>
+            <a:endParaRPr lang="en-US" dirty="0"/>
+          </a:p>
+        </p:txBody>
+      </p:sp>
+      <p:sp>
+        <p:nvSpPr>
+          <p:cNvPr id="5" name="TextBox 4">
+            <a:extLst>
+              <a:ext uri="{FF2B5EF4-FFF2-40B4-BE49-F238E27FC236}">
+                <a16:creationId xmlns:a16="http://schemas.microsoft.com/office/drawing/2014/main" id="{1E8145AC-962A-D2DD-33E1-57148F98582E}"/>
+              </a:ext>
+            </a:extLst>
+          </p:cNvPr>
+          <p:cNvSpPr txBox="1"/>
+          <p:nvPr/>
+        </p:nvSpPr>
+        <p:spPr>
+          <a:xfrm>
+            <a:off x="734385" y="1000200"/>
+            <a:ext cx="5117427" cy="276999"/>
+          </a:xfrm>
+          <a:prstGeom prst="rect">
+            <a:avLst/>
+          </a:prstGeom>
+          <a:noFill/>
+        </p:spPr>
+        <p:txBody>
+          <a:bodyPr wrap="none" rtlCol="0">
+            <a:spAutoFit/>
+          </a:bodyPr>
+          <a:lstStyle/>
+          <a:p>
+            <a:r>
+              <a:rPr lang="en-US" sz="1200" dirty="0"/>
+              <a:t>My first &amp; last name is: _____________________________________________</a:t>
+            </a:r>
+          </a:p>
+        </p:txBody>
+      </p:sp>
+      <p:sp>
+        <p:nvSpPr>
+          <p:cNvPr id="16" name="TextBox 15">
+            <a:extLst>
+              <a:ext uri="{FF2B5EF4-FFF2-40B4-BE49-F238E27FC236}">
+                <a16:creationId xmlns:a16="http://schemas.microsoft.com/office/drawing/2014/main" id="{8955BD19-5AF7-6BBA-27A5-D86CA69144F4}"/>
+              </a:ext>
+            </a:extLst>
+          </p:cNvPr>
+          <p:cNvSpPr txBox="1"/>
+          <p:nvPr/>
+        </p:nvSpPr>
+        <p:spPr>
+          <a:xfrm>
+            <a:off x="3485343" y="1763792"/>
+            <a:ext cx="2805503" cy="3970318"/>
+          </a:xfrm>
+          <a:prstGeom prst="rect">
+            <a:avLst/>
+          </a:prstGeom>
+          <a:noFill/>
+        </p:spPr>
+        <p:txBody>
+          <a:bodyPr wrap="square" rtlCol="0">
+            <a:spAutoFit/>
+          </a:bodyPr>
+          <a:lstStyle/>
+          <a:p>
+            <a:r>
+              <a:rPr lang="en-US" sz="1200" dirty="0"/>
+              <a:t>What is the name of the labeled muscle?</a:t>
+            </a:r>
+          </a:p>
+          <a:p>
+            <a:endParaRPr lang="en-US" sz="1200" dirty="0"/>
+          </a:p>
+          <a:p>
+            <a:r>
+              <a:rPr lang="en-US" sz="1200" dirty="0"/>
+              <a:t>1.________________________________</a:t>
+            </a:r>
+          </a:p>
+          <a:p>
+            <a:endParaRPr lang="en-US" sz="1200" dirty="0"/>
+          </a:p>
+          <a:p>
+            <a:r>
+              <a:rPr lang="en-US" sz="1200" dirty="0"/>
+              <a:t>2. ________________________________</a:t>
+            </a:r>
+          </a:p>
+          <a:p>
+            <a:endParaRPr lang="en-US" sz="1200" dirty="0"/>
+          </a:p>
+          <a:p>
+            <a:r>
+              <a:rPr lang="en-US" sz="1200" dirty="0"/>
+              <a:t>3. ________________________________</a:t>
+            </a:r>
+          </a:p>
+          <a:p>
+            <a:endParaRPr lang="en-US" sz="1200" dirty="0"/>
+          </a:p>
+          <a:p>
+            <a:r>
+              <a:rPr lang="en-US" sz="1200" dirty="0"/>
+              <a:t>4. ________________________________</a:t>
+            </a:r>
+          </a:p>
+          <a:p>
+            <a:r>
+              <a:rPr lang="en-US" sz="1200" dirty="0"/>
+              <a:t> </a:t>
+            </a:r>
+          </a:p>
+          <a:p>
+            <a:r>
+              <a:rPr lang="en-US" sz="1200" dirty="0"/>
+              <a:t>5. ________________________________</a:t>
+            </a:r>
+          </a:p>
+          <a:p>
+            <a:endParaRPr lang="en-US" sz="1200" dirty="0"/>
+          </a:p>
+          <a:p>
+            <a:r>
+              <a:rPr lang="en-US" sz="1200" dirty="0"/>
+              <a:t>6. ________________________________</a:t>
+            </a:r>
+          </a:p>
+          <a:p>
+            <a:r>
+              <a:rPr lang="en-US" sz="1200" dirty="0"/>
+              <a:t> </a:t>
+            </a:r>
+          </a:p>
+          <a:p>
+            <a:r>
+              <a:rPr lang="en-US" sz="1200" dirty="0"/>
+              <a:t>7. ________________________________</a:t>
+            </a:r>
+          </a:p>
+          <a:p>
+            <a:endParaRPr lang="en-US" sz="1200" dirty="0"/>
+          </a:p>
+          <a:p>
+            <a:r>
+              <a:rPr lang="en-US" sz="1200" dirty="0"/>
+              <a:t>8. ________________________________</a:t>
+            </a:r>
+          </a:p>
+          <a:p>
+            <a:endParaRPr lang="en-US" sz="1200" dirty="0"/>
+          </a:p>
+          <a:p>
+            <a:r>
+              <a:rPr lang="en-US" sz="1200" dirty="0"/>
+              <a:t>9. ________________________________</a:t>
+            </a:r>
+          </a:p>
+          <a:p>
+            <a:endParaRPr lang="en-US" sz="1200" dirty="0"/>
+          </a:p>
+          <a:p>
+            <a:r>
+              <a:rPr lang="en-US" sz="1200" dirty="0"/>
+              <a:t>10. _______________________________</a:t>
+            </a:r>
+          </a:p>
+        </p:txBody>
+      </p:sp>
+      <p:sp>
+        <p:nvSpPr>
+          <p:cNvPr id="17" name="TextBox 16">
+            <a:extLst>
+              <a:ext uri="{FF2B5EF4-FFF2-40B4-BE49-F238E27FC236}">
+                <a16:creationId xmlns:a16="http://schemas.microsoft.com/office/drawing/2014/main" id="{4701356F-3167-673E-D630-2C8762F37F65}"/>
+              </a:ext>
+            </a:extLst>
+          </p:cNvPr>
+          <p:cNvSpPr txBox="1"/>
+          <p:nvPr/>
+        </p:nvSpPr>
+        <p:spPr>
+          <a:xfrm flipH="1">
+            <a:off x="1284391" y="4202668"/>
+            <a:ext cx="300038" cy="369332"/>
+          </a:xfrm>
+          <a:prstGeom prst="rect">
+            <a:avLst/>
+          </a:prstGeom>
+          <a:noFill/>
+        </p:spPr>
+        <p:txBody>
+          <a:bodyPr wrap="square" rtlCol="0">
+            <a:spAutoFit/>
+          </a:bodyPr>
+          <a:lstStyle/>
+          <a:p>
+            <a:r>
+              <a:rPr lang="en-US" dirty="0"/>
+              <a:t>2</a:t>
+            </a:r>
+          </a:p>
+        </p:txBody>
+      </p:sp>
+      <p:sp>
+        <p:nvSpPr>
+          <p:cNvPr id="19" name="TextBox 18">
+            <a:extLst>
+              <a:ext uri="{FF2B5EF4-FFF2-40B4-BE49-F238E27FC236}">
+                <a16:creationId xmlns:a16="http://schemas.microsoft.com/office/drawing/2014/main" id="{808FE9FD-9A2A-B0D9-6928-6A78AB1979B3}"/>
+              </a:ext>
+            </a:extLst>
+          </p:cNvPr>
+          <p:cNvSpPr txBox="1"/>
+          <p:nvPr/>
+        </p:nvSpPr>
+        <p:spPr>
+          <a:xfrm>
+            <a:off x="2003608" y="4387334"/>
+            <a:ext cx="300038" cy="369332"/>
+          </a:xfrm>
+          <a:prstGeom prst="rect">
+            <a:avLst/>
+          </a:prstGeom>
+          <a:noFill/>
+        </p:spPr>
+        <p:txBody>
+          <a:bodyPr wrap="square" rtlCol="0">
+            <a:spAutoFit/>
+          </a:bodyPr>
+          <a:lstStyle/>
+          <a:p>
+            <a:r>
+              <a:rPr lang="en-US" dirty="0"/>
+              <a:t>3</a:t>
+            </a:r>
+          </a:p>
+        </p:txBody>
+      </p:sp>
+      <p:sp>
+        <p:nvSpPr>
+          <p:cNvPr id="20" name="TextBox 19">
+            <a:extLst>
+              <a:ext uri="{FF2B5EF4-FFF2-40B4-BE49-F238E27FC236}">
+                <a16:creationId xmlns:a16="http://schemas.microsoft.com/office/drawing/2014/main" id="{1BA36B08-0031-C6AA-E9B7-F65E2E071895}"/>
+              </a:ext>
+            </a:extLst>
+          </p:cNvPr>
+          <p:cNvSpPr txBox="1"/>
+          <p:nvPr/>
+        </p:nvSpPr>
+        <p:spPr>
+          <a:xfrm>
+            <a:off x="813173" y="5175683"/>
+            <a:ext cx="300038" cy="369332"/>
+          </a:xfrm>
+          <a:prstGeom prst="rect">
+            <a:avLst/>
+          </a:prstGeom>
+          <a:noFill/>
+        </p:spPr>
+        <p:txBody>
+          <a:bodyPr wrap="square" rtlCol="0">
+            <a:spAutoFit/>
+          </a:bodyPr>
+          <a:lstStyle/>
+          <a:p>
+            <a:r>
+              <a:rPr lang="en-US" dirty="0"/>
+              <a:t>4</a:t>
+            </a:r>
+          </a:p>
+        </p:txBody>
+      </p:sp>
+      <p:sp>
+        <p:nvSpPr>
+          <p:cNvPr id="10" name="TextBox 9">
+            <a:extLst>
+              <a:ext uri="{FF2B5EF4-FFF2-40B4-BE49-F238E27FC236}">
+                <a16:creationId xmlns:a16="http://schemas.microsoft.com/office/drawing/2014/main" id="{2EE1A081-1B2D-8396-D2B7-0E72752ABAC0}"/>
+              </a:ext>
+            </a:extLst>
+          </p:cNvPr>
+          <p:cNvSpPr txBox="1"/>
+          <p:nvPr/>
+        </p:nvSpPr>
+        <p:spPr>
+          <a:xfrm>
+            <a:off x="5732358" y="6902161"/>
+            <a:ext cx="300038" cy="369332"/>
+          </a:xfrm>
+          <a:prstGeom prst="rect">
+            <a:avLst/>
+          </a:prstGeom>
+          <a:noFill/>
+        </p:spPr>
+        <p:txBody>
+          <a:bodyPr wrap="square" rtlCol="0">
+            <a:spAutoFit/>
+          </a:bodyPr>
+          <a:lstStyle/>
+          <a:p>
+            <a:r>
+              <a:rPr lang="en-US" dirty="0"/>
+              <a:t>5</a:t>
+            </a:r>
+          </a:p>
+        </p:txBody>
+      </p:sp>
+      <p:sp>
+        <p:nvSpPr>
+          <p:cNvPr id="25" name="TextBox 24">
+            <a:extLst>
+              <a:ext uri="{FF2B5EF4-FFF2-40B4-BE49-F238E27FC236}">
+                <a16:creationId xmlns:a16="http://schemas.microsoft.com/office/drawing/2014/main" id="{1B27C7C0-2D87-A0F9-591D-B9006CBB7F1E}"/>
+              </a:ext>
+            </a:extLst>
+          </p:cNvPr>
+          <p:cNvSpPr txBox="1"/>
+          <p:nvPr/>
+        </p:nvSpPr>
+        <p:spPr>
+          <a:xfrm>
+            <a:off x="4551486" y="7377828"/>
+            <a:ext cx="300038" cy="369332"/>
+          </a:xfrm>
+          <a:prstGeom prst="rect">
+            <a:avLst/>
+          </a:prstGeom>
+          <a:noFill/>
+        </p:spPr>
+        <p:txBody>
+          <a:bodyPr wrap="square" rtlCol="0">
+            <a:spAutoFit/>
+          </a:bodyPr>
+          <a:lstStyle/>
+          <a:p>
+            <a:r>
+              <a:rPr lang="en-US" dirty="0"/>
+              <a:t>7</a:t>
+            </a:r>
+          </a:p>
+        </p:txBody>
+      </p:sp>
+      <p:sp>
+        <p:nvSpPr>
+          <p:cNvPr id="26" name="TextBox 25">
+            <a:extLst>
+              <a:ext uri="{FF2B5EF4-FFF2-40B4-BE49-F238E27FC236}">
+                <a16:creationId xmlns:a16="http://schemas.microsoft.com/office/drawing/2014/main" id="{0D62EE27-FD0B-B0F5-FD4C-7258D3CCD08A}"/>
+              </a:ext>
+            </a:extLst>
+          </p:cNvPr>
+          <p:cNvSpPr txBox="1"/>
+          <p:nvPr/>
+        </p:nvSpPr>
+        <p:spPr>
+          <a:xfrm>
+            <a:off x="3725882" y="7376521"/>
+            <a:ext cx="300038" cy="369332"/>
+          </a:xfrm>
+          <a:prstGeom prst="rect">
+            <a:avLst/>
+          </a:prstGeom>
+          <a:noFill/>
+        </p:spPr>
+        <p:txBody>
+          <a:bodyPr wrap="square" rtlCol="0">
+            <a:spAutoFit/>
+          </a:bodyPr>
+          <a:lstStyle/>
+          <a:p>
+            <a:r>
+              <a:rPr lang="en-US" dirty="0"/>
+              <a:t>8</a:t>
+            </a:r>
+          </a:p>
+        </p:txBody>
+      </p:sp>
+      <p:sp>
+        <p:nvSpPr>
+          <p:cNvPr id="22" name="TextBox 21">
+            <a:extLst>
+              <a:ext uri="{FF2B5EF4-FFF2-40B4-BE49-F238E27FC236}">
+                <a16:creationId xmlns:a16="http://schemas.microsoft.com/office/drawing/2014/main" id="{992CD5FD-1633-1D72-1638-A0837A5A727B}"/>
+              </a:ext>
+            </a:extLst>
+          </p:cNvPr>
+          <p:cNvSpPr txBox="1"/>
+          <p:nvPr/>
+        </p:nvSpPr>
+        <p:spPr>
+          <a:xfrm>
+            <a:off x="3453542" y="6815285"/>
+            <a:ext cx="300038" cy="369332"/>
+          </a:xfrm>
+          <a:prstGeom prst="rect">
+            <a:avLst/>
+          </a:prstGeom>
+          <a:noFill/>
+        </p:spPr>
+        <p:txBody>
+          <a:bodyPr wrap="square" rtlCol="0">
+            <a:spAutoFit/>
+          </a:bodyPr>
+          <a:lstStyle/>
+          <a:p>
+            <a:r>
+              <a:rPr lang="en-US" dirty="0"/>
+              <a:t>9</a:t>
+            </a:r>
+          </a:p>
+        </p:txBody>
+      </p:sp>
+      <p:sp>
+        <p:nvSpPr>
+          <p:cNvPr id="27" name="TextBox 26">
+            <a:extLst>
+              <a:ext uri="{FF2B5EF4-FFF2-40B4-BE49-F238E27FC236}">
+                <a16:creationId xmlns:a16="http://schemas.microsoft.com/office/drawing/2014/main" id="{E6F8CD84-F712-8A6C-2431-982A770CE153}"/>
+              </a:ext>
+            </a:extLst>
+          </p:cNvPr>
+          <p:cNvSpPr txBox="1"/>
+          <p:nvPr/>
+        </p:nvSpPr>
+        <p:spPr>
+          <a:xfrm>
+            <a:off x="3154084" y="8282299"/>
+            <a:ext cx="449477" cy="369332"/>
+          </a:xfrm>
+          <a:prstGeom prst="rect">
+            <a:avLst/>
+          </a:prstGeom>
+          <a:noFill/>
+        </p:spPr>
+        <p:txBody>
+          <a:bodyPr wrap="square" rtlCol="0">
+            <a:spAutoFit/>
+          </a:bodyPr>
+          <a:lstStyle/>
+          <a:p>
+            <a:r>
+              <a:rPr lang="en-US" dirty="0"/>
+              <a:t>10</a:t>
+            </a:r>
+          </a:p>
+        </p:txBody>
+      </p:sp>
+      <p:sp>
+        <p:nvSpPr>
+          <p:cNvPr id="24" name="TextBox 23">
+            <a:extLst>
+              <a:ext uri="{FF2B5EF4-FFF2-40B4-BE49-F238E27FC236}">
+                <a16:creationId xmlns:a16="http://schemas.microsoft.com/office/drawing/2014/main" id="{5518DC96-27E6-CC4A-2B41-5821FA0B9FBA}"/>
+              </a:ext>
+            </a:extLst>
+          </p:cNvPr>
+          <p:cNvSpPr txBox="1"/>
+          <p:nvPr/>
+        </p:nvSpPr>
+        <p:spPr>
+          <a:xfrm>
+            <a:off x="5732358" y="7271493"/>
+            <a:ext cx="300038" cy="369332"/>
+          </a:xfrm>
+          <a:prstGeom prst="rect">
+            <a:avLst/>
+          </a:prstGeom>
+          <a:noFill/>
+        </p:spPr>
+        <p:txBody>
+          <a:bodyPr wrap="square" rtlCol="0">
+            <a:spAutoFit/>
+          </a:bodyPr>
+          <a:lstStyle/>
+          <a:p>
+            <a:r>
+              <a:rPr lang="en-US" dirty="0"/>
+              <a:t>6</a:t>
+            </a:r>
+          </a:p>
+        </p:txBody>
+      </p:sp>
+      <p:sp>
+        <p:nvSpPr>
+          <p:cNvPr id="2" name="TextBox 1">
+            <a:extLst>
+              <a:ext uri="{FF2B5EF4-FFF2-40B4-BE49-F238E27FC236}">
+                <a16:creationId xmlns:a16="http://schemas.microsoft.com/office/drawing/2014/main" id="{94E2BE6A-1693-38CC-44FF-F8400C9673E0}"/>
+              </a:ext>
+            </a:extLst>
+          </p:cNvPr>
+          <p:cNvSpPr txBox="1"/>
+          <p:nvPr/>
+        </p:nvSpPr>
+        <p:spPr>
+          <a:xfrm>
+            <a:off x="1423430" y="3290284"/>
+            <a:ext cx="300038" cy="369332"/>
+          </a:xfrm>
+          <a:prstGeom prst="rect">
+            <a:avLst/>
+          </a:prstGeom>
+          <a:noFill/>
+        </p:spPr>
+        <p:txBody>
+          <a:bodyPr wrap="square" rtlCol="0">
+            <a:spAutoFit/>
+          </a:bodyPr>
+          <a:lstStyle/>
+          <a:p>
+            <a:r>
+              <a:rPr lang="en-US" dirty="0"/>
+              <a:t>1</a:t>
+            </a:r>
+          </a:p>
+        </p:txBody>
+      </p:sp>
+      <p:cxnSp>
+        <p:nvCxnSpPr>
+          <p:cNvPr id="28" name="Straight Connector 27">
+            <a:extLst>
+              <a:ext uri="{FF2B5EF4-FFF2-40B4-BE49-F238E27FC236}">
+                <a16:creationId xmlns:a16="http://schemas.microsoft.com/office/drawing/2014/main" id="{F31DA721-BD72-C4E3-04BE-C56EAE919F61}"/>
+              </a:ext>
+            </a:extLst>
+          </p:cNvPr>
+          <p:cNvCxnSpPr>
+            <a:cxnSpLocks/>
+          </p:cNvCxnSpPr>
+          <p:nvPr/>
+        </p:nvCxnSpPr>
+        <p:spPr>
+          <a:xfrm flipH="1">
+            <a:off x="3399803" y="7746032"/>
+            <a:ext cx="107477" cy="591107"/>
+          </a:xfrm>
+          <a:prstGeom prst="line">
+            <a:avLst/>
+          </a:prstGeom>
+        </p:spPr>
+        <p:style>
+          <a:lnRef idx="3">
+            <a:schemeClr val="dk1"/>
+          </a:lnRef>
+          <a:fillRef idx="0">
+            <a:schemeClr val="dk1"/>
+          </a:fillRef>
+          <a:effectRef idx="2">
+            <a:schemeClr val="dk1"/>
+          </a:effectRef>
+          <a:fontRef idx="minor">
+            <a:schemeClr val="tx1"/>
+          </a:fontRef>
+        </p:style>
+      </p:cxnSp>
+      <p:cxnSp>
+        <p:nvCxnSpPr>
+          <p:cNvPr id="30" name="Straight Connector 29">
+            <a:extLst>
+              <a:ext uri="{FF2B5EF4-FFF2-40B4-BE49-F238E27FC236}">
+                <a16:creationId xmlns:a16="http://schemas.microsoft.com/office/drawing/2014/main" id="{8F07CEFA-C5D8-4CDE-384C-F391AD8471FA}"/>
+              </a:ext>
+            </a:extLst>
+          </p:cNvPr>
+          <p:cNvCxnSpPr>
+            <a:cxnSpLocks/>
+          </p:cNvCxnSpPr>
+          <p:nvPr/>
+        </p:nvCxnSpPr>
+        <p:spPr>
+          <a:xfrm>
+            <a:off x="1759539" y="4572000"/>
+            <a:ext cx="295436" cy="19875"/>
+          </a:xfrm>
+          <a:prstGeom prst="line">
+            <a:avLst/>
+          </a:prstGeom>
+        </p:spPr>
+        <p:style>
+          <a:lnRef idx="3">
+            <a:schemeClr val="dk1"/>
+          </a:lnRef>
+          <a:fillRef idx="0">
+            <a:schemeClr val="dk1"/>
+          </a:fillRef>
+          <a:effectRef idx="2">
+            <a:schemeClr val="dk1"/>
+          </a:effectRef>
+          <a:fontRef idx="minor">
+            <a:schemeClr val="tx1"/>
+          </a:fontRef>
+        </p:style>
+      </p:cxnSp>
+      <p:cxnSp>
+        <p:nvCxnSpPr>
+          <p:cNvPr id="32" name="Straight Connector 31">
+            <a:extLst>
+              <a:ext uri="{FF2B5EF4-FFF2-40B4-BE49-F238E27FC236}">
+                <a16:creationId xmlns:a16="http://schemas.microsoft.com/office/drawing/2014/main" id="{D5E3E853-F566-5269-256C-F319310ECBFA}"/>
+              </a:ext>
+            </a:extLst>
+          </p:cNvPr>
+          <p:cNvCxnSpPr>
+            <a:cxnSpLocks/>
+          </p:cNvCxnSpPr>
+          <p:nvPr/>
+        </p:nvCxnSpPr>
+        <p:spPr>
+          <a:xfrm>
+            <a:off x="3675353" y="7028093"/>
+            <a:ext cx="141035" cy="206309"/>
+          </a:xfrm>
+          <a:prstGeom prst="line">
+            <a:avLst/>
+          </a:prstGeom>
+        </p:spPr>
+        <p:style>
+          <a:lnRef idx="3">
+            <a:schemeClr val="dk1"/>
+          </a:lnRef>
+          <a:fillRef idx="0">
+            <a:schemeClr val="dk1"/>
+          </a:fillRef>
+          <a:effectRef idx="2">
+            <a:schemeClr val="dk1"/>
+          </a:effectRef>
+          <a:fontRef idx="minor">
+            <a:schemeClr val="tx1"/>
+          </a:fontRef>
+        </p:style>
+      </p:cxnSp>
+      <p:cxnSp>
+        <p:nvCxnSpPr>
+          <p:cNvPr id="35" name="Straight Connector 34">
+            <a:extLst>
+              <a:ext uri="{FF2B5EF4-FFF2-40B4-BE49-F238E27FC236}">
+                <a16:creationId xmlns:a16="http://schemas.microsoft.com/office/drawing/2014/main" id="{0627F2B1-3BBE-AC84-4EAB-A43BE2A20315}"/>
+              </a:ext>
+            </a:extLst>
+          </p:cNvPr>
+          <p:cNvCxnSpPr>
+            <a:cxnSpLocks/>
+            <a:endCxn id="20" idx="3"/>
+          </p:cNvCxnSpPr>
+          <p:nvPr/>
+        </p:nvCxnSpPr>
+        <p:spPr>
+          <a:xfrm flipH="1" flipV="1">
+            <a:off x="1113211" y="5360349"/>
+            <a:ext cx="217695" cy="184666"/>
+          </a:xfrm>
+          <a:prstGeom prst="line">
+            <a:avLst/>
+          </a:prstGeom>
+        </p:spPr>
+        <p:style>
+          <a:lnRef idx="3">
+            <a:schemeClr val="dk1"/>
+          </a:lnRef>
+          <a:fillRef idx="0">
+            <a:schemeClr val="dk1"/>
+          </a:fillRef>
+          <a:effectRef idx="2">
+            <a:schemeClr val="dk1"/>
+          </a:effectRef>
+          <a:fontRef idx="minor">
+            <a:schemeClr val="tx1"/>
+          </a:fontRef>
+        </p:style>
+      </p:cxnSp>
+    </p:spTree>
+    <p:extLst>
+      <p:ext uri="{BB962C8B-B14F-4D97-AF65-F5344CB8AC3E}">
+        <p14:creationId xmlns:p14="http://schemas.microsoft.com/office/powerpoint/2010/main" val="946772790"/>
+      </p:ext>
+    </p:extLst>
+  </p:cSld>
+  <p:clrMapOvr>
+    <a:masterClrMapping/>
+  </p:clrMapOvr>
+</p:sld>
+</file>
+
+<file path=ppt/slides/slide7.xml><?xml version="1.0" encoding="utf-8"?>
+<p:sld xmlns:a="http://schemas.openxmlformats.org/drawingml/2006/main" xmlns:r="http://schemas.openxmlformats.org/officeDocument/2006/relationships" xmlns:p="http://schemas.openxmlformats.org/presentationml/2006/main">
+  <p:cSld>
+    <p:spTree>
+      <p:nvGrpSpPr>
+        <p:cNvPr id="1" name="">
+          <a:extLst>
+            <a:ext uri="{FF2B5EF4-FFF2-40B4-BE49-F238E27FC236}">
+              <a16:creationId xmlns:a16="http://schemas.microsoft.com/office/drawing/2014/main" id="{47BBDC2A-087E-09D2-4AB4-335F43F6BD09}"/>
+            </a:ext>
+          </a:extLst>
+        </p:cNvPr>
+        <p:cNvGrpSpPr/>
+        <p:nvPr/>
+      </p:nvGrpSpPr>
+      <p:grpSpPr>
+        <a:xfrm>
+          <a:off x="0" y="0"/>
+          <a:ext cx="0" cy="0"/>
+          <a:chOff x="0" y="0"/>
+          <a:chExt cx="0" cy="0"/>
+        </a:xfrm>
+      </p:grpSpPr>
+      <p:pic>
+        <p:nvPicPr>
+          <p:cNvPr id="3" name="Picture 2" descr="Muscles of the gluteal region, thigh, and leg">
+            <a:extLst>
+              <a:ext uri="{FF2B5EF4-FFF2-40B4-BE49-F238E27FC236}">
+                <a16:creationId xmlns:a16="http://schemas.microsoft.com/office/drawing/2014/main" id="{2FC74590-CD20-F973-3892-7EE3974EEE75}"/>
+              </a:ext>
+            </a:extLst>
+          </p:cNvPr>
+          <p:cNvPicPr>
+            <a:picLocks noChangeAspect="1" noChangeArrowheads="1"/>
+          </p:cNvPicPr>
+          <p:nvPr/>
+        </p:nvPicPr>
+        <p:blipFill rotWithShape="1">
+          <a:blip r:embed="rId3">
+            <a:extLst>
+              <a:ext uri="{28A0092B-C50C-407E-A947-70E740481C1C}">
+                <a14:useLocalDpi xmlns:a14="http://schemas.microsoft.com/office/drawing/2010/main" val="0"/>
+              </a:ext>
+            </a:extLst>
+          </a:blip>
+          <a:srcRect r="71818"/>
+          <a:stretch/>
+        </p:blipFill>
+        <p:spPr bwMode="auto">
+          <a:xfrm>
+            <a:off x="1236938" y="4919900"/>
+            <a:ext cx="850057" cy="3492500"/>
+          </a:xfrm>
+          <a:prstGeom prst="rect">
+            <a:avLst/>
+          </a:prstGeom>
+          <a:noFill/>
+          <a:extLst>
+            <a:ext uri="{909E8E84-426E-40DD-AFC4-6F175D3DCCD1}">
+              <a14:hiddenFill xmlns:a14="http://schemas.microsoft.com/office/drawing/2010/main">
+                <a:solidFill>
+                  <a:srgbClr val="FFFFFF"/>
+                </a:solidFill>
+              </a14:hiddenFill>
+            </a:ext>
+          </a:extLst>
+        </p:spPr>
+      </p:pic>
+      <p:pic>
+        <p:nvPicPr>
+          <p:cNvPr id="6" name="Picture 5" descr="Muscles of the gluteal region, thigh, and leg">
+            <a:extLst>
+              <a:ext uri="{FF2B5EF4-FFF2-40B4-BE49-F238E27FC236}">
+                <a16:creationId xmlns:a16="http://schemas.microsoft.com/office/drawing/2014/main" id="{68D9FA69-D9F0-C7BF-799B-212548F3CDF1}"/>
+              </a:ext>
+            </a:extLst>
+          </p:cNvPr>
+          <p:cNvPicPr>
+            <a:picLocks noChangeAspect="1" noChangeArrowheads="1"/>
+          </p:cNvPicPr>
+          <p:nvPr/>
+        </p:nvPicPr>
+        <p:blipFill rotWithShape="1">
+          <a:blip r:embed="rId3">
+            <a:extLst>
+              <a:ext uri="{28A0092B-C50C-407E-A947-70E740481C1C}">
+                <a14:useLocalDpi xmlns:a14="http://schemas.microsoft.com/office/drawing/2010/main" val="0"/>
+              </a:ext>
+            </a:extLst>
+          </a:blip>
+          <a:srcRect l="52072"/>
+          <a:stretch/>
+        </p:blipFill>
+        <p:spPr bwMode="auto">
+          <a:xfrm>
+            <a:off x="1967309" y="4919900"/>
+            <a:ext cx="1445617" cy="3492500"/>
+          </a:xfrm>
+          <a:prstGeom prst="rect">
+            <a:avLst/>
+          </a:prstGeom>
+          <a:noFill/>
+          <a:extLst>
+            <a:ext uri="{909E8E84-426E-40DD-AFC4-6F175D3DCCD1}">
+              <a14:hiddenFill xmlns:a14="http://schemas.microsoft.com/office/drawing/2010/main">
+                <a:solidFill>
+                  <a:srgbClr val="FFFFFF"/>
+                </a:solidFill>
+              </a14:hiddenFill>
+            </a:ext>
+          </a:extLst>
+        </p:spPr>
+      </p:pic>
+      <p:pic>
+        <p:nvPicPr>
+          <p:cNvPr id="4098" name="Picture 2" descr="Anterior/Posterior thigh muscles Quiz">
+            <a:extLst>
+              <a:ext uri="{FF2B5EF4-FFF2-40B4-BE49-F238E27FC236}">
+                <a16:creationId xmlns:a16="http://schemas.microsoft.com/office/drawing/2014/main" id="{47D78145-6CC6-E2B3-F39C-CA32B1CB0071}"/>
+              </a:ext>
+            </a:extLst>
+          </p:cNvPr>
+          <p:cNvPicPr>
+            <a:picLocks noChangeAspect="1" noChangeArrowheads="1"/>
+          </p:cNvPicPr>
+          <p:nvPr/>
+        </p:nvPicPr>
+        <p:blipFill rotWithShape="1">
+          <a:blip r:embed="rId4">
+            <a:extLst>
+              <a:ext uri="{28A0092B-C50C-407E-A947-70E740481C1C}">
+                <a14:useLocalDpi xmlns:a14="http://schemas.microsoft.com/office/drawing/2010/main" val="0"/>
+              </a:ext>
+            </a:extLst>
+          </a:blip>
+          <a:srcRect l="18001" t="-1" b="7728"/>
+          <a:stretch/>
+        </p:blipFill>
+        <p:spPr bwMode="auto">
+          <a:xfrm>
+            <a:off x="426027" y="1604162"/>
+            <a:ext cx="3353066" cy="2967838"/>
+          </a:xfrm>
+          <a:prstGeom prst="rect">
+            <a:avLst/>
+          </a:prstGeom>
+          <a:noFill/>
+          <a:extLst>
+            <a:ext uri="{909E8E84-426E-40DD-AFC4-6F175D3DCCD1}">
+              <a14:hiddenFill xmlns:a14="http://schemas.microsoft.com/office/drawing/2010/main">
+                <a:solidFill>
+                  <a:srgbClr val="FFFFFF"/>
+                </a:solidFill>
+              </a14:hiddenFill>
+            </a:ext>
+          </a:extLst>
+        </p:spPr>
+      </p:pic>
+      <p:sp>
+        <p:nvSpPr>
+          <p:cNvPr id="4" name="TextBox 3">
+            <a:extLst>
+              <a:ext uri="{FF2B5EF4-FFF2-40B4-BE49-F238E27FC236}">
+                <a16:creationId xmlns:a16="http://schemas.microsoft.com/office/drawing/2014/main" id="{B1F88432-CEBF-368A-6C52-1E40EDC89418}"/>
+              </a:ext>
+            </a:extLst>
+          </p:cNvPr>
+          <p:cNvSpPr txBox="1"/>
+          <p:nvPr/>
+        </p:nvSpPr>
+        <p:spPr>
+          <a:xfrm>
+            <a:off x="1972994" y="492369"/>
+            <a:ext cx="2912012" cy="646331"/>
+          </a:xfrm>
+          <a:prstGeom prst="rect">
+            <a:avLst/>
+          </a:prstGeom>
+          <a:noFill/>
+        </p:spPr>
+        <p:txBody>
+          <a:bodyPr wrap="square" rtlCol="0">
+            <a:spAutoFit/>
+          </a:bodyPr>
+          <a:lstStyle/>
+          <a:p>
+            <a:r>
+              <a:rPr lang="en-US" b="1" dirty="0"/>
+              <a:t>A&amp;P BIOL 206 Lab Report #7</a:t>
+            </a:r>
+          </a:p>
+          <a:p>
+            <a:endParaRPr lang="en-US" dirty="0"/>
+          </a:p>
+        </p:txBody>
+      </p:sp>
+      <p:sp>
+        <p:nvSpPr>
+          <p:cNvPr id="5" name="TextBox 4">
+            <a:extLst>
+              <a:ext uri="{FF2B5EF4-FFF2-40B4-BE49-F238E27FC236}">
+                <a16:creationId xmlns:a16="http://schemas.microsoft.com/office/drawing/2014/main" id="{2C907ABE-7D5A-09BE-91FB-6E4A190060F9}"/>
+              </a:ext>
+            </a:extLst>
+          </p:cNvPr>
+          <p:cNvSpPr txBox="1"/>
+          <p:nvPr/>
+        </p:nvSpPr>
+        <p:spPr>
+          <a:xfrm>
+            <a:off x="734385" y="1000200"/>
+            <a:ext cx="5117427" cy="276999"/>
+          </a:xfrm>
+          <a:prstGeom prst="rect">
+            <a:avLst/>
+          </a:prstGeom>
+          <a:noFill/>
+        </p:spPr>
+        <p:txBody>
+          <a:bodyPr wrap="none" rtlCol="0">
+            <a:spAutoFit/>
+          </a:bodyPr>
+          <a:lstStyle/>
+          <a:p>
+            <a:r>
+              <a:rPr lang="en-US" sz="1200" dirty="0"/>
+              <a:t>My first &amp; last name is: _____________________________________________</a:t>
+            </a:r>
+          </a:p>
+        </p:txBody>
+      </p:sp>
+      <p:sp>
+        <p:nvSpPr>
+          <p:cNvPr id="16" name="TextBox 15">
+            <a:extLst>
+              <a:ext uri="{FF2B5EF4-FFF2-40B4-BE49-F238E27FC236}">
+                <a16:creationId xmlns:a16="http://schemas.microsoft.com/office/drawing/2014/main" id="{F37EF220-19A4-DA8C-7F85-F173C9A867F1}"/>
+              </a:ext>
+            </a:extLst>
+          </p:cNvPr>
+          <p:cNvSpPr txBox="1"/>
+          <p:nvPr/>
+        </p:nvSpPr>
+        <p:spPr>
+          <a:xfrm>
+            <a:off x="3779093" y="2583145"/>
+            <a:ext cx="2805503" cy="3970318"/>
+          </a:xfrm>
+          <a:prstGeom prst="rect">
+            <a:avLst/>
+          </a:prstGeom>
+          <a:noFill/>
+        </p:spPr>
+        <p:txBody>
+          <a:bodyPr wrap="square" rtlCol="0">
+            <a:spAutoFit/>
+          </a:bodyPr>
+          <a:lstStyle/>
+          <a:p>
+            <a:r>
+              <a:rPr lang="en-US" sz="1200" dirty="0"/>
+              <a:t>What is the name of the labeled muscle?</a:t>
+            </a:r>
+          </a:p>
+          <a:p>
+            <a:endParaRPr lang="en-US" sz="1200" dirty="0"/>
+          </a:p>
+          <a:p>
+            <a:r>
+              <a:rPr lang="en-US" sz="1200" dirty="0"/>
+              <a:t>1.________________________________</a:t>
+            </a:r>
+          </a:p>
+          <a:p>
+            <a:endParaRPr lang="en-US" sz="1200" dirty="0"/>
+          </a:p>
+          <a:p>
+            <a:r>
+              <a:rPr lang="en-US" sz="1200" dirty="0"/>
+              <a:t>2. ________________________________</a:t>
+            </a:r>
+          </a:p>
+          <a:p>
+            <a:endParaRPr lang="en-US" sz="1200" dirty="0"/>
+          </a:p>
+          <a:p>
+            <a:r>
+              <a:rPr lang="en-US" sz="1200" dirty="0"/>
+              <a:t>3. ________________________________</a:t>
+            </a:r>
+          </a:p>
+          <a:p>
+            <a:endParaRPr lang="en-US" sz="1200" dirty="0"/>
+          </a:p>
+          <a:p>
+            <a:r>
+              <a:rPr lang="en-US" sz="1200" dirty="0"/>
+              <a:t>4. ________________________________</a:t>
+            </a:r>
+          </a:p>
+          <a:p>
+            <a:r>
+              <a:rPr lang="en-US" sz="1200" dirty="0"/>
+              <a:t> </a:t>
+            </a:r>
+          </a:p>
+          <a:p>
+            <a:r>
+              <a:rPr lang="en-US" sz="1200" dirty="0"/>
+              <a:t>5. ________________________________</a:t>
+            </a:r>
+          </a:p>
+          <a:p>
+            <a:endParaRPr lang="en-US" sz="1200" dirty="0"/>
+          </a:p>
+          <a:p>
+            <a:r>
+              <a:rPr lang="en-US" sz="1200" dirty="0"/>
+              <a:t>6. ________________________________</a:t>
+            </a:r>
+          </a:p>
+          <a:p>
+            <a:r>
+              <a:rPr lang="en-US" sz="1200" dirty="0"/>
+              <a:t> </a:t>
+            </a:r>
+          </a:p>
+          <a:p>
+            <a:r>
+              <a:rPr lang="en-US" sz="1200" dirty="0"/>
+              <a:t>7. ________________________________</a:t>
+            </a:r>
+          </a:p>
+          <a:p>
+            <a:endParaRPr lang="en-US" sz="1200" dirty="0"/>
+          </a:p>
+          <a:p>
+            <a:r>
+              <a:rPr lang="en-US" sz="1200" dirty="0"/>
+              <a:t>8. ________________________________</a:t>
+            </a:r>
+          </a:p>
+          <a:p>
+            <a:endParaRPr lang="en-US" sz="1200" dirty="0"/>
+          </a:p>
+          <a:p>
+            <a:r>
+              <a:rPr lang="en-US" sz="1200" dirty="0"/>
+              <a:t>9. ________________________________</a:t>
+            </a:r>
+          </a:p>
+          <a:p>
+            <a:endParaRPr lang="en-US" sz="1200" dirty="0"/>
+          </a:p>
+          <a:p>
+            <a:r>
+              <a:rPr lang="en-US" sz="1200" dirty="0"/>
+              <a:t>10. _______________________________</a:t>
+            </a:r>
+          </a:p>
+        </p:txBody>
+      </p:sp>
+      <p:sp>
+        <p:nvSpPr>
+          <p:cNvPr id="17" name="TextBox 16">
+            <a:extLst>
+              <a:ext uri="{FF2B5EF4-FFF2-40B4-BE49-F238E27FC236}">
+                <a16:creationId xmlns:a16="http://schemas.microsoft.com/office/drawing/2014/main" id="{F9B05BB3-DCDC-A67E-2BAE-3416E0CF4D69}"/>
+              </a:ext>
+            </a:extLst>
+          </p:cNvPr>
+          <p:cNvSpPr txBox="1"/>
+          <p:nvPr/>
+        </p:nvSpPr>
+        <p:spPr>
+          <a:xfrm>
+            <a:off x="2577564" y="3207834"/>
+            <a:ext cx="302466" cy="369332"/>
+          </a:xfrm>
+          <a:prstGeom prst="rect">
+            <a:avLst/>
+          </a:prstGeom>
+          <a:noFill/>
+        </p:spPr>
+        <p:txBody>
+          <a:bodyPr wrap="square" rtlCol="0">
+            <a:spAutoFit/>
+          </a:bodyPr>
+          <a:lstStyle/>
+          <a:p>
+            <a:r>
+              <a:rPr lang="en-US" dirty="0"/>
+              <a:t>2</a:t>
+            </a:r>
+          </a:p>
+        </p:txBody>
+      </p:sp>
+      <p:sp>
+        <p:nvSpPr>
+          <p:cNvPr id="19" name="TextBox 18">
+            <a:extLst>
+              <a:ext uri="{FF2B5EF4-FFF2-40B4-BE49-F238E27FC236}">
+                <a16:creationId xmlns:a16="http://schemas.microsoft.com/office/drawing/2014/main" id="{42EAC748-B28F-7BA7-88E8-8916232E7606}"/>
+              </a:ext>
+            </a:extLst>
+          </p:cNvPr>
+          <p:cNvSpPr txBox="1"/>
+          <p:nvPr/>
+        </p:nvSpPr>
+        <p:spPr>
+          <a:xfrm>
+            <a:off x="3121955" y="3597428"/>
+            <a:ext cx="302466" cy="369332"/>
+          </a:xfrm>
+          <a:prstGeom prst="rect">
+            <a:avLst/>
+          </a:prstGeom>
+          <a:noFill/>
+        </p:spPr>
+        <p:txBody>
+          <a:bodyPr wrap="square" rtlCol="0">
+            <a:spAutoFit/>
+          </a:bodyPr>
+          <a:lstStyle/>
+          <a:p>
+            <a:r>
+              <a:rPr lang="en-US" dirty="0"/>
+              <a:t>3</a:t>
+            </a:r>
+          </a:p>
+        </p:txBody>
+      </p:sp>
+      <p:sp>
+        <p:nvSpPr>
+          <p:cNvPr id="20" name="TextBox 19">
+            <a:extLst>
+              <a:ext uri="{FF2B5EF4-FFF2-40B4-BE49-F238E27FC236}">
+                <a16:creationId xmlns:a16="http://schemas.microsoft.com/office/drawing/2014/main" id="{2ABFE8FB-3DC0-A7FA-226C-02122840C8DB}"/>
+              </a:ext>
+            </a:extLst>
+          </p:cNvPr>
+          <p:cNvSpPr txBox="1"/>
+          <p:nvPr/>
+        </p:nvSpPr>
+        <p:spPr>
+          <a:xfrm>
+            <a:off x="3245611" y="2999228"/>
+            <a:ext cx="302466" cy="369332"/>
+          </a:xfrm>
+          <a:prstGeom prst="rect">
+            <a:avLst/>
+          </a:prstGeom>
+          <a:noFill/>
+        </p:spPr>
+        <p:txBody>
+          <a:bodyPr wrap="square" rtlCol="0">
+            <a:spAutoFit/>
+          </a:bodyPr>
+          <a:lstStyle/>
+          <a:p>
+            <a:r>
+              <a:rPr lang="en-US" dirty="0"/>
+              <a:t>4</a:t>
+            </a:r>
+          </a:p>
+        </p:txBody>
+      </p:sp>
+      <p:sp>
+        <p:nvSpPr>
+          <p:cNvPr id="10" name="TextBox 9">
+            <a:extLst>
+              <a:ext uri="{FF2B5EF4-FFF2-40B4-BE49-F238E27FC236}">
+                <a16:creationId xmlns:a16="http://schemas.microsoft.com/office/drawing/2014/main" id="{D52DDA15-E2BB-1F1D-F980-18A8DBE52D91}"/>
+              </a:ext>
+            </a:extLst>
+          </p:cNvPr>
+          <p:cNvSpPr txBox="1"/>
+          <p:nvPr/>
+        </p:nvSpPr>
+        <p:spPr>
+          <a:xfrm>
+            <a:off x="1157520" y="3088081"/>
+            <a:ext cx="302466" cy="369332"/>
+          </a:xfrm>
+          <a:prstGeom prst="rect">
+            <a:avLst/>
+          </a:prstGeom>
+          <a:noFill/>
+        </p:spPr>
+        <p:txBody>
+          <a:bodyPr wrap="square" rtlCol="0">
+            <a:spAutoFit/>
+          </a:bodyPr>
+          <a:lstStyle/>
+          <a:p>
+            <a:r>
+              <a:rPr lang="en-US" dirty="0"/>
+              <a:t>5</a:t>
+            </a:r>
+          </a:p>
+        </p:txBody>
+      </p:sp>
+      <p:sp>
+        <p:nvSpPr>
+          <p:cNvPr id="25" name="TextBox 24">
+            <a:extLst>
+              <a:ext uri="{FF2B5EF4-FFF2-40B4-BE49-F238E27FC236}">
+                <a16:creationId xmlns:a16="http://schemas.microsoft.com/office/drawing/2014/main" id="{606981D5-BA5E-A368-57C4-7B658435D0EF}"/>
+              </a:ext>
+            </a:extLst>
+          </p:cNvPr>
+          <p:cNvSpPr txBox="1"/>
+          <p:nvPr/>
+        </p:nvSpPr>
+        <p:spPr>
+          <a:xfrm>
+            <a:off x="2517328" y="6169877"/>
+            <a:ext cx="300038" cy="369332"/>
+          </a:xfrm>
+          <a:prstGeom prst="rect">
+            <a:avLst/>
+          </a:prstGeom>
+          <a:noFill/>
+        </p:spPr>
+        <p:txBody>
+          <a:bodyPr wrap="square" rtlCol="0">
+            <a:spAutoFit/>
+          </a:bodyPr>
+          <a:lstStyle/>
+          <a:p>
+            <a:r>
+              <a:rPr lang="en-US" dirty="0"/>
+              <a:t>7</a:t>
+            </a:r>
+          </a:p>
+        </p:txBody>
+      </p:sp>
+      <p:sp>
+        <p:nvSpPr>
+          <p:cNvPr id="26" name="TextBox 25">
+            <a:extLst>
+              <a:ext uri="{FF2B5EF4-FFF2-40B4-BE49-F238E27FC236}">
+                <a16:creationId xmlns:a16="http://schemas.microsoft.com/office/drawing/2014/main" id="{AAA10178-5FB0-3715-D05F-0A5B2F2A15EA}"/>
+              </a:ext>
+            </a:extLst>
+          </p:cNvPr>
+          <p:cNvSpPr txBox="1"/>
+          <p:nvPr/>
+        </p:nvSpPr>
+        <p:spPr>
+          <a:xfrm>
+            <a:off x="1831143" y="7350968"/>
+            <a:ext cx="300038" cy="369332"/>
+          </a:xfrm>
+          <a:prstGeom prst="rect">
+            <a:avLst/>
+          </a:prstGeom>
+          <a:noFill/>
+        </p:spPr>
+        <p:txBody>
+          <a:bodyPr wrap="square" rtlCol="0">
+            <a:spAutoFit/>
+          </a:bodyPr>
+          <a:lstStyle/>
+          <a:p>
+            <a:r>
+              <a:rPr lang="en-US" dirty="0"/>
+              <a:t>8</a:t>
+            </a:r>
+          </a:p>
+        </p:txBody>
+      </p:sp>
+      <p:sp>
+        <p:nvSpPr>
+          <p:cNvPr id="22" name="TextBox 21">
+            <a:extLst>
+              <a:ext uri="{FF2B5EF4-FFF2-40B4-BE49-F238E27FC236}">
+                <a16:creationId xmlns:a16="http://schemas.microsoft.com/office/drawing/2014/main" id="{9C01C4AA-CF62-71BC-367D-9540E71D853C}"/>
+              </a:ext>
+            </a:extLst>
+          </p:cNvPr>
+          <p:cNvSpPr txBox="1"/>
+          <p:nvPr/>
+        </p:nvSpPr>
+        <p:spPr>
+          <a:xfrm>
+            <a:off x="1177878" y="5938422"/>
+            <a:ext cx="300038" cy="369332"/>
+          </a:xfrm>
+          <a:prstGeom prst="rect">
+            <a:avLst/>
+          </a:prstGeom>
+          <a:noFill/>
+        </p:spPr>
+        <p:txBody>
+          <a:bodyPr wrap="square" rtlCol="0">
+            <a:spAutoFit/>
+          </a:bodyPr>
+          <a:lstStyle/>
+          <a:p>
+            <a:r>
+              <a:rPr lang="en-US" dirty="0"/>
+              <a:t>9</a:t>
+            </a:r>
+          </a:p>
+        </p:txBody>
+      </p:sp>
+      <p:sp>
+        <p:nvSpPr>
+          <p:cNvPr id="27" name="TextBox 26">
+            <a:extLst>
+              <a:ext uri="{FF2B5EF4-FFF2-40B4-BE49-F238E27FC236}">
+                <a16:creationId xmlns:a16="http://schemas.microsoft.com/office/drawing/2014/main" id="{3C5359C6-BBA3-F66D-4E99-A1B5E33CC093}"/>
+              </a:ext>
+            </a:extLst>
+          </p:cNvPr>
+          <p:cNvSpPr txBox="1"/>
+          <p:nvPr/>
+        </p:nvSpPr>
+        <p:spPr>
+          <a:xfrm>
+            <a:off x="756315" y="6718739"/>
+            <a:ext cx="421563" cy="369332"/>
+          </a:xfrm>
+          <a:prstGeom prst="rect">
+            <a:avLst/>
+          </a:prstGeom>
+          <a:noFill/>
+        </p:spPr>
+        <p:txBody>
+          <a:bodyPr wrap="square" rtlCol="0">
+            <a:spAutoFit/>
+          </a:bodyPr>
+          <a:lstStyle/>
+          <a:p>
+            <a:r>
+              <a:rPr lang="en-US" dirty="0"/>
+              <a:t>10</a:t>
+            </a:r>
+          </a:p>
+        </p:txBody>
+      </p:sp>
+      <p:sp>
+        <p:nvSpPr>
+          <p:cNvPr id="24" name="TextBox 23">
+            <a:extLst>
+              <a:ext uri="{FF2B5EF4-FFF2-40B4-BE49-F238E27FC236}">
+                <a16:creationId xmlns:a16="http://schemas.microsoft.com/office/drawing/2014/main" id="{FFD3C8CC-A500-9004-76B2-D2302458D2E1}"/>
+              </a:ext>
+            </a:extLst>
+          </p:cNvPr>
+          <p:cNvSpPr txBox="1"/>
+          <p:nvPr/>
+        </p:nvSpPr>
+        <p:spPr>
+          <a:xfrm>
+            <a:off x="1389114" y="6251112"/>
+            <a:ext cx="300038" cy="369332"/>
+          </a:xfrm>
+          <a:prstGeom prst="rect">
+            <a:avLst/>
+          </a:prstGeom>
+          <a:noFill/>
+        </p:spPr>
+        <p:txBody>
+          <a:bodyPr wrap="square" rtlCol="0">
+            <a:spAutoFit/>
+          </a:bodyPr>
+          <a:lstStyle/>
+          <a:p>
+            <a:r>
+              <a:rPr lang="en-US" dirty="0"/>
+              <a:t>6</a:t>
+            </a:r>
+          </a:p>
+        </p:txBody>
+      </p:sp>
+      <p:sp>
+        <p:nvSpPr>
+          <p:cNvPr id="2" name="TextBox 1">
+            <a:extLst>
+              <a:ext uri="{FF2B5EF4-FFF2-40B4-BE49-F238E27FC236}">
+                <a16:creationId xmlns:a16="http://schemas.microsoft.com/office/drawing/2014/main" id="{BB613E07-1A3F-3AEB-7123-275EB8717148}"/>
+              </a:ext>
+            </a:extLst>
+          </p:cNvPr>
+          <p:cNvSpPr txBox="1"/>
+          <p:nvPr/>
+        </p:nvSpPr>
+        <p:spPr>
+          <a:xfrm>
+            <a:off x="1825567" y="2894142"/>
+            <a:ext cx="302466" cy="369332"/>
+          </a:xfrm>
+          <a:prstGeom prst="rect">
+            <a:avLst/>
+          </a:prstGeom>
+          <a:noFill/>
+        </p:spPr>
+        <p:txBody>
+          <a:bodyPr wrap="square" rtlCol="0">
+            <a:spAutoFit/>
+          </a:bodyPr>
+          <a:lstStyle/>
+          <a:p>
+            <a:r>
+              <a:rPr lang="en-US" dirty="0"/>
+              <a:t>1</a:t>
+            </a:r>
+          </a:p>
+        </p:txBody>
+      </p:sp>
+      <p:cxnSp>
+        <p:nvCxnSpPr>
+          <p:cNvPr id="28" name="Straight Connector 27">
+            <a:extLst>
+              <a:ext uri="{FF2B5EF4-FFF2-40B4-BE49-F238E27FC236}">
+                <a16:creationId xmlns:a16="http://schemas.microsoft.com/office/drawing/2014/main" id="{0B1670EE-8863-4291-A70E-C3AF711451CB}"/>
+              </a:ext>
+            </a:extLst>
+          </p:cNvPr>
+          <p:cNvCxnSpPr>
+            <a:cxnSpLocks/>
+          </p:cNvCxnSpPr>
+          <p:nvPr/>
+        </p:nvCxnSpPr>
+        <p:spPr>
+          <a:xfrm>
+            <a:off x="2078820" y="3122469"/>
+            <a:ext cx="425890" cy="246091"/>
+          </a:xfrm>
+          <a:prstGeom prst="line">
+            <a:avLst/>
+          </a:prstGeom>
+        </p:spPr>
+        <p:style>
+          <a:lnRef idx="3">
+            <a:schemeClr val="dk1"/>
+          </a:lnRef>
+          <a:fillRef idx="0">
+            <a:schemeClr val="dk1"/>
+          </a:fillRef>
+          <a:effectRef idx="2">
+            <a:schemeClr val="dk1"/>
+          </a:effectRef>
+          <a:fontRef idx="minor">
+            <a:schemeClr val="tx1"/>
+          </a:fontRef>
+        </p:style>
+      </p:cxnSp>
+      <p:cxnSp>
+        <p:nvCxnSpPr>
+          <p:cNvPr id="30" name="Straight Connector 29">
+            <a:extLst>
+              <a:ext uri="{FF2B5EF4-FFF2-40B4-BE49-F238E27FC236}">
+                <a16:creationId xmlns:a16="http://schemas.microsoft.com/office/drawing/2014/main" id="{48F50174-1049-B1F6-FFA7-3A73C569FB1C}"/>
+              </a:ext>
+            </a:extLst>
+          </p:cNvPr>
+          <p:cNvCxnSpPr>
+            <a:cxnSpLocks/>
+          </p:cNvCxnSpPr>
+          <p:nvPr/>
+        </p:nvCxnSpPr>
+        <p:spPr>
+          <a:xfrm>
+            <a:off x="2886408" y="3001895"/>
+            <a:ext cx="406690" cy="131095"/>
+          </a:xfrm>
+          <a:prstGeom prst="line">
+            <a:avLst/>
+          </a:prstGeom>
+        </p:spPr>
+        <p:style>
+          <a:lnRef idx="3">
+            <a:schemeClr val="dk1"/>
+          </a:lnRef>
+          <a:fillRef idx="0">
+            <a:schemeClr val="dk1"/>
+          </a:fillRef>
+          <a:effectRef idx="2">
+            <a:schemeClr val="dk1"/>
+          </a:effectRef>
+          <a:fontRef idx="minor">
+            <a:schemeClr val="tx1"/>
+          </a:fontRef>
+        </p:style>
+      </p:cxnSp>
+      <p:cxnSp>
+        <p:nvCxnSpPr>
+          <p:cNvPr id="32" name="Straight Connector 31">
+            <a:extLst>
+              <a:ext uri="{FF2B5EF4-FFF2-40B4-BE49-F238E27FC236}">
+                <a16:creationId xmlns:a16="http://schemas.microsoft.com/office/drawing/2014/main" id="{F06DDB3D-6C72-0530-944B-037460FD1C3A}"/>
+              </a:ext>
+            </a:extLst>
+          </p:cNvPr>
+          <p:cNvCxnSpPr>
+            <a:cxnSpLocks/>
+          </p:cNvCxnSpPr>
+          <p:nvPr/>
+        </p:nvCxnSpPr>
+        <p:spPr>
+          <a:xfrm>
+            <a:off x="2964883" y="3772264"/>
+            <a:ext cx="212945" cy="9830"/>
+          </a:xfrm>
+          <a:prstGeom prst="line">
+            <a:avLst/>
+          </a:prstGeom>
+        </p:spPr>
+        <p:style>
+          <a:lnRef idx="3">
+            <a:schemeClr val="dk1"/>
+          </a:lnRef>
+          <a:fillRef idx="0">
+            <a:schemeClr val="dk1"/>
+          </a:fillRef>
+          <a:effectRef idx="2">
+            <a:schemeClr val="dk1"/>
+          </a:effectRef>
+          <a:fontRef idx="minor">
+            <a:schemeClr val="tx1"/>
+          </a:fontRef>
+        </p:style>
+      </p:cxnSp>
+      <p:cxnSp>
+        <p:nvCxnSpPr>
+          <p:cNvPr id="35" name="Straight Connector 34">
+            <a:extLst>
+              <a:ext uri="{FF2B5EF4-FFF2-40B4-BE49-F238E27FC236}">
+                <a16:creationId xmlns:a16="http://schemas.microsoft.com/office/drawing/2014/main" id="{337FF647-809D-3B93-78D8-1CC43E7350AF}"/>
+              </a:ext>
+            </a:extLst>
+          </p:cNvPr>
+          <p:cNvCxnSpPr>
+            <a:cxnSpLocks/>
+          </p:cNvCxnSpPr>
+          <p:nvPr/>
+        </p:nvCxnSpPr>
+        <p:spPr>
+          <a:xfrm>
+            <a:off x="3016872" y="3194619"/>
+            <a:ext cx="2843" cy="13215"/>
+          </a:xfrm>
+          <a:prstGeom prst="line">
+            <a:avLst/>
+          </a:prstGeom>
+        </p:spPr>
+        <p:style>
+          <a:lnRef idx="3">
+            <a:schemeClr val="dk1"/>
+          </a:lnRef>
+          <a:fillRef idx="0">
+            <a:schemeClr val="dk1"/>
+          </a:fillRef>
+          <a:effectRef idx="2">
+            <a:schemeClr val="dk1"/>
+          </a:effectRef>
+          <a:fontRef idx="minor">
+            <a:schemeClr val="tx1"/>
+          </a:fontRef>
+        </p:style>
+      </p:cxnSp>
+      <p:cxnSp>
+        <p:nvCxnSpPr>
+          <p:cNvPr id="15" name="Straight Connector 14">
+            <a:extLst>
+              <a:ext uri="{FF2B5EF4-FFF2-40B4-BE49-F238E27FC236}">
+                <a16:creationId xmlns:a16="http://schemas.microsoft.com/office/drawing/2014/main" id="{A1E2960E-A43F-FFDE-77B9-E27FC6470A27}"/>
+              </a:ext>
+            </a:extLst>
+          </p:cNvPr>
+          <p:cNvCxnSpPr/>
+          <p:nvPr/>
+        </p:nvCxnSpPr>
+        <p:spPr>
+          <a:xfrm flipV="1">
+            <a:off x="1600865" y="7573461"/>
+            <a:ext cx="311150" cy="190500"/>
+          </a:xfrm>
+          <a:prstGeom prst="line">
+            <a:avLst/>
+          </a:prstGeom>
+        </p:spPr>
+        <p:style>
+          <a:lnRef idx="3">
+            <a:schemeClr val="dk1"/>
+          </a:lnRef>
+          <a:fillRef idx="0">
+            <a:schemeClr val="dk1"/>
+          </a:fillRef>
+          <a:effectRef idx="2">
+            <a:schemeClr val="dk1"/>
+          </a:effectRef>
+          <a:fontRef idx="minor">
+            <a:schemeClr val="tx1"/>
+          </a:fontRef>
+        </p:style>
+      </p:cxnSp>
+      <p:cxnSp>
+        <p:nvCxnSpPr>
+          <p:cNvPr id="21" name="Straight Connector 20">
+            <a:extLst>
+              <a:ext uri="{FF2B5EF4-FFF2-40B4-BE49-F238E27FC236}">
+                <a16:creationId xmlns:a16="http://schemas.microsoft.com/office/drawing/2014/main" id="{EFDC3401-7DCE-FD31-DF87-A1B7DF1506A4}"/>
+              </a:ext>
+            </a:extLst>
+          </p:cNvPr>
+          <p:cNvCxnSpPr>
+            <a:cxnSpLocks/>
+            <a:endCxn id="27" idx="3"/>
+          </p:cNvCxnSpPr>
+          <p:nvPr/>
+        </p:nvCxnSpPr>
+        <p:spPr>
+          <a:xfrm flipH="1">
+            <a:off x="1177878" y="6859714"/>
+            <a:ext cx="270508" cy="43691"/>
+          </a:xfrm>
+          <a:prstGeom prst="line">
+            <a:avLst/>
+          </a:prstGeom>
+        </p:spPr>
+        <p:style>
+          <a:lnRef idx="3">
+            <a:schemeClr val="dk1"/>
+          </a:lnRef>
+          <a:fillRef idx="0">
+            <a:schemeClr val="dk1"/>
+          </a:fillRef>
+          <a:effectRef idx="2">
+            <a:schemeClr val="dk1"/>
+          </a:effectRef>
+          <a:fontRef idx="minor">
+            <a:schemeClr val="tx1"/>
+          </a:fontRef>
+        </p:style>
+      </p:cxnSp>
+    </p:spTree>
+    <p:extLst>
+      <p:ext uri="{BB962C8B-B14F-4D97-AF65-F5344CB8AC3E}">
+        <p14:creationId xmlns:p14="http://schemas.microsoft.com/office/powerpoint/2010/main" val="911951939"/>
       </p:ext>
     </p:extLst>
   </p:cSld>
